--- a/CSharpProgramming/Presentations/ProgPartII/Lists.pptx
+++ b/CSharpProgramming/Presentations/ProgPartII/Lists.pptx
@@ -294,7 +294,7 @@
           <a:p>
             <a:fld id="{E15B7D8E-2A20-4C0E-991C-872DBB7459A8}" type="datetimeFigureOut">
               <a:rPr lang="da-DK" smtClean="0"/>
-              <a:t>05-10-2017</a:t>
+              <a:t>24-02-2018</a:t>
             </a:fld>
             <a:endParaRPr lang="da-DK"/>
           </a:p>
@@ -464,7 +464,7 @@
           <a:p>
             <a:fld id="{E15B7D8E-2A20-4C0E-991C-872DBB7459A8}" type="datetimeFigureOut">
               <a:rPr lang="da-DK" smtClean="0"/>
-              <a:t>05-10-2017</a:t>
+              <a:t>24-02-2018</a:t>
             </a:fld>
             <a:endParaRPr lang="da-DK"/>
           </a:p>
@@ -644,7 +644,7 @@
           <a:p>
             <a:fld id="{E15B7D8E-2A20-4C0E-991C-872DBB7459A8}" type="datetimeFigureOut">
               <a:rPr lang="da-DK" smtClean="0"/>
-              <a:t>05-10-2017</a:t>
+              <a:t>24-02-2018</a:t>
             </a:fld>
             <a:endParaRPr lang="da-DK"/>
           </a:p>
@@ -814,7 +814,7 @@
           <a:p>
             <a:fld id="{E15B7D8E-2A20-4C0E-991C-872DBB7459A8}" type="datetimeFigureOut">
               <a:rPr lang="da-DK" smtClean="0"/>
-              <a:t>05-10-2017</a:t>
+              <a:t>24-02-2018</a:t>
             </a:fld>
             <a:endParaRPr lang="da-DK"/>
           </a:p>
@@ -1060,7 +1060,7 @@
           <a:p>
             <a:fld id="{E15B7D8E-2A20-4C0E-991C-872DBB7459A8}" type="datetimeFigureOut">
               <a:rPr lang="da-DK" smtClean="0"/>
-              <a:t>05-10-2017</a:t>
+              <a:t>24-02-2018</a:t>
             </a:fld>
             <a:endParaRPr lang="da-DK"/>
           </a:p>
@@ -1292,7 +1292,7 @@
           <a:p>
             <a:fld id="{E15B7D8E-2A20-4C0E-991C-872DBB7459A8}" type="datetimeFigureOut">
               <a:rPr lang="da-DK" smtClean="0"/>
-              <a:t>05-10-2017</a:t>
+              <a:t>24-02-2018</a:t>
             </a:fld>
             <a:endParaRPr lang="da-DK"/>
           </a:p>
@@ -1659,7 +1659,7 @@
           <a:p>
             <a:fld id="{E15B7D8E-2A20-4C0E-991C-872DBB7459A8}" type="datetimeFigureOut">
               <a:rPr lang="da-DK" smtClean="0"/>
-              <a:t>05-10-2017</a:t>
+              <a:t>24-02-2018</a:t>
             </a:fld>
             <a:endParaRPr lang="da-DK"/>
           </a:p>
@@ -1777,7 +1777,7 @@
           <a:p>
             <a:fld id="{E15B7D8E-2A20-4C0E-991C-872DBB7459A8}" type="datetimeFigureOut">
               <a:rPr lang="da-DK" smtClean="0"/>
-              <a:t>05-10-2017</a:t>
+              <a:t>24-02-2018</a:t>
             </a:fld>
             <a:endParaRPr lang="da-DK"/>
           </a:p>
@@ -1872,7 +1872,7 @@
           <a:p>
             <a:fld id="{E15B7D8E-2A20-4C0E-991C-872DBB7459A8}" type="datetimeFigureOut">
               <a:rPr lang="da-DK" smtClean="0"/>
-              <a:t>05-10-2017</a:t>
+              <a:t>24-02-2018</a:t>
             </a:fld>
             <a:endParaRPr lang="da-DK"/>
           </a:p>
@@ -2149,7 +2149,7 @@
           <a:p>
             <a:fld id="{E15B7D8E-2A20-4C0E-991C-872DBB7459A8}" type="datetimeFigureOut">
               <a:rPr lang="da-DK" smtClean="0"/>
-              <a:t>05-10-2017</a:t>
+              <a:t>24-02-2018</a:t>
             </a:fld>
             <a:endParaRPr lang="da-DK"/>
           </a:p>
@@ -2402,7 +2402,7 @@
           <a:p>
             <a:fld id="{E15B7D8E-2A20-4C0E-991C-872DBB7459A8}" type="datetimeFigureOut">
               <a:rPr lang="da-DK" smtClean="0"/>
-              <a:t>05-10-2017</a:t>
+              <a:t>24-02-2018</a:t>
             </a:fld>
             <a:endParaRPr lang="da-DK"/>
           </a:p>
@@ -2615,7 +2615,7 @@
           <a:p>
             <a:fld id="{E15B7D8E-2A20-4C0E-991C-872DBB7459A8}" type="datetimeFigureOut">
               <a:rPr lang="da-DK" smtClean="0"/>
-              <a:t>05-10-2017</a:t>
+              <a:t>24-02-2018</a:t>
             </a:fld>
             <a:endParaRPr lang="da-DK"/>
           </a:p>
@@ -3176,8 +3176,12 @@
               <a:rPr lang="da-DK" sz="9600"/>
             </a:br>
             <a:r>
-              <a:rPr lang="da-DK" sz="4800" b="1" smtClean="0"/>
-              <a:t>et array af 3 elementer af typen </a:t>
+              <a:rPr lang="da-DK" sz="4800" b="1"/>
+              <a:t>an array of 3 elements of </a:t>
+            </a:r>
+            <a:r>
+              <a:rPr lang="da-DK" sz="4800" b="1"/>
+              <a:t>type </a:t>
             </a:r>
             <a:r>
               <a:rPr lang="da-DK" sz="4800" b="1" smtClean="0">
@@ -3205,13 +3209,13 @@
   <p:clrMapOvr>
     <a:masterClrMapping/>
   </p:clrMapOvr>
-  <mc:AlternateContent xmlns:mc="http://schemas.openxmlformats.org/markup-compatibility/2006">
-    <mc:Choice xmlns:p14="http://schemas.microsoft.com/office/powerpoint/2010/main" Requires="p14">
+  <mc:AlternateContent xmlns:mc="http://schemas.openxmlformats.org/markup-compatibility/2006" xmlns:p14="http://schemas.microsoft.com/office/powerpoint/2010/main">
+    <mc:Choice Requires="p14">
       <p:transition spd="med" p14:dur="700">
         <p:fade/>
       </p:transition>
     </mc:Choice>
-    <mc:Fallback>
+    <mc:Fallback xmlns="">
       <p:transition spd="med">
         <p:fade/>
       </p:transition>
@@ -3319,7 +3323,31 @@
             </a:br>
             <a:r>
               <a:rPr lang="da-DK" sz="4000" b="1" smtClean="0"/>
-              <a:t>et array af 3 (referencer til) objekter af typen </a:t>
+              <a:t>an </a:t>
+            </a:r>
+            <a:r>
+              <a:rPr lang="da-DK" sz="4000" b="1" smtClean="0"/>
+              <a:t>array </a:t>
+            </a:r>
+            <a:r>
+              <a:rPr lang="da-DK" sz="4000" b="1" smtClean="0"/>
+              <a:t>of </a:t>
+            </a:r>
+            <a:r>
+              <a:rPr lang="da-DK" sz="4000" b="1" smtClean="0"/>
+              <a:t>3 </a:t>
+            </a:r>
+            <a:r>
+              <a:rPr lang="da-DK" sz="4000" b="1" smtClean="0"/>
+              <a:t>(references to) objects </a:t>
+            </a:r>
+            <a:r>
+              <a:rPr lang="da-DK" sz="4000" b="1"/>
+              <a:t>o</a:t>
+            </a:r>
+            <a:r>
+              <a:rPr lang="da-DK" sz="4000" b="1" smtClean="0"/>
+              <a:t>f type </a:t>
             </a:r>
             <a:r>
               <a:rPr lang="da-DK" sz="4000" b="1" smtClean="0">
@@ -3351,13 +3379,13 @@
   <p:clrMapOvr>
     <a:masterClrMapping/>
   </p:clrMapOvr>
-  <mc:AlternateContent xmlns:mc="http://schemas.openxmlformats.org/markup-compatibility/2006">
-    <mc:Choice xmlns:p14="http://schemas.microsoft.com/office/powerpoint/2010/main" Requires="p14">
+  <mc:AlternateContent xmlns:mc="http://schemas.openxmlformats.org/markup-compatibility/2006" xmlns:p14="http://schemas.microsoft.com/office/powerpoint/2010/main">
+    <mc:Choice Requires="p14">
       <p:transition spd="med" p14:dur="700">
         <p:fade/>
       </p:transition>
     </mc:Choice>
-    <mc:Fallback>
+    <mc:Fallback xmlns="">
       <p:transition spd="med">
         <p:fade/>
       </p:transition>
@@ -3610,11 +3638,11 @@
   <p:clrMapOvr>
     <a:masterClrMapping/>
   </p:clrMapOvr>
-  <mc:AlternateContent xmlns:mc="http://schemas.openxmlformats.org/markup-compatibility/2006">
-    <mc:Choice xmlns:p14="http://schemas.microsoft.com/office/powerpoint/2010/main" Requires="p14">
+  <mc:AlternateContent xmlns:mc="http://schemas.openxmlformats.org/markup-compatibility/2006" xmlns:p14="http://schemas.microsoft.com/office/powerpoint/2010/main">
+    <mc:Choice Requires="p14">
       <p:transition p14:dur="10"/>
     </mc:Choice>
-    <mc:Fallback>
+    <mc:Fallback xmlns="">
       <p:transition/>
     </mc:Fallback>
   </mc:AlternateContent>
@@ -4019,7 +4047,7 @@
             <a:pPr algn="ctr"/>
             <a:r>
               <a:rPr lang="da-DK" sz="4800" smtClean="0"/>
-              <a:t>Værdi</a:t>
+              <a:t>Value</a:t>
             </a:r>
             <a:endParaRPr lang="da-DK" sz="4800"/>
           </a:p>
@@ -5999,11 +6027,11 @@
   <p:clrMapOvr>
     <a:masterClrMapping/>
   </p:clrMapOvr>
-  <mc:AlternateContent xmlns:mc="http://schemas.openxmlformats.org/markup-compatibility/2006">
-    <mc:Choice xmlns:p14="http://schemas.microsoft.com/office/powerpoint/2010/main" Requires="p14">
+  <mc:AlternateContent xmlns:mc="http://schemas.openxmlformats.org/markup-compatibility/2006" xmlns:p14="http://schemas.microsoft.com/office/powerpoint/2010/main">
+    <mc:Choice Requires="p14">
       <p:transition p14:dur="0"/>
     </mc:Choice>
-    <mc:Fallback>
+    <mc:Fallback xmlns="">
       <p:transition/>
     </mc:Fallback>
   </mc:AlternateContent>
@@ -7255,7 +7283,7 @@
               <a:t>   // </a:t>
             </a:r>
             <a:r>
-              <a:rPr lang="da-DK" sz="2800" b="1">
+              <a:rPr lang="da-DK" sz="2800" b="1" smtClean="0">
                 <a:solidFill>
                   <a:schemeClr val="accent6">
                     <a:lumMod val="75000"/>
@@ -7263,8 +7291,16 @@
                 </a:solidFill>
                 <a:latin typeface="Consolas" panose="020B0609020204030204" pitchFamily="49" charset="0"/>
               </a:rPr>
-              <a:t>...og så videre</a:t>
-            </a:r>
+              <a:t>...etc</a:t>
+            </a:r>
+            <a:endParaRPr lang="da-DK" sz="2800" b="1">
+              <a:solidFill>
+                <a:schemeClr val="accent6">
+                  <a:lumMod val="75000"/>
+                </a:schemeClr>
+              </a:solidFill>
+              <a:latin typeface="Consolas" panose="020B0609020204030204" pitchFamily="49" charset="0"/>
+            </a:endParaRPr>
           </a:p>
           <a:p>
             <a:r>
@@ -7289,11 +7325,11 @@
   <p:clrMapOvr>
     <a:masterClrMapping/>
   </p:clrMapOvr>
-  <mc:AlternateContent xmlns:mc="http://schemas.openxmlformats.org/markup-compatibility/2006">
-    <mc:Choice xmlns:p14="http://schemas.microsoft.com/office/powerpoint/2010/main" Requires="p14">
+  <mc:AlternateContent xmlns:mc="http://schemas.openxmlformats.org/markup-compatibility/2006" xmlns:p14="http://schemas.microsoft.com/office/powerpoint/2010/main">
+    <mc:Choice Requires="p14">
       <p:transition p14:dur="0"/>
     </mc:Choice>
-    <mc:Fallback>
+    <mc:Fallback xmlns="">
       <p:transition/>
     </mc:Fallback>
   </mc:AlternateContent>
@@ -8756,11 +8792,11 @@
   <p:clrMapOvr>
     <a:masterClrMapping/>
   </p:clrMapOvr>
-  <mc:AlternateContent xmlns:mc="http://schemas.openxmlformats.org/markup-compatibility/2006">
-    <mc:Choice xmlns:p14="http://schemas.microsoft.com/office/powerpoint/2010/main" Requires="p14">
+  <mc:AlternateContent xmlns:mc="http://schemas.openxmlformats.org/markup-compatibility/2006" xmlns:p14="http://schemas.microsoft.com/office/powerpoint/2010/main">
+    <mc:Choice Requires="p14">
       <p:transition p14:dur="0"/>
     </mc:Choice>
-    <mc:Fallback>
+    <mc:Fallback xmlns="">
       <p:transition/>
     </mc:Fallback>
   </mc:AlternateContent>
@@ -8841,7 +8877,7 @@
                 </a:solidFill>
                 <a:latin typeface="Consolas" panose="020B0609020204030204" pitchFamily="49" charset="0"/>
               </a:rPr>
-              <a:t>variabelNavn</a:t>
+              <a:t>variableName</a:t>
             </a:r>
             <a:r>
               <a:rPr lang="da-DK" sz="3600" b="1" smtClean="0">
@@ -8871,7 +8907,7 @@
                 </a:solidFill>
                 <a:latin typeface="Consolas" panose="020B0609020204030204" pitchFamily="49" charset="0"/>
               </a:rPr>
-              <a:t>arrayNavn</a:t>
+              <a:t>arrayName</a:t>
             </a:r>
             <a:r>
               <a:rPr lang="da-DK" sz="3600" b="1" smtClean="0">
@@ -8879,6 +8915,9 @@
               </a:rPr>
               <a:t>)</a:t>
             </a:r>
+            <a:endParaRPr lang="da-DK" sz="3600" b="1" smtClean="0">
+              <a:latin typeface="Consolas" panose="020B0609020204030204" pitchFamily="49" charset="0"/>
+            </a:endParaRPr>
           </a:p>
           <a:p>
             <a:r>
@@ -8925,7 +8964,7 @@
                 </a:solidFill>
                 <a:latin typeface="Consolas" panose="020B0609020204030204" pitchFamily="49" charset="0"/>
               </a:rPr>
-              <a:t>variabelNavn</a:t>
+              <a:t>variableName</a:t>
             </a:r>
             <a:r>
               <a:rPr lang="da-DK" sz="3600" b="1" smtClean="0">
@@ -8933,6 +8972,9 @@
               </a:rPr>
               <a:t>);</a:t>
             </a:r>
+            <a:endParaRPr lang="da-DK" sz="3600" b="1" smtClean="0">
+              <a:latin typeface="Consolas" panose="020B0609020204030204" pitchFamily="49" charset="0"/>
+            </a:endParaRPr>
           </a:p>
           <a:p>
             <a:r>
@@ -8954,11 +8996,11 @@
   <p:clrMapOvr>
     <a:masterClrMapping/>
   </p:clrMapOvr>
-  <mc:AlternateContent xmlns:mc="http://schemas.openxmlformats.org/markup-compatibility/2006">
-    <mc:Choice xmlns:p14="http://schemas.microsoft.com/office/powerpoint/2010/main" Requires="p14">
+  <mc:AlternateContent xmlns:mc="http://schemas.openxmlformats.org/markup-compatibility/2006" xmlns:p14="http://schemas.microsoft.com/office/powerpoint/2010/main">
+    <mc:Choice Requires="p14">
       <p:transition p14:dur="0"/>
     </mc:Choice>
-    <mc:Fallback>
+    <mc:Fallback xmlns="">
       <p:transition/>
     </mc:Fallback>
   </mc:AlternateContent>
@@ -9005,10 +9047,10 @@
           <a:lstStyle/>
           <a:p>
             <a:r>
-              <a:rPr lang="da-DK" smtClean="0"/>
-              <a:t>Ulemper ved Array</a:t>
-            </a:r>
-            <a:endParaRPr lang="da-DK"/>
+              <a:rPr lang="da-DK" b="1" smtClean="0"/>
+              <a:t>Array drawbacks</a:t>
+            </a:r>
+            <a:endParaRPr lang="da-DK" b="1"/>
           </a:p>
         </p:txBody>
       </p:sp>
@@ -9031,20 +9073,23 @@
           <a:p>
             <a:r>
               <a:rPr lang="da-DK" sz="3600" smtClean="0"/>
-              <a:t>Fast størrelse (muligt spild)</a:t>
-            </a:r>
+              <a:t>Fixed size</a:t>
+            </a:r>
+            <a:endParaRPr lang="da-DK" sz="3600" smtClean="0"/>
           </a:p>
           <a:p>
             <a:r>
               <a:rPr lang="da-DK" sz="3600" smtClean="0"/>
-              <a:t>Hvornår er et element ”tomt”?</a:t>
-            </a:r>
+              <a:t>When is an array element ”empty”?</a:t>
+            </a:r>
+            <a:endParaRPr lang="da-DK" sz="3600" smtClean="0"/>
           </a:p>
           <a:p>
             <a:r>
               <a:rPr lang="da-DK" sz="3600" smtClean="0"/>
-              <a:t>Kan benytte ulovligt index</a:t>
-            </a:r>
+              <a:t>Easy to index out-of-range</a:t>
+            </a:r>
+            <a:endParaRPr lang="da-DK" sz="3600" smtClean="0"/>
           </a:p>
         </p:txBody>
       </p:sp>
@@ -9101,10 +9146,10 @@
           <a:lstStyle/>
           <a:p>
             <a:r>
-              <a:rPr lang="da-DK" smtClean="0"/>
-              <a:t>Ulemper ved Array – Fast størrelse</a:t>
-            </a:r>
-            <a:endParaRPr lang="da-DK"/>
+              <a:rPr lang="da-DK" b="1" smtClean="0"/>
+              <a:t>Array drawbacks – Fixed size</a:t>
+            </a:r>
+            <a:endParaRPr lang="da-DK" b="1"/>
           </a:p>
         </p:txBody>
       </p:sp>
@@ -9252,8 +9297,16 @@
           <a:lstStyle/>
           <a:p>
             <a:r>
-              <a:rPr lang="da-DK" smtClean="0"/>
-              <a:t>Ulemper ved Array – ”Tomt” element</a:t>
+              <a:rPr lang="da-DK" b="1"/>
+              <a:t>Array drawbacks </a:t>
+            </a:r>
+            <a:r>
+              <a:rPr lang="da-DK" b="1"/>
+              <a:t>– </a:t>
+            </a:r>
+            <a:r>
+              <a:rPr lang="da-DK" b="1" smtClean="0"/>
+              <a:t>Empty (?) element</a:t>
             </a:r>
             <a:endParaRPr lang="da-DK"/>
           </a:p>
@@ -9440,8 +9493,8 @@
           <a:lstStyle/>
           <a:p>
             <a:r>
-              <a:rPr lang="da-DK" smtClean="0"/>
-              <a:t>Ulemper ved Array – ”Tomt” element</a:t>
+              <a:rPr lang="da-DK" b="1"/>
+              <a:t>Array drawbacks – Empty (?) element</a:t>
             </a:r>
             <a:endParaRPr lang="da-DK"/>
           </a:p>
@@ -9755,7 +9808,7 @@
         <p:spPr>
           <a:xfrm>
             <a:off x="5737014" y="4639733"/>
-            <a:ext cx="3224106" cy="1456267"/>
+            <a:ext cx="3100181" cy="1456267"/>
           </a:xfrm>
           <a:prstGeom prst="wedgeRoundRectCallout">
             <a:avLst>
@@ -9794,7 +9847,11 @@
             <a:pPr algn="ctr"/>
             <a:r>
               <a:rPr lang="da-DK" sz="3600" smtClean="0"/>
-              <a:t>Reel værdi, eller ”tomt”…?</a:t>
+              <a:t>Actual </a:t>
+            </a:r>
+            <a:r>
+              <a:rPr lang="da-DK" sz="3600" smtClean="0"/>
+              <a:t>value, or  ”empty”…?</a:t>
             </a:r>
             <a:endParaRPr lang="da-DK" sz="3600"/>
           </a:p>
@@ -9810,13 +9867,13 @@
   <p:clrMapOvr>
     <a:masterClrMapping/>
   </p:clrMapOvr>
-  <mc:AlternateContent xmlns:mc="http://schemas.openxmlformats.org/markup-compatibility/2006">
-    <mc:Choice xmlns:p14="http://schemas.microsoft.com/office/powerpoint/2010/main" Requires="p14">
+  <mc:AlternateContent xmlns:mc="http://schemas.openxmlformats.org/markup-compatibility/2006" xmlns:p14="http://schemas.microsoft.com/office/powerpoint/2010/main">
+    <mc:Choice Requires="p14">
       <p:transition spd="med" p14:dur="700">
         <p:fade/>
       </p:transition>
     </mc:Choice>
-    <mc:Fallback>
+    <mc:Fallback xmlns="">
       <p:transition spd="med">
         <p:fade/>
       </p:transition>
@@ -9944,8 +10001,16 @@
           <a:lstStyle/>
           <a:p>
             <a:r>
-              <a:rPr lang="da-DK" smtClean="0"/>
-              <a:t>Ulemper ved Array – ulovligt index</a:t>
+              <a:rPr lang="da-DK" b="1"/>
+              <a:t>Array drawbacks </a:t>
+            </a:r>
+            <a:r>
+              <a:rPr lang="da-DK" b="1"/>
+              <a:t>– </a:t>
+            </a:r>
+            <a:r>
+              <a:rPr lang="da-DK" b="1" smtClean="0"/>
+              <a:t>Invalid index</a:t>
             </a:r>
             <a:endParaRPr lang="da-DK"/>
           </a:p>
@@ -10296,13 +10361,7 @@
               <a:rPr lang="da-DK" sz="2800" b="1">
                 <a:latin typeface="Consolas" panose="020B0609020204030204" pitchFamily="49" charset="0"/>
               </a:rPr>
-              <a:t>_</a:t>
-            </a:r>
-            <a:r>
-              <a:rPr lang="da-DK" sz="2800" b="1">
-                <a:latin typeface="Consolas" panose="020B0609020204030204" pitchFamily="49" charset="0"/>
-              </a:rPr>
-              <a:t>die2</a:t>
+              <a:t>_die2</a:t>
             </a:r>
             <a:r>
               <a:rPr lang="da-DK" sz="2800" b="1" smtClean="0">
@@ -10351,13 +10410,7 @@
               <a:rPr lang="da-DK" sz="2800" b="1">
                 <a:latin typeface="Consolas" panose="020B0609020204030204" pitchFamily="49" charset="0"/>
               </a:rPr>
-              <a:t> </a:t>
-            </a:r>
-            <a:r>
-              <a:rPr lang="da-DK" sz="2800" b="1">
-                <a:latin typeface="Consolas" panose="020B0609020204030204" pitchFamily="49" charset="0"/>
-              </a:rPr>
-              <a:t>_</a:t>
+              <a:t> _</a:t>
             </a:r>
             <a:r>
               <a:rPr lang="da-DK" sz="2800" b="1" smtClean="0">
@@ -10406,13 +10459,7 @@
               <a:rPr lang="da-DK" sz="2800" b="1">
                 <a:latin typeface="Consolas" panose="020B0609020204030204" pitchFamily="49" charset="0"/>
               </a:rPr>
-              <a:t> </a:t>
-            </a:r>
-            <a:r>
-              <a:rPr lang="da-DK" sz="2800" b="1">
-                <a:latin typeface="Consolas" panose="020B0609020204030204" pitchFamily="49" charset="0"/>
-              </a:rPr>
-              <a:t>_</a:t>
+              <a:t> _</a:t>
             </a:r>
             <a:r>
               <a:rPr lang="da-DK" sz="2800" b="1" smtClean="0">
@@ -10442,7 +10489,7 @@
               <a:t>   // </a:t>
             </a:r>
             <a:r>
-              <a:rPr lang="da-DK" sz="2800" b="1">
+              <a:rPr lang="da-DK" sz="2800" b="1" smtClean="0">
                 <a:solidFill>
                   <a:schemeClr val="accent6">
                     <a:lumMod val="75000"/>
@@ -10450,8 +10497,16 @@
                 </a:solidFill>
                 <a:latin typeface="Consolas" panose="020B0609020204030204" pitchFamily="49" charset="0"/>
               </a:rPr>
-              <a:t>...og så videre</a:t>
-            </a:r>
+              <a:t>...etc</a:t>
+            </a:r>
+            <a:endParaRPr lang="da-DK" sz="2800" b="1">
+              <a:solidFill>
+                <a:schemeClr val="accent6">
+                  <a:lumMod val="75000"/>
+                </a:schemeClr>
+              </a:solidFill>
+              <a:latin typeface="Consolas" panose="020B0609020204030204" pitchFamily="49" charset="0"/>
+            </a:endParaRPr>
           </a:p>
           <a:p>
             <a:r>
@@ -10676,7 +10731,19 @@
             </a:br>
             <a:r>
               <a:rPr lang="da-DK" sz="4800" b="1" smtClean="0"/>
-              <a:t>en liste af elementer af typen T</a:t>
+              <a:t>a list of items </a:t>
+            </a:r>
+            <a:r>
+              <a:rPr lang="da-DK" sz="4800" b="1"/>
+              <a:t>o</a:t>
+            </a:r>
+            <a:r>
+              <a:rPr lang="da-DK" sz="4800" b="1" smtClean="0"/>
+              <a:t>f type </a:t>
+            </a:r>
+            <a:r>
+              <a:rPr lang="da-DK" sz="4800" b="1" smtClean="0"/>
+              <a:t>T</a:t>
             </a:r>
             <a:endParaRPr lang="da-DK" sz="4800" b="1">
               <a:solidFill>
@@ -10698,13 +10765,13 @@
   <p:clrMapOvr>
     <a:masterClrMapping/>
   </p:clrMapOvr>
-  <mc:AlternateContent xmlns:mc="http://schemas.openxmlformats.org/markup-compatibility/2006">
-    <mc:Choice xmlns:p14="http://schemas.microsoft.com/office/powerpoint/2010/main" Requires="p14">
+  <mc:AlternateContent xmlns:mc="http://schemas.openxmlformats.org/markup-compatibility/2006" xmlns:p14="http://schemas.microsoft.com/office/powerpoint/2010/main">
+    <mc:Choice Requires="p14">
       <p:transition spd="med" p14:dur="700">
         <p:fade/>
       </p:transition>
     </mc:Choice>
-    <mc:Fallback>
+    <mc:Fallback xmlns="">
       <p:transition spd="med">
         <p:fade/>
       </p:transition>
@@ -10783,8 +10850,8 @@
               <a:rPr lang="da-DK" sz="9600" smtClean="0"/>
             </a:br>
             <a:r>
-              <a:rPr lang="da-DK" sz="4800" b="1" smtClean="0"/>
-              <a:t>en liste af elementer af typen </a:t>
+              <a:rPr lang="da-DK" sz="4800" b="1"/>
+              <a:t>a list of items of type </a:t>
             </a:r>
             <a:r>
               <a:rPr lang="da-DK" sz="4800" b="1" smtClean="0">
@@ -10812,13 +10879,13 @@
   <p:clrMapOvr>
     <a:masterClrMapping/>
   </p:clrMapOvr>
-  <mc:AlternateContent xmlns:mc="http://schemas.openxmlformats.org/markup-compatibility/2006">
-    <mc:Choice xmlns:p14="http://schemas.microsoft.com/office/powerpoint/2010/main" Requires="p14">
+  <mc:AlternateContent xmlns:mc="http://schemas.openxmlformats.org/markup-compatibility/2006" xmlns:p14="http://schemas.microsoft.com/office/powerpoint/2010/main">
+    <mc:Choice Requires="p14">
       <p:transition spd="med" p14:dur="700">
         <p:fade/>
       </p:transition>
     </mc:Choice>
-    <mc:Fallback>
+    <mc:Fallback xmlns="">
       <p:transition spd="med">
         <p:fade/>
       </p:transition>
@@ -10897,8 +10964,8 @@
               <a:rPr lang="da-DK" sz="9600" smtClean="0"/>
             </a:br>
             <a:r>
-              <a:rPr lang="da-DK" sz="4800" b="1" smtClean="0"/>
-              <a:t>en liste af elementer af typen </a:t>
+              <a:rPr lang="da-DK" sz="4800" b="1"/>
+              <a:t>a list of items of type </a:t>
             </a:r>
             <a:r>
               <a:rPr lang="da-DK" sz="4800" b="1" smtClean="0">
@@ -10926,13 +10993,13 @@
   <p:clrMapOvr>
     <a:masterClrMapping/>
   </p:clrMapOvr>
-  <mc:AlternateContent xmlns:mc="http://schemas.openxmlformats.org/markup-compatibility/2006">
-    <mc:Choice xmlns:p14="http://schemas.microsoft.com/office/powerpoint/2010/main" Requires="p14">
+  <mc:AlternateContent xmlns:mc="http://schemas.openxmlformats.org/markup-compatibility/2006" xmlns:p14="http://schemas.microsoft.com/office/powerpoint/2010/main">
+    <mc:Choice Requires="p14">
       <p:transition spd="med" p14:dur="700">
         <p:fade/>
       </p:transition>
     </mc:Choice>
-    <mc:Fallback>
+    <mc:Fallback xmlns="">
       <p:transition spd="med">
         <p:fade/>
       </p:transition>
@@ -11013,8 +11080,28 @@
               <a:rPr lang="da-DK" sz="9600" smtClean="0"/>
             </a:br>
             <a:r>
+              <a:rPr lang="da-DK" sz="4800" b="1"/>
+              <a:t>a list </a:t>
+            </a:r>
+            <a:r>
+              <a:rPr lang="da-DK" sz="4800" b="1"/>
+              <a:t>of </a:t>
+            </a:r>
+            <a:r>
               <a:rPr lang="da-DK" sz="4800" b="1" smtClean="0"/>
-              <a:t>en liste af (referencer til) objekter af typen </a:t>
+              <a:t>(referecens to</a:t>
+            </a:r>
+            <a:r>
+              <a:rPr lang="da-DK" sz="4800" b="1" smtClean="0"/>
+              <a:t>) objects </a:t>
+            </a:r>
+            <a:r>
+              <a:rPr lang="da-DK" sz="4800" b="1"/>
+              <a:t>o</a:t>
+            </a:r>
+            <a:r>
+              <a:rPr lang="da-DK" sz="4800" b="1" smtClean="0"/>
+              <a:t>f type </a:t>
             </a:r>
             <a:r>
               <a:rPr lang="da-DK" sz="4800" b="1" smtClean="0">
@@ -11046,13 +11133,13 @@
   <p:clrMapOvr>
     <a:masterClrMapping/>
   </p:clrMapOvr>
-  <mc:AlternateContent xmlns:mc="http://schemas.openxmlformats.org/markup-compatibility/2006">
-    <mc:Choice xmlns:p14="http://schemas.microsoft.com/office/powerpoint/2010/main" Requires="p14">
+  <mc:AlternateContent xmlns:mc="http://schemas.openxmlformats.org/markup-compatibility/2006" xmlns:p14="http://schemas.microsoft.com/office/powerpoint/2010/main">
+    <mc:Choice Requires="p14">
       <p:transition spd="med" p14:dur="700">
         <p:fade/>
       </p:transition>
     </mc:Choice>
-    <mc:Fallback>
+    <mc:Fallback xmlns="">
       <p:transition spd="med">
         <p:fade/>
       </p:transition>
@@ -11302,11 +11389,11 @@
   <p:clrMapOvr>
     <a:masterClrMapping/>
   </p:clrMapOvr>
-  <mc:AlternateContent xmlns:mc="http://schemas.openxmlformats.org/markup-compatibility/2006">
-    <mc:Choice xmlns:p14="http://schemas.microsoft.com/office/powerpoint/2010/main" Requires="p14">
+  <mc:AlternateContent xmlns:mc="http://schemas.openxmlformats.org/markup-compatibility/2006" xmlns:p14="http://schemas.microsoft.com/office/powerpoint/2010/main">
+    <mc:Choice Requires="p14">
       <p:transition p14:dur="0"/>
     </mc:Choice>
-    <mc:Fallback>
+    <mc:Fallback xmlns="">
       <p:transition/>
     </mc:Fallback>
   </mc:AlternateContent>
@@ -13983,11 +14070,11 @@
   <p:clrMapOvr>
     <a:masterClrMapping/>
   </p:clrMapOvr>
-  <mc:AlternateContent xmlns:mc="http://schemas.openxmlformats.org/markup-compatibility/2006">
-    <mc:Choice xmlns:p14="http://schemas.microsoft.com/office/powerpoint/2010/main" Requires="p14">
+  <mc:AlternateContent xmlns:mc="http://schemas.openxmlformats.org/markup-compatibility/2006" xmlns:p14="http://schemas.microsoft.com/office/powerpoint/2010/main">
+    <mc:Choice Requires="p14">
       <p:transition p14:dur="0"/>
     </mc:Choice>
-    <mc:Fallback>
+    <mc:Fallback xmlns="">
       <p:transition/>
     </mc:Fallback>
   </mc:AlternateContent>
@@ -14917,11 +15004,11 @@
   <p:clrMapOvr>
     <a:masterClrMapping/>
   </p:clrMapOvr>
-  <mc:AlternateContent xmlns:mc="http://schemas.openxmlformats.org/markup-compatibility/2006">
-    <mc:Choice xmlns:p14="http://schemas.microsoft.com/office/powerpoint/2010/main" Requires="p14">
+  <mc:AlternateContent xmlns:mc="http://schemas.openxmlformats.org/markup-compatibility/2006" xmlns:p14="http://schemas.microsoft.com/office/powerpoint/2010/main">
+    <mc:Choice Requires="p14">
       <p:transition p14:dur="0"/>
     </mc:Choice>
-    <mc:Fallback>
+    <mc:Fallback xmlns="">
       <p:transition/>
     </mc:Fallback>
   </mc:AlternateContent>
@@ -15422,11 +15509,11 @@
   <p:clrMapOvr>
     <a:masterClrMapping/>
   </p:clrMapOvr>
-  <mc:AlternateContent xmlns:mc="http://schemas.openxmlformats.org/markup-compatibility/2006">
-    <mc:Choice xmlns:p14="http://schemas.microsoft.com/office/powerpoint/2010/main" Requires="p14">
+  <mc:AlternateContent xmlns:mc="http://schemas.openxmlformats.org/markup-compatibility/2006" xmlns:p14="http://schemas.microsoft.com/office/powerpoint/2010/main">
+    <mc:Choice Requires="p14">
       <p:transition p14:dur="0"/>
     </mc:Choice>
-    <mc:Fallback>
+    <mc:Fallback xmlns="">
       <p:transition/>
     </mc:Fallback>
   </mc:AlternateContent>
@@ -15797,11 +15884,11 @@
   <p:clrMapOvr>
     <a:masterClrMapping/>
   </p:clrMapOvr>
-  <mc:AlternateContent xmlns:mc="http://schemas.openxmlformats.org/markup-compatibility/2006">
-    <mc:Choice xmlns:p14="http://schemas.microsoft.com/office/powerpoint/2010/main" Requires="p14">
+  <mc:AlternateContent xmlns:mc="http://schemas.openxmlformats.org/markup-compatibility/2006" xmlns:p14="http://schemas.microsoft.com/office/powerpoint/2010/main">
+    <mc:Choice Requires="p14">
       <p:transition p14:dur="0"/>
     </mc:Choice>
-    <mc:Fallback>
+    <mc:Fallback xmlns="">
       <p:transition/>
     </mc:Fallback>
   </mc:AlternateContent>
@@ -16439,11 +16526,11 @@
   <p:clrMapOvr>
     <a:masterClrMapping/>
   </p:clrMapOvr>
-  <mc:AlternateContent xmlns:mc="http://schemas.openxmlformats.org/markup-compatibility/2006">
-    <mc:Choice xmlns:p14="http://schemas.microsoft.com/office/powerpoint/2010/main" Requires="p14">
+  <mc:AlternateContent xmlns:mc="http://schemas.openxmlformats.org/markup-compatibility/2006" xmlns:p14="http://schemas.microsoft.com/office/powerpoint/2010/main">
+    <mc:Choice Requires="p14">
       <p:transition p14:dur="0"/>
     </mc:Choice>
-    <mc:Fallback>
+    <mc:Fallback xmlns="">
       <p:transition/>
     </mc:Fallback>
   </mc:AlternateContent>
@@ -17727,11 +17814,11 @@
   <p:clrMapOvr>
     <a:masterClrMapping/>
   </p:clrMapOvr>
-  <mc:AlternateContent xmlns:mc="http://schemas.openxmlformats.org/markup-compatibility/2006">
-    <mc:Choice xmlns:p14="http://schemas.microsoft.com/office/powerpoint/2010/main" Requires="p14">
+  <mc:AlternateContent xmlns:mc="http://schemas.openxmlformats.org/markup-compatibility/2006" xmlns:p14="http://schemas.microsoft.com/office/powerpoint/2010/main">
+    <mc:Choice Requires="p14">
       <p:transition p14:dur="0"/>
     </mc:Choice>
-    <mc:Fallback>
+    <mc:Fallback xmlns="">
       <p:transition/>
     </mc:Fallback>
   </mc:AlternateContent>
@@ -18875,11 +18962,11 @@
   <p:clrMapOvr>
     <a:masterClrMapping/>
   </p:clrMapOvr>
-  <mc:AlternateContent xmlns:mc="http://schemas.openxmlformats.org/markup-compatibility/2006">
-    <mc:Choice xmlns:p14="http://schemas.microsoft.com/office/powerpoint/2010/main" Requires="p14">
+  <mc:AlternateContent xmlns:mc="http://schemas.openxmlformats.org/markup-compatibility/2006" xmlns:p14="http://schemas.microsoft.com/office/powerpoint/2010/main">
+    <mc:Choice Requires="p14">
       <p:transition p14:dur="0"/>
     </mc:Choice>
-    <mc:Fallback>
+    <mc:Fallback xmlns="">
       <p:transition/>
     </mc:Fallback>
   </mc:AlternateContent>
@@ -19063,13 +19150,13 @@
   <p:clrMapOvr>
     <a:masterClrMapping/>
   </p:clrMapOvr>
-  <mc:AlternateContent xmlns:mc="http://schemas.openxmlformats.org/markup-compatibility/2006">
-    <mc:Choice xmlns:p14="http://schemas.microsoft.com/office/powerpoint/2010/main" Requires="p14">
+  <mc:AlternateContent xmlns:mc="http://schemas.openxmlformats.org/markup-compatibility/2006" xmlns:p14="http://schemas.microsoft.com/office/powerpoint/2010/main">
+    <mc:Choice Requires="p14">
       <p:transition spd="med" p14:dur="700">
         <p:fade/>
       </p:transition>
     </mc:Choice>
-    <mc:Fallback>
+    <mc:Fallback xmlns="">
       <p:transition spd="med">
         <p:fade/>
       </p:transition>
@@ -19602,12 +19689,8 @@
           <a:p>
             <a:pPr algn="ctr"/>
             <a:r>
-              <a:rPr lang="da-DK" sz="3600"/>
-              <a:t>S</a:t>
-            </a:r>
-            <a:r>
               <a:rPr lang="da-DK" sz="3600" smtClean="0"/>
-              <a:t>amme  syntax som for array</a:t>
+              <a:t>Same syntax as for arrays</a:t>
             </a:r>
             <a:endParaRPr lang="da-DK" sz="3600"/>
           </a:p>
@@ -19623,11 +19706,11 @@
   <p:clrMapOvr>
     <a:masterClrMapping/>
   </p:clrMapOvr>
-  <mc:AlternateContent xmlns:mc="http://schemas.openxmlformats.org/markup-compatibility/2006">
-    <mc:Choice xmlns:p14="http://schemas.microsoft.com/office/powerpoint/2010/main" Requires="p14">
+  <mc:AlternateContent xmlns:mc="http://schemas.openxmlformats.org/markup-compatibility/2006" xmlns:p14="http://schemas.microsoft.com/office/powerpoint/2010/main">
+    <mc:Choice Requires="p14">
       <p:transition p14:dur="0"/>
     </mc:Choice>
-    <mc:Fallback>
+    <mc:Fallback xmlns="">
       <p:transition/>
     </mc:Fallback>
   </mc:AlternateContent>
@@ -20226,7 +20309,7 @@
             <a:pPr algn="ctr"/>
             <a:r>
               <a:rPr lang="da-DK" sz="2800" smtClean="0"/>
-              <a:t>Startpunkt</a:t>
+              <a:t>Start</a:t>
             </a:r>
             <a:endParaRPr lang="da-DK" sz="2800"/>
           </a:p>
@@ -20279,7 +20362,7 @@
             <a:pPr algn="ctr"/>
             <a:r>
               <a:rPr lang="da-DK" sz="2800" smtClean="0"/>
-              <a:t>Slutpunkt</a:t>
+              <a:t>End</a:t>
             </a:r>
             <a:endParaRPr lang="da-DK" sz="2800"/>
           </a:p>
@@ -20956,7 +21039,7 @@
             <a:pPr algn="ctr"/>
             <a:r>
               <a:rPr lang="da-DK" sz="2800" smtClean="0"/>
-              <a:t>Startpunkt</a:t>
+              <a:t>Start</a:t>
             </a:r>
             <a:endParaRPr lang="da-DK" sz="2800"/>
           </a:p>
@@ -21009,7 +21092,7 @@
             <a:pPr algn="ctr"/>
             <a:r>
               <a:rPr lang="da-DK" sz="2800" smtClean="0"/>
-              <a:t>Slutpunkt</a:t>
+              <a:t>End</a:t>
             </a:r>
             <a:endParaRPr lang="da-DK" sz="2800"/>
           </a:p>
@@ -21366,20 +21449,171 @@
   <p:clrMapOvr>
     <a:masterClrMapping/>
   </p:clrMapOvr>
-  <mc:AlternateContent xmlns:mc="http://schemas.openxmlformats.org/markup-compatibility/2006">
-    <mc:Choice xmlns:p14="http://schemas.microsoft.com/office/powerpoint/2010/main" Requires="p14">
+  <mc:AlternateContent xmlns:mc="http://schemas.openxmlformats.org/markup-compatibility/2006" xmlns:p14="http://schemas.microsoft.com/office/powerpoint/2010/main">
+    <mc:Choice Requires="p14">
       <p:transition p14:dur="10"/>
     </mc:Choice>
-    <mc:Fallback>
+    <mc:Fallback xmlns="">
       <p:transition/>
     </mc:Fallback>
   </mc:AlternateContent>
   <p:timing>
     <p:tnLst>
       <p:par>
-        <p:cTn id="1" dur="indefinite" restart="never" nodeType="tmRoot"/>
+        <p:cTn id="1" dur="indefinite" restart="never" nodeType="tmRoot">
+          <p:childTnLst>
+            <p:seq concurrent="1" nextAc="seek">
+              <p:cTn id="2" dur="indefinite" nodeType="mainSeq">
+                <p:childTnLst>
+                  <p:par>
+                    <p:cTn id="3" fill="hold">
+                      <p:stCondLst>
+                        <p:cond delay="indefinite"/>
+                      </p:stCondLst>
+                      <p:childTnLst>
+                        <p:par>
+                          <p:cTn id="4" fill="hold">
+                            <p:stCondLst>
+                              <p:cond delay="0"/>
+                            </p:stCondLst>
+                            <p:childTnLst>
+                              <p:par>
+                                <p:cTn id="5" presetID="10" presetClass="entr" presetSubtype="0" fill="hold" grpId="0" nodeType="clickEffect">
+                                  <p:stCondLst>
+                                    <p:cond delay="0"/>
+                                  </p:stCondLst>
+                                  <p:childTnLst>
+                                    <p:set>
+                                      <p:cBhvr>
+                                        <p:cTn id="6" dur="1" fill="hold">
+                                          <p:stCondLst>
+                                            <p:cond delay="0"/>
+                                          </p:stCondLst>
+                                        </p:cTn>
+                                        <p:tgtEl>
+                                          <p:spTgt spid="2"/>
+                                        </p:tgtEl>
+                                        <p:attrNameLst>
+                                          <p:attrName>style.visibility</p:attrName>
+                                        </p:attrNameLst>
+                                      </p:cBhvr>
+                                      <p:to>
+                                        <p:strVal val="visible"/>
+                                      </p:to>
+                                    </p:set>
+                                    <p:animEffect transition="in" filter="fade">
+                                      <p:cBhvr>
+                                        <p:cTn id="7" dur="500"/>
+                                        <p:tgtEl>
+                                          <p:spTgt spid="2"/>
+                                        </p:tgtEl>
+                                      </p:cBhvr>
+                                    </p:animEffect>
+                                  </p:childTnLst>
+                                </p:cTn>
+                              </p:par>
+                              <p:par>
+                                <p:cTn id="8" presetID="10" presetClass="entr" presetSubtype="0" fill="hold" grpId="0" nodeType="withEffect">
+                                  <p:stCondLst>
+                                    <p:cond delay="0"/>
+                                  </p:stCondLst>
+                                  <p:childTnLst>
+                                    <p:set>
+                                      <p:cBhvr>
+                                        <p:cTn id="9" dur="1" fill="hold">
+                                          <p:stCondLst>
+                                            <p:cond delay="0"/>
+                                          </p:stCondLst>
+                                        </p:cTn>
+                                        <p:tgtEl>
+                                          <p:spTgt spid="5"/>
+                                        </p:tgtEl>
+                                        <p:attrNameLst>
+                                          <p:attrName>style.visibility</p:attrName>
+                                        </p:attrNameLst>
+                                      </p:cBhvr>
+                                      <p:to>
+                                        <p:strVal val="visible"/>
+                                      </p:to>
+                                    </p:set>
+                                    <p:animEffect transition="in" filter="fade">
+                                      <p:cBhvr>
+                                        <p:cTn id="10" dur="500"/>
+                                        <p:tgtEl>
+                                          <p:spTgt spid="5"/>
+                                        </p:tgtEl>
+                                      </p:cBhvr>
+                                    </p:animEffect>
+                                  </p:childTnLst>
+                                </p:cTn>
+                              </p:par>
+                              <p:par>
+                                <p:cTn id="11" presetID="10" presetClass="entr" presetSubtype="0" fill="hold" grpId="0" nodeType="withEffect">
+                                  <p:stCondLst>
+                                    <p:cond delay="0"/>
+                                  </p:stCondLst>
+                                  <p:childTnLst>
+                                    <p:set>
+                                      <p:cBhvr>
+                                        <p:cTn id="12" dur="1" fill="hold">
+                                          <p:stCondLst>
+                                            <p:cond delay="0"/>
+                                          </p:stCondLst>
+                                        </p:cTn>
+                                        <p:tgtEl>
+                                          <p:spTgt spid="6"/>
+                                        </p:tgtEl>
+                                        <p:attrNameLst>
+                                          <p:attrName>style.visibility</p:attrName>
+                                        </p:attrNameLst>
+                                      </p:cBhvr>
+                                      <p:to>
+                                        <p:strVal val="visible"/>
+                                      </p:to>
+                                    </p:set>
+                                    <p:animEffect transition="in" filter="fade">
+                                      <p:cBhvr>
+                                        <p:cTn id="13" dur="500"/>
+                                        <p:tgtEl>
+                                          <p:spTgt spid="6"/>
+                                        </p:tgtEl>
+                                      </p:cBhvr>
+                                    </p:animEffect>
+                                  </p:childTnLst>
+                                </p:cTn>
+                              </p:par>
+                            </p:childTnLst>
+                          </p:cTn>
+                        </p:par>
+                      </p:childTnLst>
+                    </p:cTn>
+                  </p:par>
+                </p:childTnLst>
+              </p:cTn>
+              <p:prevCondLst>
+                <p:cond evt="onPrev" delay="0">
+                  <p:tgtEl>
+                    <p:sldTgt/>
+                  </p:tgtEl>
+                </p:cond>
+              </p:prevCondLst>
+              <p:nextCondLst>
+                <p:cond evt="onNext" delay="0">
+                  <p:tgtEl>
+                    <p:sldTgt/>
+                  </p:tgtEl>
+                </p:cond>
+              </p:nextCondLst>
+            </p:seq>
+          </p:childTnLst>
+        </p:cTn>
       </p:par>
     </p:tnLst>
+    <p:bldLst>
+      <p:bldP spid="2" grpId="0" animBg="1"/>
+      <p:bldP spid="5" grpId="0" animBg="1"/>
+      <p:bldP spid="6" grpId="0" animBg="1"/>
+    </p:bldLst>
   </p:timing>
 </p:sld>
 </file>
@@ -21556,7 +21790,15 @@
             </a:br>
             <a:r>
               <a:rPr lang="da-DK" sz="4800" b="1" smtClean="0"/>
-              <a:t>et array af </a:t>
+              <a:t>an </a:t>
+            </a:r>
+            <a:r>
+              <a:rPr lang="da-DK" sz="4800" b="1" smtClean="0"/>
+              <a:t>array </a:t>
+            </a:r>
+            <a:r>
+              <a:rPr lang="da-DK" sz="4800" b="1" smtClean="0"/>
+              <a:t>of </a:t>
             </a:r>
             <a:r>
               <a:rPr lang="da-DK" sz="4800" b="1" i="1" smtClean="0"/>
@@ -21564,7 +21806,23 @@
             </a:r>
             <a:r>
               <a:rPr lang="da-DK" sz="4800" b="1" smtClean="0"/>
-              <a:t> elementer af typen T</a:t>
+              <a:t> </a:t>
+            </a:r>
+            <a:r>
+              <a:rPr lang="da-DK" sz="4800" b="1" smtClean="0"/>
+              <a:t>elements </a:t>
+            </a:r>
+            <a:r>
+              <a:rPr lang="da-DK" sz="4800" b="1"/>
+              <a:t>o</a:t>
+            </a:r>
+            <a:r>
+              <a:rPr lang="da-DK" sz="4800" b="1" smtClean="0"/>
+              <a:t>f type </a:t>
+            </a:r>
+            <a:r>
+              <a:rPr lang="da-DK" sz="4800" b="1" smtClean="0"/>
+              <a:t>T</a:t>
             </a:r>
             <a:endParaRPr lang="da-DK" sz="4800" b="1">
               <a:solidFill>
@@ -21586,13 +21844,13 @@
   <p:clrMapOvr>
     <a:masterClrMapping/>
   </p:clrMapOvr>
-  <mc:AlternateContent xmlns:mc="http://schemas.openxmlformats.org/markup-compatibility/2006">
-    <mc:Choice xmlns:p14="http://schemas.microsoft.com/office/powerpoint/2010/main" Requires="p14">
+  <mc:AlternateContent xmlns:mc="http://schemas.openxmlformats.org/markup-compatibility/2006" xmlns:p14="http://schemas.microsoft.com/office/powerpoint/2010/main">
+    <mc:Choice Requires="p14">
       <p:transition spd="med" p14:dur="700">
         <p:fade/>
       </p:transition>
     </mc:Choice>
-    <mc:Fallback>
+    <mc:Fallback xmlns="">
       <p:transition spd="med">
         <p:fade/>
       </p:transition>
@@ -21704,7 +21962,35 @@
             </a:br>
             <a:r>
               <a:rPr lang="da-DK" sz="4800" b="1" smtClean="0"/>
-              <a:t>et array af 3 elementer af typen </a:t>
+              <a:t>an</a:t>
+            </a:r>
+            <a:r>
+              <a:rPr lang="da-DK" sz="4800" b="1" smtClean="0"/>
+              <a:t> </a:t>
+            </a:r>
+            <a:r>
+              <a:rPr lang="da-DK" sz="4800" b="1" smtClean="0"/>
+              <a:t>array </a:t>
+            </a:r>
+            <a:r>
+              <a:rPr lang="da-DK" sz="4800" b="1" smtClean="0"/>
+              <a:t>of </a:t>
+            </a:r>
+            <a:r>
+              <a:rPr lang="da-DK" sz="4800" b="1" smtClean="0"/>
+              <a:t>3 </a:t>
+            </a:r>
+            <a:r>
+              <a:rPr lang="da-DK" sz="4800" b="1" smtClean="0"/>
+              <a:t>elements </a:t>
+            </a:r>
+            <a:r>
+              <a:rPr lang="da-DK" sz="4800" b="1"/>
+              <a:t>o</a:t>
+            </a:r>
+            <a:r>
+              <a:rPr lang="da-DK" sz="4800" b="1" smtClean="0"/>
+              <a:t>f type </a:t>
             </a:r>
             <a:r>
               <a:rPr lang="da-DK" sz="4800" b="1" smtClean="0">
@@ -21732,13 +22018,13 @@
   <p:clrMapOvr>
     <a:masterClrMapping/>
   </p:clrMapOvr>
-  <mc:AlternateContent xmlns:mc="http://schemas.openxmlformats.org/markup-compatibility/2006">
-    <mc:Choice xmlns:p14="http://schemas.microsoft.com/office/powerpoint/2010/main" Requires="p14">
+  <mc:AlternateContent xmlns:mc="http://schemas.openxmlformats.org/markup-compatibility/2006" xmlns:p14="http://schemas.microsoft.com/office/powerpoint/2010/main">
+    <mc:Choice Requires="p14">
       <p:transition spd="med" p14:dur="700">
         <p:fade/>
       </p:transition>
     </mc:Choice>
-    <mc:Fallback>
+    <mc:Fallback xmlns="">
       <p:transition spd="med">
         <p:fade/>
       </p:transition>

--- a/CSharpProgramming/Presentations/ProgPartII/Lists.pptx
+++ b/CSharpProgramming/Presentations/ProgPartII/Lists.pptx
@@ -38,25 +38,26 @@
     <p:sldId id="442" r:id="rId32"/>
     <p:sldId id="443" r:id="rId33"/>
     <p:sldId id="444" r:id="rId34"/>
-    <p:sldId id="416" r:id="rId35"/>
-    <p:sldId id="418" r:id="rId36"/>
-    <p:sldId id="419" r:id="rId37"/>
-    <p:sldId id="420" r:id="rId38"/>
-    <p:sldId id="421" r:id="rId39"/>
-    <p:sldId id="422" r:id="rId40"/>
-    <p:sldId id="423" r:id="rId41"/>
-    <p:sldId id="424" r:id="rId42"/>
-    <p:sldId id="425" r:id="rId43"/>
-    <p:sldId id="426" r:id="rId44"/>
-    <p:sldId id="427" r:id="rId45"/>
-    <p:sldId id="428" r:id="rId46"/>
-    <p:sldId id="429" r:id="rId47"/>
-    <p:sldId id="431" r:id="rId48"/>
-    <p:sldId id="432" r:id="rId49"/>
-    <p:sldId id="434" r:id="rId50"/>
-    <p:sldId id="433" r:id="rId51"/>
-    <p:sldId id="436" r:id="rId52"/>
-    <p:sldId id="437" r:id="rId53"/>
+    <p:sldId id="452" r:id="rId35"/>
+    <p:sldId id="416" r:id="rId36"/>
+    <p:sldId id="418" r:id="rId37"/>
+    <p:sldId id="419" r:id="rId38"/>
+    <p:sldId id="420" r:id="rId39"/>
+    <p:sldId id="421" r:id="rId40"/>
+    <p:sldId id="422" r:id="rId41"/>
+    <p:sldId id="423" r:id="rId42"/>
+    <p:sldId id="424" r:id="rId43"/>
+    <p:sldId id="425" r:id="rId44"/>
+    <p:sldId id="426" r:id="rId45"/>
+    <p:sldId id="427" r:id="rId46"/>
+    <p:sldId id="428" r:id="rId47"/>
+    <p:sldId id="429" r:id="rId48"/>
+    <p:sldId id="431" r:id="rId49"/>
+    <p:sldId id="432" r:id="rId50"/>
+    <p:sldId id="434" r:id="rId51"/>
+    <p:sldId id="433" r:id="rId52"/>
+    <p:sldId id="436" r:id="rId53"/>
+    <p:sldId id="437" r:id="rId54"/>
   </p:sldIdLst>
   <p:sldSz cx="12192000" cy="6858000"/>
   <p:notesSz cx="6858000" cy="9144000"/>
@@ -294,7 +295,7 @@
           <a:p>
             <a:fld id="{E15B7D8E-2A20-4C0E-991C-872DBB7459A8}" type="datetimeFigureOut">
               <a:rPr lang="da-DK" smtClean="0"/>
-              <a:t>24-02-2018</a:t>
+              <a:t>12-03-2018</a:t>
             </a:fld>
             <a:endParaRPr lang="da-DK"/>
           </a:p>
@@ -464,7 +465,7 @@
           <a:p>
             <a:fld id="{E15B7D8E-2A20-4C0E-991C-872DBB7459A8}" type="datetimeFigureOut">
               <a:rPr lang="da-DK" smtClean="0"/>
-              <a:t>24-02-2018</a:t>
+              <a:t>12-03-2018</a:t>
             </a:fld>
             <a:endParaRPr lang="da-DK"/>
           </a:p>
@@ -644,7 +645,7 @@
           <a:p>
             <a:fld id="{E15B7D8E-2A20-4C0E-991C-872DBB7459A8}" type="datetimeFigureOut">
               <a:rPr lang="da-DK" smtClean="0"/>
-              <a:t>24-02-2018</a:t>
+              <a:t>12-03-2018</a:t>
             </a:fld>
             <a:endParaRPr lang="da-DK"/>
           </a:p>
@@ -814,7 +815,7 @@
           <a:p>
             <a:fld id="{E15B7D8E-2A20-4C0E-991C-872DBB7459A8}" type="datetimeFigureOut">
               <a:rPr lang="da-DK" smtClean="0"/>
-              <a:t>24-02-2018</a:t>
+              <a:t>12-03-2018</a:t>
             </a:fld>
             <a:endParaRPr lang="da-DK"/>
           </a:p>
@@ -1060,7 +1061,7 @@
           <a:p>
             <a:fld id="{E15B7D8E-2A20-4C0E-991C-872DBB7459A8}" type="datetimeFigureOut">
               <a:rPr lang="da-DK" smtClean="0"/>
-              <a:t>24-02-2018</a:t>
+              <a:t>12-03-2018</a:t>
             </a:fld>
             <a:endParaRPr lang="da-DK"/>
           </a:p>
@@ -1292,7 +1293,7 @@
           <a:p>
             <a:fld id="{E15B7D8E-2A20-4C0E-991C-872DBB7459A8}" type="datetimeFigureOut">
               <a:rPr lang="da-DK" smtClean="0"/>
-              <a:t>24-02-2018</a:t>
+              <a:t>12-03-2018</a:t>
             </a:fld>
             <a:endParaRPr lang="da-DK"/>
           </a:p>
@@ -1659,7 +1660,7 @@
           <a:p>
             <a:fld id="{E15B7D8E-2A20-4C0E-991C-872DBB7459A8}" type="datetimeFigureOut">
               <a:rPr lang="da-DK" smtClean="0"/>
-              <a:t>24-02-2018</a:t>
+              <a:t>12-03-2018</a:t>
             </a:fld>
             <a:endParaRPr lang="da-DK"/>
           </a:p>
@@ -1777,7 +1778,7 @@
           <a:p>
             <a:fld id="{E15B7D8E-2A20-4C0E-991C-872DBB7459A8}" type="datetimeFigureOut">
               <a:rPr lang="da-DK" smtClean="0"/>
-              <a:t>24-02-2018</a:t>
+              <a:t>12-03-2018</a:t>
             </a:fld>
             <a:endParaRPr lang="da-DK"/>
           </a:p>
@@ -1872,7 +1873,7 @@
           <a:p>
             <a:fld id="{E15B7D8E-2A20-4C0E-991C-872DBB7459A8}" type="datetimeFigureOut">
               <a:rPr lang="da-DK" smtClean="0"/>
-              <a:t>24-02-2018</a:t>
+              <a:t>12-03-2018</a:t>
             </a:fld>
             <a:endParaRPr lang="da-DK"/>
           </a:p>
@@ -2149,7 +2150,7 @@
           <a:p>
             <a:fld id="{E15B7D8E-2A20-4C0E-991C-872DBB7459A8}" type="datetimeFigureOut">
               <a:rPr lang="da-DK" smtClean="0"/>
-              <a:t>24-02-2018</a:t>
+              <a:t>12-03-2018</a:t>
             </a:fld>
             <a:endParaRPr lang="da-DK"/>
           </a:p>
@@ -2402,7 +2403,7 @@
           <a:p>
             <a:fld id="{E15B7D8E-2A20-4C0E-991C-872DBB7459A8}" type="datetimeFigureOut">
               <a:rPr lang="da-DK" smtClean="0"/>
-              <a:t>24-02-2018</a:t>
+              <a:t>12-03-2018</a:t>
             </a:fld>
             <a:endParaRPr lang="da-DK"/>
           </a:p>
@@ -2615,7 +2616,7 @@
           <a:p>
             <a:fld id="{E15B7D8E-2A20-4C0E-991C-872DBB7459A8}" type="datetimeFigureOut">
               <a:rPr lang="da-DK" smtClean="0"/>
-              <a:t>24-02-2018</a:t>
+              <a:t>12-03-2018</a:t>
             </a:fld>
             <a:endParaRPr lang="da-DK"/>
           </a:p>
@@ -3118,8 +3119,8 @@
         </p:nvSpPr>
         <p:spPr>
           <a:xfrm>
-            <a:off x="1293395" y="1122362"/>
-            <a:ext cx="9571121" cy="3144837"/>
+            <a:off x="786063" y="1122362"/>
+            <a:ext cx="10668000" cy="3144837"/>
           </a:xfrm>
         </p:spPr>
         <p:txBody>
@@ -3142,7 +3143,11 @@
             </a:r>
             <a:r>
               <a:rPr lang="da-DK" sz="7200" b="1"/>
-              <a:t>] = </a:t>
+              <a:t>] </a:t>
+            </a:r>
+            <a:r>
+              <a:rPr lang="da-DK" sz="7200" b="1" smtClean="0"/>
+              <a:t>… = </a:t>
             </a:r>
             <a:r>
               <a:rPr lang="da-DK" sz="7200" b="1">
@@ -3177,11 +3182,7 @@
             </a:br>
             <a:r>
               <a:rPr lang="da-DK" sz="4800" b="1"/>
-              <a:t>an array of 3 elements of </a:t>
-            </a:r>
-            <a:r>
-              <a:rPr lang="da-DK" sz="4800" b="1"/>
-              <a:t>type </a:t>
+              <a:t>an array of 3 elements of type </a:t>
             </a:r>
             <a:r>
               <a:rPr lang="da-DK" sz="4800" b="1" smtClean="0">
@@ -3286,7 +3287,11 @@
             </a:r>
             <a:r>
               <a:rPr lang="da-DK" sz="7200" b="1"/>
-              <a:t>] = </a:t>
+              <a:t>] </a:t>
+            </a:r>
+            <a:r>
+              <a:rPr lang="da-DK" sz="7200" b="1" smtClean="0"/>
+              <a:t>… = </a:t>
             </a:r>
             <a:r>
               <a:rPr lang="da-DK" sz="7200" b="1">
@@ -3323,23 +3328,7 @@
             </a:br>
             <a:r>
               <a:rPr lang="da-DK" sz="4000" b="1" smtClean="0"/>
-              <a:t>an </a:t>
-            </a:r>
-            <a:r>
-              <a:rPr lang="da-DK" sz="4000" b="1" smtClean="0"/>
-              <a:t>array </a:t>
-            </a:r>
-            <a:r>
-              <a:rPr lang="da-DK" sz="4000" b="1" smtClean="0"/>
-              <a:t>of </a:t>
-            </a:r>
-            <a:r>
-              <a:rPr lang="da-DK" sz="4000" b="1" smtClean="0"/>
-              <a:t>3 </a:t>
-            </a:r>
-            <a:r>
-              <a:rPr lang="da-DK" sz="4000" b="1" smtClean="0"/>
-              <a:t>(references to) objects </a:t>
+              <a:t>an array of 3 (references to) objects </a:t>
             </a:r>
             <a:r>
               <a:rPr lang="da-DK" sz="4000" b="1"/>
@@ -5533,10 +5522,9 @@
             <a:avLst/>
           </a:prstGeom>
           <a:solidFill>
-            <a:schemeClr val="accent6">
-              <a:lumMod val="75000"/>
+            <a:srgbClr val="FF0000">
               <a:alpha val="60000"/>
-            </a:schemeClr>
+            </a:srgbClr>
           </a:solidFill>
         </p:spPr>
         <p:style>
@@ -7280,18 +7268,7 @@
                 </a:solidFill>
                 <a:latin typeface="Consolas" panose="020B0609020204030204" pitchFamily="49" charset="0"/>
               </a:rPr>
-              <a:t>   // </a:t>
-            </a:r>
-            <a:r>
-              <a:rPr lang="da-DK" sz="2800" b="1" smtClean="0">
-                <a:solidFill>
-                  <a:schemeClr val="accent6">
-                    <a:lumMod val="75000"/>
-                  </a:schemeClr>
-                </a:solidFill>
-                <a:latin typeface="Consolas" panose="020B0609020204030204" pitchFamily="49" charset="0"/>
-              </a:rPr>
-              <a:t>...etc</a:t>
+              <a:t>   // ...etc</a:t>
             </a:r>
             <a:endParaRPr lang="da-DK" sz="2800" b="1">
               <a:solidFill>
@@ -8915,9 +8892,6 @@
               </a:rPr>
               <a:t>)</a:t>
             </a:r>
-            <a:endParaRPr lang="da-DK" sz="3600" b="1" smtClean="0">
-              <a:latin typeface="Consolas" panose="020B0609020204030204" pitchFamily="49" charset="0"/>
-            </a:endParaRPr>
           </a:p>
           <a:p>
             <a:r>
@@ -8972,9 +8946,6 @@
               </a:rPr>
               <a:t>);</a:t>
             </a:r>
-            <a:endParaRPr lang="da-DK" sz="3600" b="1" smtClean="0">
-              <a:latin typeface="Consolas" panose="020B0609020204030204" pitchFamily="49" charset="0"/>
-            </a:endParaRPr>
           </a:p>
           <a:p>
             <a:r>
@@ -9075,21 +9046,18 @@
               <a:rPr lang="da-DK" sz="3600" smtClean="0"/>
               <a:t>Fixed size</a:t>
             </a:r>
-            <a:endParaRPr lang="da-DK" sz="3600" smtClean="0"/>
           </a:p>
           <a:p>
             <a:r>
               <a:rPr lang="da-DK" sz="3600" smtClean="0"/>
               <a:t>When is an array element ”empty”?</a:t>
             </a:r>
-            <a:endParaRPr lang="da-DK" sz="3600" smtClean="0"/>
           </a:p>
           <a:p>
             <a:r>
               <a:rPr lang="da-DK" sz="3600" smtClean="0"/>
               <a:t>Easy to index out-of-range</a:t>
             </a:r>
-            <a:endParaRPr lang="da-DK" sz="3600" smtClean="0"/>
           </a:p>
         </p:txBody>
       </p:sp>
@@ -9298,11 +9266,7 @@
           <a:p>
             <a:r>
               <a:rPr lang="da-DK" b="1"/>
-              <a:t>Array drawbacks </a:t>
-            </a:r>
-            <a:r>
-              <a:rPr lang="da-DK" b="1"/>
-              <a:t>– </a:t>
+              <a:t>Array drawbacks – </a:t>
             </a:r>
             <a:r>
               <a:rPr lang="da-DK" b="1" smtClean="0"/>
@@ -9847,11 +9811,7 @@
             <a:pPr algn="ctr"/>
             <a:r>
               <a:rPr lang="da-DK" sz="3600" smtClean="0"/>
-              <a:t>Actual </a:t>
-            </a:r>
-            <a:r>
-              <a:rPr lang="da-DK" sz="3600" smtClean="0"/>
-              <a:t>value, or  ”empty”…?</a:t>
+              <a:t>Actual value, or  ”empty”…?</a:t>
             </a:r>
             <a:endParaRPr lang="da-DK" sz="3600"/>
           </a:p>
@@ -10002,11 +9962,7 @@
           <a:p>
             <a:r>
               <a:rPr lang="da-DK" b="1"/>
-              <a:t>Array drawbacks </a:t>
-            </a:r>
-            <a:r>
-              <a:rPr lang="da-DK" b="1"/>
-              <a:t>– </a:t>
+              <a:t>Array drawbacks – </a:t>
             </a:r>
             <a:r>
               <a:rPr lang="da-DK" b="1" smtClean="0"/>
@@ -10170,17 +10126,14 @@
           <a:lstStyle/>
           <a:p>
             <a:r>
-              <a:rPr lang="da-DK" sz="9600" b="1" smtClean="0"/>
-              <a:t>List&lt;T&gt;</a:t>
-            </a:r>
-            <a:r>
-              <a:rPr lang="da-DK" sz="9600" smtClean="0"/>
-              <a:t/>
-            </a:r>
-            <a:br>
-              <a:rPr lang="da-DK" sz="9600" smtClean="0"/>
-            </a:br>
-            <a:endParaRPr lang="da-DK" sz="4800">
+              <a:rPr lang="da-DK" sz="12000" b="1" smtClean="0"/>
+              <a:t>List&lt;T</a:t>
+            </a:r>
+            <a:r>
+              <a:rPr lang="da-DK" sz="12000" b="1" smtClean="0"/>
+              <a:t>&gt;</a:t>
+            </a:r>
+            <a:endParaRPr lang="da-DK" sz="12000">
               <a:solidFill>
                 <a:schemeClr val="bg1">
                   <a:lumMod val="75000"/>
@@ -10486,18 +10439,7 @@
                 </a:solidFill>
                 <a:latin typeface="Consolas" panose="020B0609020204030204" pitchFamily="49" charset="0"/>
               </a:rPr>
-              <a:t>   // </a:t>
-            </a:r>
-            <a:r>
-              <a:rPr lang="da-DK" sz="2800" b="1" smtClean="0">
-                <a:solidFill>
-                  <a:schemeClr val="accent6">
-                    <a:lumMod val="75000"/>
-                  </a:schemeClr>
-                </a:solidFill>
-                <a:latin typeface="Consolas" panose="020B0609020204030204" pitchFamily="49" charset="0"/>
-              </a:rPr>
-              <a:t>...etc</a:t>
+              <a:t>   // ...etc</a:t>
             </a:r>
             <a:endParaRPr lang="da-DK" sz="2800" b="1">
               <a:solidFill>
@@ -10719,7 +10661,7 @@
           <a:lstStyle/>
           <a:p>
             <a:r>
-              <a:rPr lang="da-DK" sz="9600" b="1" smtClean="0"/>
+              <a:rPr lang="da-DK" sz="12000" b="1" smtClean="0"/>
               <a:t>List&lt;T&gt;</a:t>
             </a:r>
             <a:r>
@@ -10739,11 +10681,7 @@
             </a:r>
             <a:r>
               <a:rPr lang="da-DK" sz="4800" b="1" smtClean="0"/>
-              <a:t>f type </a:t>
-            </a:r>
-            <a:r>
-              <a:rPr lang="da-DK" sz="4800" b="1" smtClean="0"/>
-              <a:t>T</a:t>
+              <a:t>f type T</a:t>
             </a:r>
             <a:endParaRPr lang="da-DK" sz="4800" b="1">
               <a:solidFill>
@@ -10827,11 +10765,11 @@
           <a:lstStyle/>
           <a:p>
             <a:r>
-              <a:rPr lang="da-DK" sz="9600" b="1" smtClean="0"/>
+              <a:rPr lang="da-DK" sz="12000" b="1" smtClean="0"/>
               <a:t>List&lt;</a:t>
             </a:r>
             <a:r>
-              <a:rPr lang="da-DK" sz="9600" b="1" smtClean="0">
+              <a:rPr lang="da-DK" sz="12000" b="1" smtClean="0">
                 <a:solidFill>
                   <a:srgbClr val="0070C0"/>
                 </a:solidFill>
@@ -10839,7 +10777,7 @@
               <a:t>int</a:t>
             </a:r>
             <a:r>
-              <a:rPr lang="da-DK" sz="9600" b="1" smtClean="0"/>
+              <a:rPr lang="da-DK" sz="12000" b="1" smtClean="0"/>
               <a:t>&gt;</a:t>
             </a:r>
             <a:r>
@@ -10941,11 +10879,11 @@
           <a:lstStyle/>
           <a:p>
             <a:r>
-              <a:rPr lang="da-DK" sz="9600" b="1" smtClean="0"/>
+              <a:rPr lang="da-DK" sz="12000" b="1" smtClean="0"/>
               <a:t>List&lt;</a:t>
             </a:r>
             <a:r>
-              <a:rPr lang="da-DK" sz="9600" b="1" smtClean="0">
+              <a:rPr lang="da-DK" sz="12000" b="1" smtClean="0">
                 <a:solidFill>
                   <a:srgbClr val="0070C0"/>
                 </a:solidFill>
@@ -10953,7 +10891,7 @@
               <a:t>string</a:t>
             </a:r>
             <a:r>
-              <a:rPr lang="da-DK" sz="9600" b="1" smtClean="0"/>
+              <a:rPr lang="da-DK" sz="12000" b="1" smtClean="0"/>
               <a:t>&gt;</a:t>
             </a:r>
             <a:r>
@@ -11055,11 +10993,11 @@
           <a:lstStyle/>
           <a:p>
             <a:r>
-              <a:rPr lang="da-DK" sz="9600" b="1" smtClean="0"/>
+              <a:rPr lang="da-DK" sz="12000" b="1" smtClean="0"/>
               <a:t>List&lt;</a:t>
             </a:r>
             <a:r>
-              <a:rPr lang="da-DK" sz="9600" b="1" smtClean="0">
+              <a:rPr lang="da-DK" sz="12000" b="1" smtClean="0">
                 <a:solidFill>
                   <a:schemeClr val="accent6">
                     <a:lumMod val="75000"/>
@@ -11069,7 +11007,7 @@
               <a:t>Car</a:t>
             </a:r>
             <a:r>
-              <a:rPr lang="da-DK" sz="9600" b="1" smtClean="0"/>
+              <a:rPr lang="da-DK" sz="12000" b="1" smtClean="0"/>
               <a:t>&gt;</a:t>
             </a:r>
             <a:r>
@@ -11081,19 +11019,11 @@
             </a:br>
             <a:r>
               <a:rPr lang="da-DK" sz="4800" b="1"/>
-              <a:t>a list </a:t>
-            </a:r>
-            <a:r>
-              <a:rPr lang="da-DK" sz="4800" b="1"/>
-              <a:t>of </a:t>
+              <a:t>a list of </a:t>
             </a:r>
             <a:r>
               <a:rPr lang="da-DK" sz="4800" b="1" smtClean="0"/>
-              <a:t>(referecens to</a:t>
-            </a:r>
-            <a:r>
-              <a:rPr lang="da-DK" sz="4800" b="1" smtClean="0"/>
-              <a:t>) objects </a:t>
+              <a:t>(referecens to) objects </a:t>
             </a:r>
             <a:r>
               <a:rPr lang="da-DK" sz="4800" b="1"/>
@@ -11156,6 +11086,132 @@
 </file>
 
 <file path=ppt/slides/slide34.xml><?xml version="1.0" encoding="utf-8"?>
+<p:sld xmlns:a="http://schemas.openxmlformats.org/drawingml/2006/main" xmlns:r="http://schemas.openxmlformats.org/officeDocument/2006/relationships" xmlns:p="http://schemas.openxmlformats.org/presentationml/2006/main">
+  <p:cSld>
+    <p:spTree>
+      <p:nvGrpSpPr>
+        <p:cNvPr id="1" name=""/>
+        <p:cNvGrpSpPr/>
+        <p:nvPr/>
+      </p:nvGrpSpPr>
+      <p:grpSpPr>
+        <a:xfrm>
+          <a:off x="0" y="0"/>
+          <a:ext cx="0" cy="0"/>
+          <a:chOff x="0" y="0"/>
+          <a:chExt cx="0" cy="0"/>
+        </a:xfrm>
+      </p:grpSpPr>
+      <p:sp>
+        <p:nvSpPr>
+          <p:cNvPr id="2" name="Titel 1"/>
+          <p:cNvSpPr>
+            <a:spLocks noGrp="1"/>
+          </p:cNvSpPr>
+          <p:nvPr>
+            <p:ph type="ctrTitle"/>
+          </p:nvPr>
+        </p:nvSpPr>
+        <p:spPr>
+          <a:xfrm>
+            <a:off x="1524000" y="1122362"/>
+            <a:ext cx="9144000" cy="3144837"/>
+          </a:xfrm>
+        </p:spPr>
+        <p:txBody>
+          <a:bodyPr>
+            <a:noAutofit/>
+          </a:bodyPr>
+          <a:lstStyle/>
+          <a:p>
+            <a:r>
+              <a:rPr lang="da-DK" sz="12000" b="1" smtClean="0"/>
+              <a:t>List&lt;List&lt;</a:t>
+            </a:r>
+            <a:r>
+              <a:rPr lang="da-DK" sz="12000" b="1" smtClean="0">
+                <a:solidFill>
+                  <a:srgbClr val="0070C0"/>
+                </a:solidFill>
+              </a:rPr>
+              <a:t>int</a:t>
+            </a:r>
+            <a:r>
+              <a:rPr lang="da-DK" sz="12000" b="1" smtClean="0"/>
+              <a:t>&gt;&gt;</a:t>
+            </a:r>
+            <a:r>
+              <a:rPr lang="da-DK" sz="9600" smtClean="0"/>
+              <a:t/>
+            </a:r>
+            <a:br>
+              <a:rPr lang="da-DK" sz="9600" smtClean="0"/>
+            </a:br>
+            <a:r>
+              <a:rPr lang="da-DK" sz="4800" b="1"/>
+              <a:t>a list </a:t>
+            </a:r>
+            <a:r>
+              <a:rPr lang="da-DK" sz="4800" b="1" smtClean="0"/>
+              <a:t>of lists </a:t>
+            </a:r>
+            <a:r>
+              <a:rPr lang="da-DK" sz="4800" b="1" smtClean="0"/>
+              <a:t>of </a:t>
+            </a:r>
+            <a:r>
+              <a:rPr lang="da-DK" sz="4800" b="1"/>
+              <a:t>items of type </a:t>
+            </a:r>
+            <a:r>
+              <a:rPr lang="da-DK" sz="4800" b="1" smtClean="0">
+                <a:solidFill>
+                  <a:srgbClr val="0070C0"/>
+                </a:solidFill>
+              </a:rPr>
+              <a:t>int</a:t>
+            </a:r>
+            <a:endParaRPr lang="da-DK" sz="4800" b="1">
+              <a:solidFill>
+                <a:srgbClr val="0070C0"/>
+              </a:solidFill>
+            </a:endParaRPr>
+          </a:p>
+        </p:txBody>
+      </p:sp>
+    </p:spTree>
+    <p:extLst>
+      <p:ext uri="{BB962C8B-B14F-4D97-AF65-F5344CB8AC3E}">
+        <p14:creationId xmlns:p14="http://schemas.microsoft.com/office/powerpoint/2010/main" val="3910410643"/>
+      </p:ext>
+    </p:extLst>
+  </p:cSld>
+  <p:clrMapOvr>
+    <a:masterClrMapping/>
+  </p:clrMapOvr>
+  <mc:AlternateContent xmlns:mc="http://schemas.openxmlformats.org/markup-compatibility/2006" xmlns:p14="http://schemas.microsoft.com/office/powerpoint/2010/main">
+    <mc:Choice Requires="p14">
+      <p:transition spd="med" p14:dur="700">
+        <p:fade/>
+      </p:transition>
+    </mc:Choice>
+    <mc:Fallback xmlns="">
+      <p:transition spd="med">
+        <p:fade/>
+      </p:transition>
+    </mc:Fallback>
+  </mc:AlternateContent>
+  <p:timing>
+    <p:tnLst>
+      <p:par>
+        <p:cTn id="1" dur="indefinite" restart="never" nodeType="tmRoot"/>
+      </p:par>
+    </p:tnLst>
+  </p:timing>
+</p:sld>
+</file>
+
+<file path=ppt/slides/slide35.xml><?xml version="1.0" encoding="utf-8"?>
 <p:sld xmlns:a="http://schemas.openxmlformats.org/drawingml/2006/main" xmlns:r="http://schemas.openxmlformats.org/officeDocument/2006/relationships" xmlns:p="http://schemas.openxmlformats.org/presentationml/2006/main">
   <p:cSld>
     <p:spTree>
@@ -11486,317 +11542,6 @@
 </p:sld>
 </file>
 
-<file path=ppt/slides/slide35.xml><?xml version="1.0" encoding="utf-8"?>
-<p:sld xmlns:a="http://schemas.openxmlformats.org/drawingml/2006/main" xmlns:r="http://schemas.openxmlformats.org/officeDocument/2006/relationships" xmlns:p="http://schemas.openxmlformats.org/presentationml/2006/main">
-  <p:cSld>
-    <p:spTree>
-      <p:nvGrpSpPr>
-        <p:cNvPr id="1" name=""/>
-        <p:cNvGrpSpPr/>
-        <p:nvPr/>
-      </p:nvGrpSpPr>
-      <p:grpSpPr>
-        <a:xfrm>
-          <a:off x="0" y="0"/>
-          <a:ext cx="0" cy="0"/>
-          <a:chOff x="0" y="0"/>
-          <a:chExt cx="0" cy="0"/>
-        </a:xfrm>
-      </p:grpSpPr>
-      <p:sp>
-        <p:nvSpPr>
-          <p:cNvPr id="3" name="Rektangel 2"/>
-          <p:cNvSpPr/>
-          <p:nvPr/>
-        </p:nvSpPr>
-        <p:spPr>
-          <a:xfrm>
-            <a:off x="859641" y="3210560"/>
-            <a:ext cx="8297334" cy="1632374"/>
-          </a:xfrm>
-          <a:prstGeom prst="rect">
-            <a:avLst/>
-          </a:prstGeom>
-          <a:solidFill>
-            <a:schemeClr val="tx1">
-              <a:lumMod val="50000"/>
-              <a:lumOff val="50000"/>
-            </a:schemeClr>
-          </a:solidFill>
-        </p:spPr>
-        <p:style>
-          <a:lnRef idx="2">
-            <a:schemeClr val="accent1">
-              <a:shade val="50000"/>
-            </a:schemeClr>
-          </a:lnRef>
-          <a:fillRef idx="1">
-            <a:schemeClr val="accent1"/>
-          </a:fillRef>
-          <a:effectRef idx="0">
-            <a:schemeClr val="accent1"/>
-          </a:effectRef>
-          <a:fontRef idx="minor">
-            <a:schemeClr val="lt1"/>
-          </a:fontRef>
-        </p:style>
-        <p:txBody>
-          <a:bodyPr rIns="360000" rtlCol="0" anchor="ctr"/>
-          <a:lstStyle/>
-          <a:p>
-            <a:pPr algn="r"/>
-            <a:r>
-              <a:rPr lang="da-DK" sz="3600" smtClean="0"/>
-              <a:t>Count = 1</a:t>
-            </a:r>
-            <a:endParaRPr lang="da-DK" sz="3600"/>
-          </a:p>
-        </p:txBody>
-      </p:sp>
-      <p:sp>
-        <p:nvSpPr>
-          <p:cNvPr id="11" name="Tekstfelt 10"/>
-          <p:cNvSpPr txBox="1"/>
-          <p:nvPr/>
-        </p:nvSpPr>
-        <p:spPr>
-          <a:xfrm>
-            <a:off x="859641" y="754158"/>
-            <a:ext cx="9212306" cy="1200329"/>
-          </a:xfrm>
-          <a:prstGeom prst="rect">
-            <a:avLst/>
-          </a:prstGeom>
-          <a:noFill/>
-        </p:spPr>
-        <p:txBody>
-          <a:bodyPr wrap="square" rtlCol="0">
-            <a:spAutoFit/>
-          </a:bodyPr>
-          <a:lstStyle/>
-          <a:p>
-            <a:r>
-              <a:rPr lang="da-DK" sz="3600" b="1" smtClean="0">
-                <a:solidFill>
-                  <a:schemeClr val="accent6">
-                    <a:lumMod val="75000"/>
-                  </a:schemeClr>
-                </a:solidFill>
-                <a:latin typeface="Consolas" panose="020B0609020204030204" pitchFamily="49" charset="0"/>
-              </a:rPr>
-              <a:t>List</a:t>
-            </a:r>
-            <a:r>
-              <a:rPr lang="da-DK" sz="3600" b="1" smtClean="0">
-                <a:latin typeface="Consolas" panose="020B0609020204030204" pitchFamily="49" charset="0"/>
-              </a:rPr>
-              <a:t>&lt;</a:t>
-            </a:r>
-            <a:r>
-              <a:rPr lang="da-DK" sz="3600" b="1" smtClean="0">
-                <a:solidFill>
-                  <a:srgbClr val="0070C0"/>
-                </a:solidFill>
-                <a:latin typeface="Consolas" panose="020B0609020204030204" pitchFamily="49" charset="0"/>
-              </a:rPr>
-              <a:t>int</a:t>
-            </a:r>
-            <a:r>
-              <a:rPr lang="da-DK" sz="3600" b="1" smtClean="0">
-                <a:latin typeface="Consolas" panose="020B0609020204030204" pitchFamily="49" charset="0"/>
-              </a:rPr>
-              <a:t>&gt; ages </a:t>
-            </a:r>
-            <a:r>
-              <a:rPr lang="da-DK" sz="3600" b="1">
-                <a:latin typeface="Consolas" panose="020B0609020204030204" pitchFamily="49" charset="0"/>
-              </a:rPr>
-              <a:t>= </a:t>
-            </a:r>
-            <a:r>
-              <a:rPr lang="da-DK" sz="3600" b="1" smtClean="0">
-                <a:solidFill>
-                  <a:srgbClr val="0070C0"/>
-                </a:solidFill>
-                <a:latin typeface="Consolas" panose="020B0609020204030204" pitchFamily="49" charset="0"/>
-              </a:rPr>
-              <a:t>new </a:t>
-            </a:r>
-            <a:r>
-              <a:rPr lang="da-DK" sz="3600" b="1">
-                <a:solidFill>
-                  <a:schemeClr val="accent6">
-                    <a:lumMod val="75000"/>
-                  </a:schemeClr>
-                </a:solidFill>
-                <a:latin typeface="Consolas" panose="020B0609020204030204" pitchFamily="49" charset="0"/>
-              </a:rPr>
-              <a:t>List</a:t>
-            </a:r>
-            <a:r>
-              <a:rPr lang="da-DK" sz="3600" b="1">
-                <a:latin typeface="Consolas" panose="020B0609020204030204" pitchFamily="49" charset="0"/>
-              </a:rPr>
-              <a:t>&lt;</a:t>
-            </a:r>
-            <a:r>
-              <a:rPr lang="da-DK" sz="3600" b="1">
-                <a:solidFill>
-                  <a:srgbClr val="0070C0"/>
-                </a:solidFill>
-                <a:latin typeface="Consolas" panose="020B0609020204030204" pitchFamily="49" charset="0"/>
-              </a:rPr>
-              <a:t>int</a:t>
-            </a:r>
-            <a:r>
-              <a:rPr lang="da-DK" sz="3600" b="1" smtClean="0">
-                <a:latin typeface="Consolas" panose="020B0609020204030204" pitchFamily="49" charset="0"/>
-              </a:rPr>
-              <a:t>&gt;();</a:t>
-            </a:r>
-          </a:p>
-          <a:p>
-            <a:r>
-              <a:rPr lang="da-DK" sz="3600" b="1" smtClean="0">
-                <a:latin typeface="Consolas" panose="020B0609020204030204" pitchFamily="49" charset="0"/>
-              </a:rPr>
-              <a:t>ages.Add(26);</a:t>
-            </a:r>
-          </a:p>
-        </p:txBody>
-      </p:sp>
-      <p:sp>
-        <p:nvSpPr>
-          <p:cNvPr id="4" name="Rektangel 3"/>
-          <p:cNvSpPr/>
-          <p:nvPr/>
-        </p:nvSpPr>
-        <p:spPr>
-          <a:xfrm>
-            <a:off x="997285" y="3317656"/>
-            <a:ext cx="1440000" cy="1440000"/>
-          </a:xfrm>
-          <a:prstGeom prst="rect">
-            <a:avLst/>
-          </a:prstGeom>
-        </p:spPr>
-        <p:style>
-          <a:lnRef idx="2">
-            <a:schemeClr val="accent1">
-              <a:shade val="50000"/>
-            </a:schemeClr>
-          </a:lnRef>
-          <a:fillRef idx="1">
-            <a:schemeClr val="accent1"/>
-          </a:fillRef>
-          <a:effectRef idx="0">
-            <a:schemeClr val="accent1"/>
-          </a:effectRef>
-          <a:fontRef idx="minor">
-            <a:schemeClr val="lt1"/>
-          </a:fontRef>
-        </p:style>
-        <p:txBody>
-          <a:bodyPr rtlCol="0" anchor="t"/>
-          <a:lstStyle/>
-          <a:p>
-            <a:r>
-              <a:rPr lang="da-DK" sz="3600" smtClean="0"/>
-              <a:t>0</a:t>
-            </a:r>
-            <a:endParaRPr lang="da-DK" sz="3600"/>
-          </a:p>
-        </p:txBody>
-      </p:sp>
-      <p:sp>
-        <p:nvSpPr>
-          <p:cNvPr id="5" name="Rektangel 4"/>
-          <p:cNvSpPr/>
-          <p:nvPr/>
-        </p:nvSpPr>
-        <p:spPr>
-          <a:xfrm>
-            <a:off x="1103162" y="3914987"/>
-            <a:ext cx="1187606" cy="739340"/>
-          </a:xfrm>
-          <a:prstGeom prst="rect">
-            <a:avLst/>
-          </a:prstGeom>
-          <a:solidFill>
-            <a:schemeClr val="accent6">
-              <a:lumMod val="75000"/>
-            </a:schemeClr>
-          </a:solidFill>
-        </p:spPr>
-        <p:style>
-          <a:lnRef idx="2">
-            <a:schemeClr val="accent1">
-              <a:shade val="50000"/>
-            </a:schemeClr>
-          </a:lnRef>
-          <a:fillRef idx="1">
-            <a:schemeClr val="accent1"/>
-          </a:fillRef>
-          <a:effectRef idx="0">
-            <a:schemeClr val="accent1"/>
-          </a:effectRef>
-          <a:fontRef idx="minor">
-            <a:schemeClr val="lt1"/>
-          </a:fontRef>
-        </p:style>
-        <p:txBody>
-          <a:bodyPr rtlCol="0" anchor="ctr"/>
-          <a:lstStyle/>
-          <a:p>
-            <a:pPr algn="ctr"/>
-            <a:r>
-              <a:rPr lang="da-DK" sz="3600" smtClean="0">
-                <a:solidFill>
-                  <a:srgbClr val="FFFF00"/>
-                </a:solidFill>
-              </a:rPr>
-              <a:t>26</a:t>
-            </a:r>
-            <a:endParaRPr lang="da-DK" sz="3600">
-              <a:solidFill>
-                <a:srgbClr val="FFFF00"/>
-              </a:solidFill>
-            </a:endParaRPr>
-          </a:p>
-        </p:txBody>
-      </p:sp>
-    </p:spTree>
-    <p:extLst>
-      <p:ext uri="{BB962C8B-B14F-4D97-AF65-F5344CB8AC3E}">
-        <p14:creationId xmlns:p14="http://schemas.microsoft.com/office/powerpoint/2010/main" val="16574575"/>
-      </p:ext>
-    </p:extLst>
-  </p:cSld>
-  <p:clrMapOvr>
-    <a:masterClrMapping/>
-  </p:clrMapOvr>
-  <mc:AlternateContent xmlns:mc="http://schemas.openxmlformats.org/markup-compatibility/2006" xmlns:p14="http://schemas.microsoft.com/office/powerpoint/2010/main">
-    <mc:Choice Requires="p14">
-      <p:transition spd="med" p14:dur="700">
-        <p:fade/>
-      </p:transition>
-    </mc:Choice>
-    <mc:Fallback xmlns="">
-      <p:transition spd="med">
-        <p:fade/>
-      </p:transition>
-    </mc:Fallback>
-  </mc:AlternateContent>
-  <p:timing>
-    <p:tnLst>
-      <p:par>
-        <p:cTn id="1" dur="indefinite" restart="never" nodeType="tmRoot"/>
-      </p:par>
-    </p:tnLst>
-  </p:timing>
-</p:sld>
-</file>
-
 <file path=ppt/slides/slide36.xml><?xml version="1.0" encoding="utf-8"?>
 <p:sld xmlns:a="http://schemas.openxmlformats.org/drawingml/2006/main" xmlns:r="http://schemas.openxmlformats.org/officeDocument/2006/relationships" xmlns:p="http://schemas.openxmlformats.org/presentationml/2006/main">
   <p:cSld>
@@ -11858,7 +11603,7 @@
             <a:pPr algn="r"/>
             <a:r>
               <a:rPr lang="da-DK" sz="3600" smtClean="0"/>
-              <a:t>Count = 2</a:t>
+              <a:t>Count = 1</a:t>
             </a:r>
             <a:endParaRPr lang="da-DK" sz="3600"/>
           </a:p>
@@ -11873,7 +11618,7 @@
         <p:spPr>
           <a:xfrm>
             <a:off x="859641" y="754158"/>
-            <a:ext cx="9212306" cy="1754326"/>
+            <a:ext cx="9212306" cy="1200329"/>
           </a:xfrm>
           <a:prstGeom prst="rect">
             <a:avLst/>
@@ -11973,20 +11718,6 @@
               </a:rPr>
               <a:t>ages.Add(26);</a:t>
             </a:r>
-            <a:endParaRPr lang="da-DK" sz="3600" b="1">
-              <a:latin typeface="Consolas" panose="020B0609020204030204" pitchFamily="49" charset="0"/>
-            </a:endParaRPr>
-          </a:p>
-          <a:p>
-            <a:r>
-              <a:rPr lang="da-DK" sz="3600" b="1" smtClean="0">
-                <a:latin typeface="Consolas" panose="020B0609020204030204" pitchFamily="49" charset="0"/>
-              </a:rPr>
-              <a:t>ages.Add(43);</a:t>
-            </a:r>
-            <a:endParaRPr lang="da-DK" sz="3600" b="1">
-              <a:latin typeface="Consolas" panose="020B0609020204030204" pitchFamily="49" charset="0"/>
-            </a:endParaRPr>
           </a:p>
         </p:txBody>
       </p:sp>
@@ -12004,11 +11735,6 @@
           <a:prstGeom prst="rect">
             <a:avLst/>
           </a:prstGeom>
-          <a:solidFill>
-            <a:schemeClr val="accent1">
-              <a:alpha val="60000"/>
-            </a:schemeClr>
-          </a:solidFill>
         </p:spPr>
         <p:style>
           <a:lnRef idx="2">
@@ -12055,7 +11781,6 @@
           <a:solidFill>
             <a:schemeClr val="accent6">
               <a:lumMod val="75000"/>
-              <a:alpha val="60000"/>
             </a:schemeClr>
           </a:solidFill>
         </p:spPr>
@@ -12096,109 +11821,10 @@
           </a:p>
         </p:txBody>
       </p:sp>
-      <p:sp>
-        <p:nvSpPr>
-          <p:cNvPr id="6" name="Rektangel 5"/>
-          <p:cNvSpPr/>
-          <p:nvPr/>
-        </p:nvSpPr>
-        <p:spPr>
-          <a:xfrm>
-            <a:off x="2543162" y="3317656"/>
-            <a:ext cx="1440000" cy="1440000"/>
-          </a:xfrm>
-          <a:prstGeom prst="rect">
-            <a:avLst/>
-          </a:prstGeom>
-        </p:spPr>
-        <p:style>
-          <a:lnRef idx="2">
-            <a:schemeClr val="accent1">
-              <a:shade val="50000"/>
-            </a:schemeClr>
-          </a:lnRef>
-          <a:fillRef idx="1">
-            <a:schemeClr val="accent1"/>
-          </a:fillRef>
-          <a:effectRef idx="0">
-            <a:schemeClr val="accent1"/>
-          </a:effectRef>
-          <a:fontRef idx="minor">
-            <a:schemeClr val="lt1"/>
-          </a:fontRef>
-        </p:style>
-        <p:txBody>
-          <a:bodyPr rtlCol="0" anchor="t"/>
-          <a:lstStyle/>
-          <a:p>
-            <a:r>
-              <a:rPr lang="da-DK" sz="3600"/>
-              <a:t>1</a:t>
-            </a:r>
-          </a:p>
-        </p:txBody>
-      </p:sp>
-      <p:sp>
-        <p:nvSpPr>
-          <p:cNvPr id="7" name="Rektangel 6"/>
-          <p:cNvSpPr/>
-          <p:nvPr/>
-        </p:nvSpPr>
-        <p:spPr>
-          <a:xfrm>
-            <a:off x="2649039" y="3914987"/>
-            <a:ext cx="1187606" cy="739340"/>
-          </a:xfrm>
-          <a:prstGeom prst="rect">
-            <a:avLst/>
-          </a:prstGeom>
-          <a:solidFill>
-            <a:schemeClr val="accent6">
-              <a:lumMod val="75000"/>
-            </a:schemeClr>
-          </a:solidFill>
-        </p:spPr>
-        <p:style>
-          <a:lnRef idx="2">
-            <a:schemeClr val="accent1">
-              <a:shade val="50000"/>
-            </a:schemeClr>
-          </a:lnRef>
-          <a:fillRef idx="1">
-            <a:schemeClr val="accent1"/>
-          </a:fillRef>
-          <a:effectRef idx="0">
-            <a:schemeClr val="accent1"/>
-          </a:effectRef>
-          <a:fontRef idx="minor">
-            <a:schemeClr val="lt1"/>
-          </a:fontRef>
-        </p:style>
-        <p:txBody>
-          <a:bodyPr rtlCol="0" anchor="ctr"/>
-          <a:lstStyle/>
-          <a:p>
-            <a:pPr algn="ctr"/>
-            <a:r>
-              <a:rPr lang="da-DK" sz="3600" smtClean="0">
-                <a:solidFill>
-                  <a:srgbClr val="FFFF00"/>
-                </a:solidFill>
-              </a:rPr>
-              <a:t>43</a:t>
-            </a:r>
-            <a:endParaRPr lang="da-DK" sz="3600">
-              <a:solidFill>
-                <a:srgbClr val="FFFF00"/>
-              </a:solidFill>
-            </a:endParaRPr>
-          </a:p>
-        </p:txBody>
-      </p:sp>
     </p:spTree>
     <p:extLst>
       <p:ext uri="{BB962C8B-B14F-4D97-AF65-F5344CB8AC3E}">
-        <p14:creationId xmlns:p14="http://schemas.microsoft.com/office/powerpoint/2010/main" val="3710617961"/>
+        <p14:creationId xmlns:p14="http://schemas.microsoft.com/office/powerpoint/2010/main" val="16574575"/>
       </p:ext>
     </p:extLst>
   </p:cSld>
@@ -12288,7 +11914,7 @@
             <a:pPr algn="r"/>
             <a:r>
               <a:rPr lang="da-DK" sz="3600" smtClean="0"/>
-              <a:t>Count = 3</a:t>
+              <a:t>Count = 2</a:t>
             </a:r>
             <a:endParaRPr lang="da-DK" sz="3600"/>
           </a:p>
@@ -12303,7 +11929,7 @@
         <p:spPr>
           <a:xfrm>
             <a:off x="859641" y="754158"/>
-            <a:ext cx="9212306" cy="1815882"/>
+            <a:ext cx="9212306" cy="1754326"/>
           </a:xfrm>
           <a:prstGeom prst="rect">
             <a:avLst/>
@@ -12317,7 +11943,7 @@
           <a:lstStyle/>
           <a:p>
             <a:r>
-              <a:rPr lang="da-DK" sz="2800" b="1" smtClean="0">
+              <a:rPr lang="da-DK" sz="3600" b="1" smtClean="0">
                 <a:solidFill>
                   <a:schemeClr val="accent6">
                     <a:lumMod val="75000"/>
@@ -12328,13 +11954,13 @@
               <a:t>List</a:t>
             </a:r>
             <a:r>
-              <a:rPr lang="da-DK" sz="2800" b="1" smtClean="0">
+              <a:rPr lang="da-DK" sz="3600" b="1" smtClean="0">
                 <a:latin typeface="Consolas" panose="020B0609020204030204" pitchFamily="49" charset="0"/>
               </a:rPr>
               <a:t>&lt;</a:t>
             </a:r>
             <a:r>
-              <a:rPr lang="da-DK" sz="2800" b="1" smtClean="0">
+              <a:rPr lang="da-DK" sz="3600" b="1" smtClean="0">
                 <a:solidFill>
                   <a:srgbClr val="0070C0"/>
                 </a:solidFill>
@@ -12343,19 +11969,19 @@
               <a:t>int</a:t>
             </a:r>
             <a:r>
-              <a:rPr lang="da-DK" sz="2800" b="1" smtClean="0">
+              <a:rPr lang="da-DK" sz="3600" b="1" smtClean="0">
                 <a:latin typeface="Consolas" panose="020B0609020204030204" pitchFamily="49" charset="0"/>
               </a:rPr>
               <a:t>&gt; ages </a:t>
             </a:r>
             <a:r>
-              <a:rPr lang="da-DK" sz="2800" b="1">
+              <a:rPr lang="da-DK" sz="3600" b="1">
                 <a:latin typeface="Consolas" panose="020B0609020204030204" pitchFamily="49" charset="0"/>
               </a:rPr>
               <a:t>= </a:t>
             </a:r>
             <a:r>
-              <a:rPr lang="da-DK" sz="2800" b="1" smtClean="0">
+              <a:rPr lang="da-DK" sz="3600" b="1" smtClean="0">
                 <a:solidFill>
                   <a:srgbClr val="0070C0"/>
                 </a:solidFill>
@@ -12364,7 +11990,7 @@
               <a:t>new </a:t>
             </a:r>
             <a:r>
-              <a:rPr lang="da-DK" sz="2800" b="1">
+              <a:rPr lang="da-DK" sz="3600" b="1">
                 <a:solidFill>
                   <a:schemeClr val="accent6">
                     <a:lumMod val="75000"/>
@@ -12375,13 +12001,13 @@
               <a:t>List</a:t>
             </a:r>
             <a:r>
-              <a:rPr lang="da-DK" sz="2800" b="1">
+              <a:rPr lang="da-DK" sz="3600" b="1">
                 <a:latin typeface="Consolas" panose="020B0609020204030204" pitchFamily="49" charset="0"/>
               </a:rPr>
               <a:t>&lt;</a:t>
             </a:r>
             <a:r>
-              <a:rPr lang="da-DK" sz="2800" b="1">
+              <a:rPr lang="da-DK" sz="3600" b="1">
                 <a:solidFill>
                   <a:srgbClr val="0070C0"/>
                 </a:solidFill>
@@ -12390,7 +12016,7 @@
               <a:t>int</a:t>
             </a:r>
             <a:r>
-              <a:rPr lang="da-DK" sz="2800" b="1" smtClean="0">
+              <a:rPr lang="da-DK" sz="3600" b="1" smtClean="0">
                 <a:latin typeface="Consolas" panose="020B0609020204030204" pitchFamily="49" charset="0"/>
               </a:rPr>
               <a:t>&gt;();</a:t>
@@ -12398,31 +12024,23 @@
           </a:p>
           <a:p>
             <a:r>
-              <a:rPr lang="da-DK" sz="2800" b="1" smtClean="0">
+              <a:rPr lang="da-DK" sz="3600" b="1" smtClean="0">
                 <a:latin typeface="Consolas" panose="020B0609020204030204" pitchFamily="49" charset="0"/>
               </a:rPr>
               <a:t>ages.Add(26);</a:t>
             </a:r>
-            <a:endParaRPr lang="da-DK" sz="2800" b="1">
+            <a:endParaRPr lang="da-DK" sz="3600" b="1">
               <a:latin typeface="Consolas" panose="020B0609020204030204" pitchFamily="49" charset="0"/>
             </a:endParaRPr>
           </a:p>
           <a:p>
             <a:r>
-              <a:rPr lang="da-DK" sz="2800" b="1" smtClean="0">
+              <a:rPr lang="da-DK" sz="3600" b="1" smtClean="0">
                 <a:latin typeface="Consolas" panose="020B0609020204030204" pitchFamily="49" charset="0"/>
               </a:rPr>
               <a:t>ages.Add(43);</a:t>
             </a:r>
-          </a:p>
-          <a:p>
-            <a:r>
-              <a:rPr lang="da-DK" sz="2800" b="1" smtClean="0">
-                <a:latin typeface="Consolas" panose="020B0609020204030204" pitchFamily="49" charset="0"/>
-              </a:rPr>
-              <a:t>ages.Add(9);</a:t>
-            </a:r>
-            <a:endParaRPr lang="da-DK" sz="2800" b="1">
+            <a:endParaRPr lang="da-DK" sz="3600" b="1">
               <a:latin typeface="Consolas" panose="020B0609020204030204" pitchFamily="49" charset="0"/>
             </a:endParaRPr>
           </a:p>
@@ -12548,11 +12166,6 @@
           <a:prstGeom prst="rect">
             <a:avLst/>
           </a:prstGeom>
-          <a:solidFill>
-            <a:schemeClr val="accent1">
-              <a:alpha val="60000"/>
-            </a:schemeClr>
-          </a:solidFill>
         </p:spPr>
         <p:style>
           <a:lnRef idx="2">
@@ -12598,7 +12211,6 @@
           <a:solidFill>
             <a:schemeClr val="accent6">
               <a:lumMod val="75000"/>
-              <a:alpha val="60000"/>
             </a:schemeClr>
           </a:solidFill>
         </p:spPr>
@@ -12639,110 +12251,10 @@
           </a:p>
         </p:txBody>
       </p:sp>
-      <p:sp>
-        <p:nvSpPr>
-          <p:cNvPr id="8" name="Rektangel 7"/>
-          <p:cNvSpPr/>
-          <p:nvPr/>
-        </p:nvSpPr>
-        <p:spPr>
-          <a:xfrm>
-            <a:off x="4089039" y="3317656"/>
-            <a:ext cx="1440000" cy="1440000"/>
-          </a:xfrm>
-          <a:prstGeom prst="rect">
-            <a:avLst/>
-          </a:prstGeom>
-        </p:spPr>
-        <p:style>
-          <a:lnRef idx="2">
-            <a:schemeClr val="accent1">
-              <a:shade val="50000"/>
-            </a:schemeClr>
-          </a:lnRef>
-          <a:fillRef idx="1">
-            <a:schemeClr val="accent1"/>
-          </a:fillRef>
-          <a:effectRef idx="0">
-            <a:schemeClr val="accent1"/>
-          </a:effectRef>
-          <a:fontRef idx="minor">
-            <a:schemeClr val="lt1"/>
-          </a:fontRef>
-        </p:style>
-        <p:txBody>
-          <a:bodyPr rtlCol="0" anchor="t"/>
-          <a:lstStyle/>
-          <a:p>
-            <a:r>
-              <a:rPr lang="da-DK" sz="3600" smtClean="0"/>
-              <a:t>2</a:t>
-            </a:r>
-            <a:endParaRPr lang="da-DK" sz="3600"/>
-          </a:p>
-        </p:txBody>
-      </p:sp>
-      <p:sp>
-        <p:nvSpPr>
-          <p:cNvPr id="9" name="Rektangel 8"/>
-          <p:cNvSpPr/>
-          <p:nvPr/>
-        </p:nvSpPr>
-        <p:spPr>
-          <a:xfrm>
-            <a:off x="4194916" y="3914987"/>
-            <a:ext cx="1187606" cy="739340"/>
-          </a:xfrm>
-          <a:prstGeom prst="rect">
-            <a:avLst/>
-          </a:prstGeom>
-          <a:solidFill>
-            <a:schemeClr val="accent6">
-              <a:lumMod val="75000"/>
-            </a:schemeClr>
-          </a:solidFill>
-        </p:spPr>
-        <p:style>
-          <a:lnRef idx="2">
-            <a:schemeClr val="accent1">
-              <a:shade val="50000"/>
-            </a:schemeClr>
-          </a:lnRef>
-          <a:fillRef idx="1">
-            <a:schemeClr val="accent1"/>
-          </a:fillRef>
-          <a:effectRef idx="0">
-            <a:schemeClr val="accent1"/>
-          </a:effectRef>
-          <a:fontRef idx="minor">
-            <a:schemeClr val="lt1"/>
-          </a:fontRef>
-        </p:style>
-        <p:txBody>
-          <a:bodyPr rtlCol="0" anchor="ctr"/>
-          <a:lstStyle/>
-          <a:p>
-            <a:pPr algn="ctr"/>
-            <a:r>
-              <a:rPr lang="da-DK" sz="3600" smtClean="0">
-                <a:solidFill>
-                  <a:srgbClr val="FFFF00"/>
-                </a:solidFill>
-              </a:rPr>
-              <a:t>9</a:t>
-            </a:r>
-            <a:endParaRPr lang="da-DK" sz="3600">
-              <a:solidFill>
-                <a:srgbClr val="FFFF00"/>
-              </a:solidFill>
-            </a:endParaRPr>
-          </a:p>
-        </p:txBody>
-      </p:sp>
     </p:spTree>
     <p:extLst>
       <p:ext uri="{BB962C8B-B14F-4D97-AF65-F5344CB8AC3E}">
-        <p14:creationId xmlns:p14="http://schemas.microsoft.com/office/powerpoint/2010/main" val="312631280"/>
+        <p14:creationId xmlns:p14="http://schemas.microsoft.com/office/powerpoint/2010/main" val="3710617961"/>
       </p:ext>
     </p:extLst>
   </p:cSld>
@@ -12797,7 +12309,7 @@
         <p:spPr>
           <a:xfrm>
             <a:off x="859641" y="3210560"/>
-            <a:ext cx="8982012" cy="1632374"/>
+            <a:ext cx="8297334" cy="1632374"/>
           </a:xfrm>
           <a:prstGeom prst="rect">
             <a:avLst/>
@@ -12832,7 +12344,7 @@
             <a:pPr algn="r"/>
             <a:r>
               <a:rPr lang="da-DK" sz="3600" smtClean="0"/>
-              <a:t>Count = 4</a:t>
+              <a:t>Count = 3</a:t>
             </a:r>
             <a:endParaRPr lang="da-DK" sz="3600"/>
           </a:p>
@@ -12847,7 +12359,7 @@
         <p:spPr>
           <a:xfrm>
             <a:off x="859641" y="754158"/>
-            <a:ext cx="9212306" cy="2246769"/>
+            <a:ext cx="9212306" cy="1815882"/>
           </a:xfrm>
           <a:prstGeom prst="rect">
             <a:avLst/>
@@ -12966,21 +12478,7 @@
               </a:rPr>
               <a:t>ages.Add(9);</a:t>
             </a:r>
-          </a:p>
-          <a:p>
-            <a:r>
-              <a:rPr lang="da-DK" sz="2800" b="1" smtClean="0">
-                <a:solidFill>
-                  <a:srgbClr val="FF0000"/>
-                </a:solidFill>
-                <a:latin typeface="Consolas" panose="020B0609020204030204" pitchFamily="49" charset="0"/>
-              </a:rPr>
-              <a:t>ages.Insert(2,55);</a:t>
-            </a:r>
             <a:endParaRPr lang="da-DK" sz="2800" b="1">
-              <a:solidFill>
-                <a:srgbClr val="FF0000"/>
-              </a:solidFill>
               <a:latin typeface="Consolas" panose="020B0609020204030204" pitchFamily="49" charset="0"/>
             </a:endParaRPr>
           </a:p>
@@ -13211,9 +12709,6 @@
           <a:prstGeom prst="rect">
             <a:avLst/>
           </a:prstGeom>
-          <a:solidFill>
-            <a:schemeClr val="accent1"/>
-          </a:solidFill>
         </p:spPr>
         <p:style>
           <a:lnRef idx="2">
@@ -13290,7 +12785,7 @@
                   <a:srgbClr val="FFFF00"/>
                 </a:solidFill>
               </a:rPr>
-              <a:t>55</a:t>
+              <a:t>9</a:t>
             </a:r>
             <a:endParaRPr lang="da-DK" sz="3600">
               <a:solidFill>
@@ -13300,115 +12795,10 @@
           </a:p>
         </p:txBody>
       </p:sp>
-      <p:sp>
-        <p:nvSpPr>
-          <p:cNvPr id="10" name="Rektangel 9"/>
-          <p:cNvSpPr/>
-          <p:nvPr/>
-        </p:nvSpPr>
-        <p:spPr>
-          <a:xfrm>
-            <a:off x="5634916" y="3317656"/>
-            <a:ext cx="1440000" cy="1440000"/>
-          </a:xfrm>
-          <a:prstGeom prst="rect">
-            <a:avLst/>
-          </a:prstGeom>
-          <a:solidFill>
-            <a:schemeClr val="accent1">
-              <a:alpha val="60000"/>
-            </a:schemeClr>
-          </a:solidFill>
-        </p:spPr>
-        <p:style>
-          <a:lnRef idx="2">
-            <a:schemeClr val="accent1">
-              <a:shade val="50000"/>
-            </a:schemeClr>
-          </a:lnRef>
-          <a:fillRef idx="1">
-            <a:schemeClr val="accent1"/>
-          </a:fillRef>
-          <a:effectRef idx="0">
-            <a:schemeClr val="accent1"/>
-          </a:effectRef>
-          <a:fontRef idx="minor">
-            <a:schemeClr val="lt1"/>
-          </a:fontRef>
-        </p:style>
-        <p:txBody>
-          <a:bodyPr rtlCol="0" anchor="t"/>
-          <a:lstStyle/>
-          <a:p>
-            <a:r>
-              <a:rPr lang="da-DK" sz="3600"/>
-              <a:t>3</a:t>
-            </a:r>
-          </a:p>
-        </p:txBody>
-      </p:sp>
-      <p:sp>
-        <p:nvSpPr>
-          <p:cNvPr id="12" name="Rektangel 11"/>
-          <p:cNvSpPr/>
-          <p:nvPr/>
-        </p:nvSpPr>
-        <p:spPr>
-          <a:xfrm>
-            <a:off x="5740793" y="3914987"/>
-            <a:ext cx="1187606" cy="739340"/>
-          </a:xfrm>
-          <a:prstGeom prst="rect">
-            <a:avLst/>
-          </a:prstGeom>
-          <a:solidFill>
-            <a:schemeClr val="accent6">
-              <a:lumMod val="75000"/>
-              <a:alpha val="60000"/>
-            </a:schemeClr>
-          </a:solidFill>
-        </p:spPr>
-        <p:style>
-          <a:lnRef idx="2">
-            <a:schemeClr val="accent1">
-              <a:shade val="50000"/>
-            </a:schemeClr>
-          </a:lnRef>
-          <a:fillRef idx="1">
-            <a:schemeClr val="accent1"/>
-          </a:fillRef>
-          <a:effectRef idx="0">
-            <a:schemeClr val="accent1"/>
-          </a:effectRef>
-          <a:fontRef idx="minor">
-            <a:schemeClr val="lt1"/>
-          </a:fontRef>
-        </p:style>
-        <p:txBody>
-          <a:bodyPr rtlCol="0" anchor="ctr"/>
-          <a:lstStyle/>
-          <a:p>
-            <a:pPr algn="ctr"/>
-            <a:r>
-              <a:rPr lang="da-DK" sz="3600" smtClean="0">
-                <a:solidFill>
-                  <a:srgbClr val="FFFF00"/>
-                </a:solidFill>
-              </a:rPr>
-              <a:t>9</a:t>
-            </a:r>
-            <a:endParaRPr lang="da-DK" sz="3600">
-              <a:solidFill>
-                <a:srgbClr val="FFFF00"/>
-              </a:solidFill>
-            </a:endParaRPr>
-          </a:p>
-        </p:txBody>
-      </p:sp>
     </p:spTree>
     <p:extLst>
       <p:ext uri="{BB962C8B-B14F-4D97-AF65-F5344CB8AC3E}">
-        <p14:creationId xmlns:p14="http://schemas.microsoft.com/office/powerpoint/2010/main" val="261589394"/>
+        <p14:creationId xmlns:p14="http://schemas.microsoft.com/office/powerpoint/2010/main" val="312631280"/>
       </p:ext>
     </p:extLst>
   </p:cSld>
@@ -13498,7 +12888,7 @@
             <a:pPr algn="r"/>
             <a:r>
               <a:rPr lang="da-DK" sz="3600" smtClean="0"/>
-              <a:t>Count = 3</a:t>
+              <a:t>Count = 4</a:t>
             </a:r>
             <a:endParaRPr lang="da-DK" sz="3600"/>
           </a:p>
@@ -13513,7 +12903,7 @@
         <p:spPr>
           <a:xfrm>
             <a:off x="859641" y="754158"/>
-            <a:ext cx="9212306" cy="2308324"/>
+            <a:ext cx="9212306" cy="2246769"/>
           </a:xfrm>
           <a:prstGeom prst="rect">
             <a:avLst/>
@@ -13527,7 +12917,7 @@
           <a:lstStyle/>
           <a:p>
             <a:r>
-              <a:rPr lang="da-DK" sz="2400" b="1" smtClean="0">
+              <a:rPr lang="da-DK" sz="2800" b="1" smtClean="0">
                 <a:solidFill>
                   <a:schemeClr val="accent6">
                     <a:lumMod val="75000"/>
@@ -13538,13 +12928,13 @@
               <a:t>List</a:t>
             </a:r>
             <a:r>
-              <a:rPr lang="da-DK" sz="2400" b="1" smtClean="0">
+              <a:rPr lang="da-DK" sz="2800" b="1" smtClean="0">
                 <a:latin typeface="Consolas" panose="020B0609020204030204" pitchFamily="49" charset="0"/>
               </a:rPr>
               <a:t>&lt;</a:t>
             </a:r>
             <a:r>
-              <a:rPr lang="da-DK" sz="2400" b="1" smtClean="0">
+              <a:rPr lang="da-DK" sz="2800" b="1" smtClean="0">
                 <a:solidFill>
                   <a:srgbClr val="0070C0"/>
                 </a:solidFill>
@@ -13553,19 +12943,19 @@
               <a:t>int</a:t>
             </a:r>
             <a:r>
-              <a:rPr lang="da-DK" sz="2400" b="1" smtClean="0">
+              <a:rPr lang="da-DK" sz="2800" b="1" smtClean="0">
                 <a:latin typeface="Consolas" panose="020B0609020204030204" pitchFamily="49" charset="0"/>
               </a:rPr>
               <a:t>&gt; ages </a:t>
             </a:r>
             <a:r>
-              <a:rPr lang="da-DK" sz="2400" b="1">
+              <a:rPr lang="da-DK" sz="2800" b="1">
                 <a:latin typeface="Consolas" panose="020B0609020204030204" pitchFamily="49" charset="0"/>
               </a:rPr>
               <a:t>= </a:t>
             </a:r>
             <a:r>
-              <a:rPr lang="da-DK" sz="2400" b="1" smtClean="0">
+              <a:rPr lang="da-DK" sz="2800" b="1" smtClean="0">
                 <a:solidFill>
                   <a:srgbClr val="0070C0"/>
                 </a:solidFill>
@@ -13574,7 +12964,7 @@
               <a:t>new </a:t>
             </a:r>
             <a:r>
-              <a:rPr lang="da-DK" sz="2400" b="1">
+              <a:rPr lang="da-DK" sz="2800" b="1">
                 <a:solidFill>
                   <a:schemeClr val="accent6">
                     <a:lumMod val="75000"/>
@@ -13585,13 +12975,13 @@
               <a:t>List</a:t>
             </a:r>
             <a:r>
-              <a:rPr lang="da-DK" sz="2400" b="1">
+              <a:rPr lang="da-DK" sz="2800" b="1">
                 <a:latin typeface="Consolas" panose="020B0609020204030204" pitchFamily="49" charset="0"/>
               </a:rPr>
               <a:t>&lt;</a:t>
             </a:r>
             <a:r>
-              <a:rPr lang="da-DK" sz="2400" b="1">
+              <a:rPr lang="da-DK" sz="2800" b="1">
                 <a:solidFill>
                   <a:srgbClr val="0070C0"/>
                 </a:solidFill>
@@ -13600,7 +12990,7 @@
               <a:t>int</a:t>
             </a:r>
             <a:r>
-              <a:rPr lang="da-DK" sz="2400" b="1" smtClean="0">
+              <a:rPr lang="da-DK" sz="2800" b="1" smtClean="0">
                 <a:latin typeface="Consolas" panose="020B0609020204030204" pitchFamily="49" charset="0"/>
               </a:rPr>
               <a:t>&gt;();</a:t>
@@ -13608,18 +12998,18 @@
           </a:p>
           <a:p>
             <a:r>
-              <a:rPr lang="da-DK" sz="2400" b="1" smtClean="0">
+              <a:rPr lang="da-DK" sz="2800" b="1" smtClean="0">
                 <a:latin typeface="Consolas" panose="020B0609020204030204" pitchFamily="49" charset="0"/>
               </a:rPr>
               <a:t>ages.Add(26);</a:t>
             </a:r>
-            <a:endParaRPr lang="da-DK" sz="2400" b="1">
+            <a:endParaRPr lang="da-DK" sz="2800" b="1">
               <a:latin typeface="Consolas" panose="020B0609020204030204" pitchFamily="49" charset="0"/>
             </a:endParaRPr>
           </a:p>
           <a:p>
             <a:r>
-              <a:rPr lang="da-DK" sz="2400" b="1" smtClean="0">
+              <a:rPr lang="da-DK" sz="2800" b="1" smtClean="0">
                 <a:latin typeface="Consolas" panose="020B0609020204030204" pitchFamily="49" charset="0"/>
               </a:rPr>
               <a:t>ages.Add(43);</a:t>
@@ -13627,7 +13017,7 @@
           </a:p>
           <a:p>
             <a:r>
-              <a:rPr lang="da-DK" sz="2400" b="1" smtClean="0">
+              <a:rPr lang="da-DK" sz="2800" b="1" smtClean="0">
                 <a:latin typeface="Consolas" panose="020B0609020204030204" pitchFamily="49" charset="0"/>
               </a:rPr>
               <a:t>ages.Add(9);</a:t>
@@ -13635,23 +13025,15 @@
           </a:p>
           <a:p>
             <a:r>
-              <a:rPr lang="da-DK" sz="2400" b="1">
+              <a:rPr lang="da-DK" sz="2800" b="1" smtClean="0">
+                <a:solidFill>
+                  <a:srgbClr val="FF0000"/>
+                </a:solidFill>
                 <a:latin typeface="Consolas" panose="020B0609020204030204" pitchFamily="49" charset="0"/>
               </a:rPr>
               <a:t>ages.Insert(2,55);</a:t>
             </a:r>
-          </a:p>
-          <a:p>
-            <a:r>
-              <a:rPr lang="da-DK" sz="2400" b="1" smtClean="0">
-                <a:solidFill>
-                  <a:srgbClr val="FF0000"/>
-                </a:solidFill>
-                <a:latin typeface="Consolas" panose="020B0609020204030204" pitchFamily="49" charset="0"/>
-              </a:rPr>
-              <a:t>ages.RemoveAt(1);</a:t>
-            </a:r>
-            <a:endParaRPr lang="da-DK" sz="2400" b="1">
+            <a:endParaRPr lang="da-DK" sz="2800" b="1">
               <a:solidFill>
                 <a:srgbClr val="FF0000"/>
               </a:solidFill>
@@ -13675,7 +13057,9 @@
             <a:avLst/>
           </a:prstGeom>
           <a:solidFill>
-            <a:schemeClr val="accent1"/>
+            <a:schemeClr val="accent1">
+              <a:alpha val="60000"/>
+            </a:schemeClr>
           </a:solidFill>
         </p:spPr>
         <p:style>
@@ -13723,6 +13107,7 @@
           <a:solidFill>
             <a:schemeClr val="accent6">
               <a:lumMod val="75000"/>
+              <a:alpha val="60000"/>
             </a:schemeClr>
           </a:solidFill>
         </p:spPr>
@@ -13765,7 +13150,7 @@
       </p:sp>
       <p:sp>
         <p:nvSpPr>
-          <p:cNvPr id="8" name="Rektangel 7"/>
+          <p:cNvPr id="6" name="Rektangel 5"/>
           <p:cNvSpPr/>
           <p:nvPr/>
         </p:nvSpPr>
@@ -13778,7 +13163,9 @@
             <a:avLst/>
           </a:prstGeom>
           <a:solidFill>
-            <a:schemeClr val="accent1"/>
+            <a:schemeClr val="accent1">
+              <a:alpha val="60000"/>
+            </a:schemeClr>
           </a:solidFill>
         </p:spPr>
         <p:style>
@@ -13810,7 +13197,7 @@
       </p:sp>
       <p:sp>
         <p:nvSpPr>
-          <p:cNvPr id="9" name="Rektangel 8"/>
+          <p:cNvPr id="7" name="Rektangel 6"/>
           <p:cNvSpPr/>
           <p:nvPr/>
         </p:nvSpPr>
@@ -13825,6 +13212,7 @@
           <a:solidFill>
             <a:schemeClr val="accent6">
               <a:lumMod val="75000"/>
+              <a:alpha val="60000"/>
             </a:schemeClr>
           </a:solidFill>
         </p:spPr>
@@ -13855,7 +13243,7 @@
                   <a:srgbClr val="FFFF00"/>
                 </a:solidFill>
               </a:rPr>
-              <a:t>55</a:t>
+              <a:t>43</a:t>
             </a:r>
             <a:endParaRPr lang="da-DK" sz="3600">
               <a:solidFill>
@@ -13867,7 +13255,7 @@
       </p:sp>
       <p:sp>
         <p:nvSpPr>
-          <p:cNvPr id="10" name="Rektangel 9"/>
+          <p:cNvPr id="8" name="Rektangel 7"/>
           <p:cNvSpPr/>
           <p:nvPr/>
         </p:nvSpPr>
@@ -13913,7 +13301,7 @@
       </p:sp>
       <p:sp>
         <p:nvSpPr>
-          <p:cNvPr id="12" name="Rektangel 11"/>
+          <p:cNvPr id="9" name="Rektangel 8"/>
           <p:cNvSpPr/>
           <p:nvPr/>
         </p:nvSpPr>
@@ -13958,7 +13346,7 @@
                   <a:srgbClr val="FFFF00"/>
                 </a:solidFill>
               </a:rPr>
-              <a:t>9</a:t>
+              <a:t>55</a:t>
             </a:r>
             <a:endParaRPr lang="da-DK" sz="3600">
               <a:solidFill>
@@ -13968,10 +13356,115 @@
           </a:p>
         </p:txBody>
       </p:sp>
+      <p:sp>
+        <p:nvSpPr>
+          <p:cNvPr id="10" name="Rektangel 9"/>
+          <p:cNvSpPr/>
+          <p:nvPr/>
+        </p:nvSpPr>
+        <p:spPr>
+          <a:xfrm>
+            <a:off x="5634916" y="3317656"/>
+            <a:ext cx="1440000" cy="1440000"/>
+          </a:xfrm>
+          <a:prstGeom prst="rect">
+            <a:avLst/>
+          </a:prstGeom>
+          <a:solidFill>
+            <a:schemeClr val="accent1">
+              <a:alpha val="60000"/>
+            </a:schemeClr>
+          </a:solidFill>
+        </p:spPr>
+        <p:style>
+          <a:lnRef idx="2">
+            <a:schemeClr val="accent1">
+              <a:shade val="50000"/>
+            </a:schemeClr>
+          </a:lnRef>
+          <a:fillRef idx="1">
+            <a:schemeClr val="accent1"/>
+          </a:fillRef>
+          <a:effectRef idx="0">
+            <a:schemeClr val="accent1"/>
+          </a:effectRef>
+          <a:fontRef idx="minor">
+            <a:schemeClr val="lt1"/>
+          </a:fontRef>
+        </p:style>
+        <p:txBody>
+          <a:bodyPr rtlCol="0" anchor="t"/>
+          <a:lstStyle/>
+          <a:p>
+            <a:r>
+              <a:rPr lang="da-DK" sz="3600"/>
+              <a:t>3</a:t>
+            </a:r>
+          </a:p>
+        </p:txBody>
+      </p:sp>
+      <p:sp>
+        <p:nvSpPr>
+          <p:cNvPr id="12" name="Rektangel 11"/>
+          <p:cNvSpPr/>
+          <p:nvPr/>
+        </p:nvSpPr>
+        <p:spPr>
+          <a:xfrm>
+            <a:off x="5740793" y="3914987"/>
+            <a:ext cx="1187606" cy="739340"/>
+          </a:xfrm>
+          <a:prstGeom prst="rect">
+            <a:avLst/>
+          </a:prstGeom>
+          <a:solidFill>
+            <a:schemeClr val="accent6">
+              <a:lumMod val="75000"/>
+              <a:alpha val="60000"/>
+            </a:schemeClr>
+          </a:solidFill>
+        </p:spPr>
+        <p:style>
+          <a:lnRef idx="2">
+            <a:schemeClr val="accent1">
+              <a:shade val="50000"/>
+            </a:schemeClr>
+          </a:lnRef>
+          <a:fillRef idx="1">
+            <a:schemeClr val="accent1"/>
+          </a:fillRef>
+          <a:effectRef idx="0">
+            <a:schemeClr val="accent1"/>
+          </a:effectRef>
+          <a:fontRef idx="minor">
+            <a:schemeClr val="lt1"/>
+          </a:fontRef>
+        </p:style>
+        <p:txBody>
+          <a:bodyPr rtlCol="0" anchor="ctr"/>
+          <a:lstStyle/>
+          <a:p>
+            <a:pPr algn="ctr"/>
+            <a:r>
+              <a:rPr lang="da-DK" sz="3600" smtClean="0">
+                <a:solidFill>
+                  <a:srgbClr val="FFFF00"/>
+                </a:solidFill>
+              </a:rPr>
+              <a:t>9</a:t>
+            </a:r>
+            <a:endParaRPr lang="da-DK" sz="3600">
+              <a:solidFill>
+                <a:srgbClr val="FFFF00"/>
+              </a:solidFill>
+            </a:endParaRPr>
+          </a:p>
+        </p:txBody>
+      </p:sp>
     </p:spTree>
     <p:extLst>
       <p:ext uri="{BB962C8B-B14F-4D97-AF65-F5344CB8AC3E}">
-        <p14:creationId xmlns:p14="http://schemas.microsoft.com/office/powerpoint/2010/main" val="909099300"/>
+        <p14:creationId xmlns:p14="http://schemas.microsoft.com/office/powerpoint/2010/main" val="261589394"/>
       </p:ext>
     </p:extLst>
   </p:cSld>
@@ -14089,6 +13582,569 @@
 </file>
 
 <file path=ppt/slides/slide40.xml><?xml version="1.0" encoding="utf-8"?>
+<p:sld xmlns:a="http://schemas.openxmlformats.org/drawingml/2006/main" xmlns:r="http://schemas.openxmlformats.org/officeDocument/2006/relationships" xmlns:p="http://schemas.openxmlformats.org/presentationml/2006/main">
+  <p:cSld>
+    <p:spTree>
+      <p:nvGrpSpPr>
+        <p:cNvPr id="1" name=""/>
+        <p:cNvGrpSpPr/>
+        <p:nvPr/>
+      </p:nvGrpSpPr>
+      <p:grpSpPr>
+        <a:xfrm>
+          <a:off x="0" y="0"/>
+          <a:ext cx="0" cy="0"/>
+          <a:chOff x="0" y="0"/>
+          <a:chExt cx="0" cy="0"/>
+        </a:xfrm>
+      </p:grpSpPr>
+      <p:sp>
+        <p:nvSpPr>
+          <p:cNvPr id="3" name="Rektangel 2"/>
+          <p:cNvSpPr/>
+          <p:nvPr/>
+        </p:nvSpPr>
+        <p:spPr>
+          <a:xfrm>
+            <a:off x="859641" y="3210560"/>
+            <a:ext cx="8982012" cy="1632374"/>
+          </a:xfrm>
+          <a:prstGeom prst="rect">
+            <a:avLst/>
+          </a:prstGeom>
+          <a:solidFill>
+            <a:schemeClr val="tx1">
+              <a:lumMod val="50000"/>
+              <a:lumOff val="50000"/>
+            </a:schemeClr>
+          </a:solidFill>
+        </p:spPr>
+        <p:style>
+          <a:lnRef idx="2">
+            <a:schemeClr val="accent1">
+              <a:shade val="50000"/>
+            </a:schemeClr>
+          </a:lnRef>
+          <a:fillRef idx="1">
+            <a:schemeClr val="accent1"/>
+          </a:fillRef>
+          <a:effectRef idx="0">
+            <a:schemeClr val="accent1"/>
+          </a:effectRef>
+          <a:fontRef idx="minor">
+            <a:schemeClr val="lt1"/>
+          </a:fontRef>
+        </p:style>
+        <p:txBody>
+          <a:bodyPr rIns="360000" rtlCol="0" anchor="ctr"/>
+          <a:lstStyle/>
+          <a:p>
+            <a:pPr algn="r"/>
+            <a:r>
+              <a:rPr lang="da-DK" sz="3600" smtClean="0"/>
+              <a:t>Count = 3</a:t>
+            </a:r>
+            <a:endParaRPr lang="da-DK" sz="3600"/>
+          </a:p>
+        </p:txBody>
+      </p:sp>
+      <p:sp>
+        <p:nvSpPr>
+          <p:cNvPr id="11" name="Tekstfelt 10"/>
+          <p:cNvSpPr txBox="1"/>
+          <p:nvPr/>
+        </p:nvSpPr>
+        <p:spPr>
+          <a:xfrm>
+            <a:off x="859641" y="754158"/>
+            <a:ext cx="9212306" cy="2308324"/>
+          </a:xfrm>
+          <a:prstGeom prst="rect">
+            <a:avLst/>
+          </a:prstGeom>
+          <a:noFill/>
+        </p:spPr>
+        <p:txBody>
+          <a:bodyPr wrap="square" rtlCol="0">
+            <a:spAutoFit/>
+          </a:bodyPr>
+          <a:lstStyle/>
+          <a:p>
+            <a:r>
+              <a:rPr lang="da-DK" sz="2400" b="1" smtClean="0">
+                <a:solidFill>
+                  <a:schemeClr val="accent6">
+                    <a:lumMod val="75000"/>
+                  </a:schemeClr>
+                </a:solidFill>
+                <a:latin typeface="Consolas" panose="020B0609020204030204" pitchFamily="49" charset="0"/>
+              </a:rPr>
+              <a:t>List</a:t>
+            </a:r>
+            <a:r>
+              <a:rPr lang="da-DK" sz="2400" b="1" smtClean="0">
+                <a:latin typeface="Consolas" panose="020B0609020204030204" pitchFamily="49" charset="0"/>
+              </a:rPr>
+              <a:t>&lt;</a:t>
+            </a:r>
+            <a:r>
+              <a:rPr lang="da-DK" sz="2400" b="1" smtClean="0">
+                <a:solidFill>
+                  <a:srgbClr val="0070C0"/>
+                </a:solidFill>
+                <a:latin typeface="Consolas" panose="020B0609020204030204" pitchFamily="49" charset="0"/>
+              </a:rPr>
+              <a:t>int</a:t>
+            </a:r>
+            <a:r>
+              <a:rPr lang="da-DK" sz="2400" b="1" smtClean="0">
+                <a:latin typeface="Consolas" panose="020B0609020204030204" pitchFamily="49" charset="0"/>
+              </a:rPr>
+              <a:t>&gt; ages </a:t>
+            </a:r>
+            <a:r>
+              <a:rPr lang="da-DK" sz="2400" b="1">
+                <a:latin typeface="Consolas" panose="020B0609020204030204" pitchFamily="49" charset="0"/>
+              </a:rPr>
+              <a:t>= </a:t>
+            </a:r>
+            <a:r>
+              <a:rPr lang="da-DK" sz="2400" b="1" smtClean="0">
+                <a:solidFill>
+                  <a:srgbClr val="0070C0"/>
+                </a:solidFill>
+                <a:latin typeface="Consolas" panose="020B0609020204030204" pitchFamily="49" charset="0"/>
+              </a:rPr>
+              <a:t>new </a:t>
+            </a:r>
+            <a:r>
+              <a:rPr lang="da-DK" sz="2400" b="1">
+                <a:solidFill>
+                  <a:schemeClr val="accent6">
+                    <a:lumMod val="75000"/>
+                  </a:schemeClr>
+                </a:solidFill>
+                <a:latin typeface="Consolas" panose="020B0609020204030204" pitchFamily="49" charset="0"/>
+              </a:rPr>
+              <a:t>List</a:t>
+            </a:r>
+            <a:r>
+              <a:rPr lang="da-DK" sz="2400" b="1">
+                <a:latin typeface="Consolas" panose="020B0609020204030204" pitchFamily="49" charset="0"/>
+              </a:rPr>
+              <a:t>&lt;</a:t>
+            </a:r>
+            <a:r>
+              <a:rPr lang="da-DK" sz="2400" b="1">
+                <a:solidFill>
+                  <a:srgbClr val="0070C0"/>
+                </a:solidFill>
+                <a:latin typeface="Consolas" panose="020B0609020204030204" pitchFamily="49" charset="0"/>
+              </a:rPr>
+              <a:t>int</a:t>
+            </a:r>
+            <a:r>
+              <a:rPr lang="da-DK" sz="2400" b="1" smtClean="0">
+                <a:latin typeface="Consolas" panose="020B0609020204030204" pitchFamily="49" charset="0"/>
+              </a:rPr>
+              <a:t>&gt;();</a:t>
+            </a:r>
+          </a:p>
+          <a:p>
+            <a:r>
+              <a:rPr lang="da-DK" sz="2400" b="1" smtClean="0">
+                <a:latin typeface="Consolas" panose="020B0609020204030204" pitchFamily="49" charset="0"/>
+              </a:rPr>
+              <a:t>ages.Add(26);</a:t>
+            </a:r>
+            <a:endParaRPr lang="da-DK" sz="2400" b="1">
+              <a:latin typeface="Consolas" panose="020B0609020204030204" pitchFamily="49" charset="0"/>
+            </a:endParaRPr>
+          </a:p>
+          <a:p>
+            <a:r>
+              <a:rPr lang="da-DK" sz="2400" b="1" smtClean="0">
+                <a:latin typeface="Consolas" panose="020B0609020204030204" pitchFamily="49" charset="0"/>
+              </a:rPr>
+              <a:t>ages.Add(43);</a:t>
+            </a:r>
+          </a:p>
+          <a:p>
+            <a:r>
+              <a:rPr lang="da-DK" sz="2400" b="1" smtClean="0">
+                <a:latin typeface="Consolas" panose="020B0609020204030204" pitchFamily="49" charset="0"/>
+              </a:rPr>
+              <a:t>ages.Add(9);</a:t>
+            </a:r>
+          </a:p>
+          <a:p>
+            <a:r>
+              <a:rPr lang="da-DK" sz="2400" b="1">
+                <a:latin typeface="Consolas" panose="020B0609020204030204" pitchFamily="49" charset="0"/>
+              </a:rPr>
+              <a:t>ages.Insert(2,55);</a:t>
+            </a:r>
+          </a:p>
+          <a:p>
+            <a:r>
+              <a:rPr lang="da-DK" sz="2400" b="1" smtClean="0">
+                <a:solidFill>
+                  <a:srgbClr val="FF0000"/>
+                </a:solidFill>
+                <a:latin typeface="Consolas" panose="020B0609020204030204" pitchFamily="49" charset="0"/>
+              </a:rPr>
+              <a:t>ages.RemoveAt(1);</a:t>
+            </a:r>
+            <a:endParaRPr lang="da-DK" sz="2400" b="1">
+              <a:solidFill>
+                <a:srgbClr val="FF0000"/>
+              </a:solidFill>
+              <a:latin typeface="Consolas" panose="020B0609020204030204" pitchFamily="49" charset="0"/>
+            </a:endParaRPr>
+          </a:p>
+        </p:txBody>
+      </p:sp>
+      <p:sp>
+        <p:nvSpPr>
+          <p:cNvPr id="4" name="Rektangel 3"/>
+          <p:cNvSpPr/>
+          <p:nvPr/>
+        </p:nvSpPr>
+        <p:spPr>
+          <a:xfrm>
+            <a:off x="997285" y="3317656"/>
+            <a:ext cx="1440000" cy="1440000"/>
+          </a:xfrm>
+          <a:prstGeom prst="rect">
+            <a:avLst/>
+          </a:prstGeom>
+          <a:solidFill>
+            <a:schemeClr val="accent1"/>
+          </a:solidFill>
+        </p:spPr>
+        <p:style>
+          <a:lnRef idx="2">
+            <a:schemeClr val="accent1">
+              <a:shade val="50000"/>
+            </a:schemeClr>
+          </a:lnRef>
+          <a:fillRef idx="1">
+            <a:schemeClr val="accent1"/>
+          </a:fillRef>
+          <a:effectRef idx="0">
+            <a:schemeClr val="accent1"/>
+          </a:effectRef>
+          <a:fontRef idx="minor">
+            <a:schemeClr val="lt1"/>
+          </a:fontRef>
+        </p:style>
+        <p:txBody>
+          <a:bodyPr rtlCol="0" anchor="t"/>
+          <a:lstStyle/>
+          <a:p>
+            <a:r>
+              <a:rPr lang="da-DK" sz="3600" smtClean="0"/>
+              <a:t>0</a:t>
+            </a:r>
+            <a:endParaRPr lang="da-DK" sz="3600"/>
+          </a:p>
+        </p:txBody>
+      </p:sp>
+      <p:sp>
+        <p:nvSpPr>
+          <p:cNvPr id="5" name="Rektangel 4"/>
+          <p:cNvSpPr/>
+          <p:nvPr/>
+        </p:nvSpPr>
+        <p:spPr>
+          <a:xfrm>
+            <a:off x="1103162" y="3914987"/>
+            <a:ext cx="1187606" cy="739340"/>
+          </a:xfrm>
+          <a:prstGeom prst="rect">
+            <a:avLst/>
+          </a:prstGeom>
+          <a:solidFill>
+            <a:schemeClr val="accent6">
+              <a:lumMod val="75000"/>
+            </a:schemeClr>
+          </a:solidFill>
+        </p:spPr>
+        <p:style>
+          <a:lnRef idx="2">
+            <a:schemeClr val="accent1">
+              <a:shade val="50000"/>
+            </a:schemeClr>
+          </a:lnRef>
+          <a:fillRef idx="1">
+            <a:schemeClr val="accent1"/>
+          </a:fillRef>
+          <a:effectRef idx="0">
+            <a:schemeClr val="accent1"/>
+          </a:effectRef>
+          <a:fontRef idx="minor">
+            <a:schemeClr val="lt1"/>
+          </a:fontRef>
+        </p:style>
+        <p:txBody>
+          <a:bodyPr rtlCol="0" anchor="ctr"/>
+          <a:lstStyle/>
+          <a:p>
+            <a:pPr algn="ctr"/>
+            <a:r>
+              <a:rPr lang="da-DK" sz="3600" smtClean="0">
+                <a:solidFill>
+                  <a:srgbClr val="FFFF00"/>
+                </a:solidFill>
+              </a:rPr>
+              <a:t>26</a:t>
+            </a:r>
+            <a:endParaRPr lang="da-DK" sz="3600">
+              <a:solidFill>
+                <a:srgbClr val="FFFF00"/>
+              </a:solidFill>
+            </a:endParaRPr>
+          </a:p>
+        </p:txBody>
+      </p:sp>
+      <p:sp>
+        <p:nvSpPr>
+          <p:cNvPr id="8" name="Rektangel 7"/>
+          <p:cNvSpPr/>
+          <p:nvPr/>
+        </p:nvSpPr>
+        <p:spPr>
+          <a:xfrm>
+            <a:off x="2543162" y="3317656"/>
+            <a:ext cx="1440000" cy="1440000"/>
+          </a:xfrm>
+          <a:prstGeom prst="rect">
+            <a:avLst/>
+          </a:prstGeom>
+          <a:solidFill>
+            <a:schemeClr val="accent1"/>
+          </a:solidFill>
+        </p:spPr>
+        <p:style>
+          <a:lnRef idx="2">
+            <a:schemeClr val="accent1">
+              <a:shade val="50000"/>
+            </a:schemeClr>
+          </a:lnRef>
+          <a:fillRef idx="1">
+            <a:schemeClr val="accent1"/>
+          </a:fillRef>
+          <a:effectRef idx="0">
+            <a:schemeClr val="accent1"/>
+          </a:effectRef>
+          <a:fontRef idx="minor">
+            <a:schemeClr val="lt1"/>
+          </a:fontRef>
+        </p:style>
+        <p:txBody>
+          <a:bodyPr rtlCol="0" anchor="t"/>
+          <a:lstStyle/>
+          <a:p>
+            <a:r>
+              <a:rPr lang="da-DK" sz="3600"/>
+              <a:t>1</a:t>
+            </a:r>
+          </a:p>
+        </p:txBody>
+      </p:sp>
+      <p:sp>
+        <p:nvSpPr>
+          <p:cNvPr id="9" name="Rektangel 8"/>
+          <p:cNvSpPr/>
+          <p:nvPr/>
+        </p:nvSpPr>
+        <p:spPr>
+          <a:xfrm>
+            <a:off x="2649039" y="3914987"/>
+            <a:ext cx="1187606" cy="739340"/>
+          </a:xfrm>
+          <a:prstGeom prst="rect">
+            <a:avLst/>
+          </a:prstGeom>
+          <a:solidFill>
+            <a:schemeClr val="accent6">
+              <a:lumMod val="75000"/>
+            </a:schemeClr>
+          </a:solidFill>
+        </p:spPr>
+        <p:style>
+          <a:lnRef idx="2">
+            <a:schemeClr val="accent1">
+              <a:shade val="50000"/>
+            </a:schemeClr>
+          </a:lnRef>
+          <a:fillRef idx="1">
+            <a:schemeClr val="accent1"/>
+          </a:fillRef>
+          <a:effectRef idx="0">
+            <a:schemeClr val="accent1"/>
+          </a:effectRef>
+          <a:fontRef idx="minor">
+            <a:schemeClr val="lt1"/>
+          </a:fontRef>
+        </p:style>
+        <p:txBody>
+          <a:bodyPr rtlCol="0" anchor="ctr"/>
+          <a:lstStyle/>
+          <a:p>
+            <a:pPr algn="ctr"/>
+            <a:r>
+              <a:rPr lang="da-DK" sz="3600" smtClean="0">
+                <a:solidFill>
+                  <a:srgbClr val="FFFF00"/>
+                </a:solidFill>
+              </a:rPr>
+              <a:t>55</a:t>
+            </a:r>
+            <a:endParaRPr lang="da-DK" sz="3600">
+              <a:solidFill>
+                <a:srgbClr val="FFFF00"/>
+              </a:solidFill>
+            </a:endParaRPr>
+          </a:p>
+        </p:txBody>
+      </p:sp>
+      <p:sp>
+        <p:nvSpPr>
+          <p:cNvPr id="10" name="Rektangel 9"/>
+          <p:cNvSpPr/>
+          <p:nvPr/>
+        </p:nvSpPr>
+        <p:spPr>
+          <a:xfrm>
+            <a:off x="4089039" y="3317656"/>
+            <a:ext cx="1440000" cy="1440000"/>
+          </a:xfrm>
+          <a:prstGeom prst="rect">
+            <a:avLst/>
+          </a:prstGeom>
+          <a:solidFill>
+            <a:schemeClr val="accent1"/>
+          </a:solidFill>
+        </p:spPr>
+        <p:style>
+          <a:lnRef idx="2">
+            <a:schemeClr val="accent1">
+              <a:shade val="50000"/>
+            </a:schemeClr>
+          </a:lnRef>
+          <a:fillRef idx="1">
+            <a:schemeClr val="accent1"/>
+          </a:fillRef>
+          <a:effectRef idx="0">
+            <a:schemeClr val="accent1"/>
+          </a:effectRef>
+          <a:fontRef idx="minor">
+            <a:schemeClr val="lt1"/>
+          </a:fontRef>
+        </p:style>
+        <p:txBody>
+          <a:bodyPr rtlCol="0" anchor="t"/>
+          <a:lstStyle/>
+          <a:p>
+            <a:r>
+              <a:rPr lang="da-DK" sz="3600" smtClean="0"/>
+              <a:t>2</a:t>
+            </a:r>
+            <a:endParaRPr lang="da-DK" sz="3600"/>
+          </a:p>
+        </p:txBody>
+      </p:sp>
+      <p:sp>
+        <p:nvSpPr>
+          <p:cNvPr id="12" name="Rektangel 11"/>
+          <p:cNvSpPr/>
+          <p:nvPr/>
+        </p:nvSpPr>
+        <p:spPr>
+          <a:xfrm>
+            <a:off x="4194916" y="3914987"/>
+            <a:ext cx="1187606" cy="739340"/>
+          </a:xfrm>
+          <a:prstGeom prst="rect">
+            <a:avLst/>
+          </a:prstGeom>
+          <a:solidFill>
+            <a:schemeClr val="accent6">
+              <a:lumMod val="75000"/>
+            </a:schemeClr>
+          </a:solidFill>
+        </p:spPr>
+        <p:style>
+          <a:lnRef idx="2">
+            <a:schemeClr val="accent1">
+              <a:shade val="50000"/>
+            </a:schemeClr>
+          </a:lnRef>
+          <a:fillRef idx="1">
+            <a:schemeClr val="accent1"/>
+          </a:fillRef>
+          <a:effectRef idx="0">
+            <a:schemeClr val="accent1"/>
+          </a:effectRef>
+          <a:fontRef idx="minor">
+            <a:schemeClr val="lt1"/>
+          </a:fontRef>
+        </p:style>
+        <p:txBody>
+          <a:bodyPr rtlCol="0" anchor="ctr"/>
+          <a:lstStyle/>
+          <a:p>
+            <a:pPr algn="ctr"/>
+            <a:r>
+              <a:rPr lang="da-DK" sz="3600" smtClean="0">
+                <a:solidFill>
+                  <a:srgbClr val="FFFF00"/>
+                </a:solidFill>
+              </a:rPr>
+              <a:t>9</a:t>
+            </a:r>
+            <a:endParaRPr lang="da-DK" sz="3600">
+              <a:solidFill>
+                <a:srgbClr val="FFFF00"/>
+              </a:solidFill>
+            </a:endParaRPr>
+          </a:p>
+        </p:txBody>
+      </p:sp>
+    </p:spTree>
+    <p:extLst>
+      <p:ext uri="{BB962C8B-B14F-4D97-AF65-F5344CB8AC3E}">
+        <p14:creationId xmlns:p14="http://schemas.microsoft.com/office/powerpoint/2010/main" val="909099300"/>
+      </p:ext>
+    </p:extLst>
+  </p:cSld>
+  <p:clrMapOvr>
+    <a:masterClrMapping/>
+  </p:clrMapOvr>
+  <mc:AlternateContent xmlns:mc="http://schemas.openxmlformats.org/markup-compatibility/2006" xmlns:p14="http://schemas.microsoft.com/office/powerpoint/2010/main">
+    <mc:Choice Requires="p14">
+      <p:transition spd="med" p14:dur="700">
+        <p:fade/>
+      </p:transition>
+    </mc:Choice>
+    <mc:Fallback xmlns="">
+      <p:transition spd="med">
+        <p:fade/>
+      </p:transition>
+    </mc:Fallback>
+  </mc:AlternateContent>
+  <p:timing>
+    <p:tnLst>
+      <p:par>
+        <p:cTn id="1" dur="indefinite" restart="never" nodeType="tmRoot"/>
+      </p:par>
+    </p:tnLst>
+  </p:timing>
+</p:sld>
+</file>
+
+<file path=ppt/slides/slide41.xml><?xml version="1.0" encoding="utf-8"?>
 <p:sld xmlns:a="http://schemas.openxmlformats.org/drawingml/2006/main" xmlns:r="http://schemas.openxmlformats.org/officeDocument/2006/relationships" xmlns:p="http://schemas.openxmlformats.org/presentationml/2006/main">
   <p:cSld>
     <p:spTree>
@@ -14690,7 +14746,7 @@
 </p:sld>
 </file>
 
-<file path=ppt/slides/slide41.xml><?xml version="1.0" encoding="utf-8"?>
+<file path=ppt/slides/slide42.xml><?xml version="1.0" encoding="utf-8"?>
 <p:sld xmlns:a="http://schemas.openxmlformats.org/drawingml/2006/main" xmlns:r="http://schemas.openxmlformats.org/officeDocument/2006/relationships" xmlns:p="http://schemas.openxmlformats.org/presentationml/2006/main">
   <p:cSld>
     <p:spTree>
@@ -15022,7 +15078,7 @@
 </p:sld>
 </file>
 
-<file path=ppt/slides/slide42.xml><?xml version="1.0" encoding="utf-8"?>
+<file path=ppt/slides/slide43.xml><?xml version="1.0" encoding="utf-8"?>
 <p:sld xmlns:a="http://schemas.openxmlformats.org/drawingml/2006/main" xmlns:r="http://schemas.openxmlformats.org/officeDocument/2006/relationships" xmlns:p="http://schemas.openxmlformats.org/presentationml/2006/main">
   <p:cSld>
     <p:spTree>
@@ -15152,381 +15208,6 @@
 </p:sld>
 </file>
 
-<file path=ppt/slides/slide43.xml><?xml version="1.0" encoding="utf-8"?>
-<p:sld xmlns:a="http://schemas.openxmlformats.org/drawingml/2006/main" xmlns:r="http://schemas.openxmlformats.org/officeDocument/2006/relationships" xmlns:p="http://schemas.openxmlformats.org/presentationml/2006/main">
-  <p:cSld>
-    <p:spTree>
-      <p:nvGrpSpPr>
-        <p:cNvPr id="1" name=""/>
-        <p:cNvGrpSpPr/>
-        <p:nvPr/>
-      </p:nvGrpSpPr>
-      <p:grpSpPr>
-        <a:xfrm>
-          <a:off x="0" y="0"/>
-          <a:ext cx="0" cy="0"/>
-          <a:chOff x="0" y="0"/>
-          <a:chExt cx="0" cy="0"/>
-        </a:xfrm>
-      </p:grpSpPr>
-      <p:sp>
-        <p:nvSpPr>
-          <p:cNvPr id="3" name="Rektangel 2"/>
-          <p:cNvSpPr/>
-          <p:nvPr/>
-        </p:nvSpPr>
-        <p:spPr>
-          <a:xfrm>
-            <a:off x="859641" y="3210560"/>
-            <a:ext cx="8982012" cy="1632374"/>
-          </a:xfrm>
-          <a:prstGeom prst="rect">
-            <a:avLst/>
-          </a:prstGeom>
-          <a:solidFill>
-            <a:schemeClr val="tx1">
-              <a:lumMod val="50000"/>
-              <a:lumOff val="50000"/>
-            </a:schemeClr>
-          </a:solidFill>
-        </p:spPr>
-        <p:style>
-          <a:lnRef idx="2">
-            <a:schemeClr val="accent1">
-              <a:shade val="50000"/>
-            </a:schemeClr>
-          </a:lnRef>
-          <a:fillRef idx="1">
-            <a:schemeClr val="accent1"/>
-          </a:fillRef>
-          <a:effectRef idx="0">
-            <a:schemeClr val="accent1"/>
-          </a:effectRef>
-          <a:fontRef idx="minor">
-            <a:schemeClr val="lt1"/>
-          </a:fontRef>
-        </p:style>
-        <p:txBody>
-          <a:bodyPr rIns="360000" rtlCol="0" anchor="ctr"/>
-          <a:lstStyle/>
-          <a:p>
-            <a:pPr algn="r"/>
-            <a:r>
-              <a:rPr lang="da-DK" sz="3600" smtClean="0"/>
-              <a:t>Count = 2</a:t>
-            </a:r>
-            <a:endParaRPr lang="da-DK" sz="3600"/>
-          </a:p>
-        </p:txBody>
-      </p:sp>
-      <p:sp>
-        <p:nvSpPr>
-          <p:cNvPr id="11" name="Tekstfelt 10"/>
-          <p:cNvSpPr txBox="1"/>
-          <p:nvPr/>
-        </p:nvSpPr>
-        <p:spPr>
-          <a:xfrm>
-            <a:off x="859640" y="754158"/>
-            <a:ext cx="10332313" cy="1569660"/>
-          </a:xfrm>
-          <a:prstGeom prst="rect">
-            <a:avLst/>
-          </a:prstGeom>
-          <a:noFill/>
-        </p:spPr>
-        <p:txBody>
-          <a:bodyPr wrap="square" rtlCol="0">
-            <a:spAutoFit/>
-          </a:bodyPr>
-          <a:lstStyle/>
-          <a:p>
-            <a:r>
-              <a:rPr lang="da-DK" sz="4800" b="1" smtClean="0">
-                <a:latin typeface="Consolas" panose="020B0609020204030204" pitchFamily="49" charset="0"/>
-              </a:rPr>
-              <a:t>ages.Contains(9); </a:t>
-            </a:r>
-            <a:r>
-              <a:rPr lang="da-DK" sz="4800" b="1" smtClean="0">
-                <a:solidFill>
-                  <a:schemeClr val="accent6">
-                    <a:lumMod val="75000"/>
-                  </a:schemeClr>
-                </a:solidFill>
-                <a:latin typeface="Consolas" panose="020B0609020204030204" pitchFamily="49" charset="0"/>
-              </a:rPr>
-              <a:t>// = True</a:t>
-            </a:r>
-          </a:p>
-          <a:p>
-            <a:r>
-              <a:rPr lang="da-DK" sz="4800" b="1" smtClean="0">
-                <a:latin typeface="Consolas" panose="020B0609020204030204" pitchFamily="49" charset="0"/>
-              </a:rPr>
-              <a:t>ages.Contains(24); </a:t>
-            </a:r>
-            <a:r>
-              <a:rPr lang="da-DK" sz="4800" b="1">
-                <a:solidFill>
-                  <a:srgbClr val="FF0000"/>
-                </a:solidFill>
-                <a:latin typeface="Consolas" panose="020B0609020204030204" pitchFamily="49" charset="0"/>
-              </a:rPr>
-              <a:t>// </a:t>
-            </a:r>
-            <a:r>
-              <a:rPr lang="da-DK" sz="4800" b="1" smtClean="0">
-                <a:solidFill>
-                  <a:srgbClr val="FF0000"/>
-                </a:solidFill>
-                <a:latin typeface="Consolas" panose="020B0609020204030204" pitchFamily="49" charset="0"/>
-              </a:rPr>
-              <a:t>= False</a:t>
-            </a:r>
-            <a:endParaRPr lang="da-DK" sz="4800" b="1">
-              <a:solidFill>
-                <a:srgbClr val="FF0000"/>
-              </a:solidFill>
-              <a:latin typeface="Consolas" panose="020B0609020204030204" pitchFamily="49" charset="0"/>
-            </a:endParaRPr>
-          </a:p>
-        </p:txBody>
-      </p:sp>
-      <p:sp>
-        <p:nvSpPr>
-          <p:cNvPr id="4" name="Rektangel 3"/>
-          <p:cNvSpPr/>
-          <p:nvPr/>
-        </p:nvSpPr>
-        <p:spPr>
-          <a:xfrm>
-            <a:off x="997285" y="3317656"/>
-            <a:ext cx="1440000" cy="1440000"/>
-          </a:xfrm>
-          <a:prstGeom prst="rect">
-            <a:avLst/>
-          </a:prstGeom>
-          <a:solidFill>
-            <a:schemeClr val="accent1"/>
-          </a:solidFill>
-        </p:spPr>
-        <p:style>
-          <a:lnRef idx="2">
-            <a:schemeClr val="accent1">
-              <a:shade val="50000"/>
-            </a:schemeClr>
-          </a:lnRef>
-          <a:fillRef idx="1">
-            <a:schemeClr val="accent1"/>
-          </a:fillRef>
-          <a:effectRef idx="0">
-            <a:schemeClr val="accent1"/>
-          </a:effectRef>
-          <a:fontRef idx="minor">
-            <a:schemeClr val="lt1"/>
-          </a:fontRef>
-        </p:style>
-        <p:txBody>
-          <a:bodyPr rtlCol="0" anchor="t"/>
-          <a:lstStyle/>
-          <a:p>
-            <a:r>
-              <a:rPr lang="da-DK" sz="3600" smtClean="0"/>
-              <a:t>0</a:t>
-            </a:r>
-            <a:endParaRPr lang="da-DK" sz="3600"/>
-          </a:p>
-        </p:txBody>
-      </p:sp>
-      <p:sp>
-        <p:nvSpPr>
-          <p:cNvPr id="5" name="Rektangel 4"/>
-          <p:cNvSpPr/>
-          <p:nvPr/>
-        </p:nvSpPr>
-        <p:spPr>
-          <a:xfrm>
-            <a:off x="1103162" y="3914987"/>
-            <a:ext cx="1187606" cy="739340"/>
-          </a:xfrm>
-          <a:prstGeom prst="rect">
-            <a:avLst/>
-          </a:prstGeom>
-          <a:solidFill>
-            <a:schemeClr val="accent6">
-              <a:lumMod val="75000"/>
-            </a:schemeClr>
-          </a:solidFill>
-        </p:spPr>
-        <p:style>
-          <a:lnRef idx="2">
-            <a:schemeClr val="accent1">
-              <a:shade val="50000"/>
-            </a:schemeClr>
-          </a:lnRef>
-          <a:fillRef idx="1">
-            <a:schemeClr val="accent1"/>
-          </a:fillRef>
-          <a:effectRef idx="0">
-            <a:schemeClr val="accent1"/>
-          </a:effectRef>
-          <a:fontRef idx="minor">
-            <a:schemeClr val="lt1"/>
-          </a:fontRef>
-        </p:style>
-        <p:txBody>
-          <a:bodyPr rtlCol="0" anchor="ctr"/>
-          <a:lstStyle/>
-          <a:p>
-            <a:pPr algn="ctr"/>
-            <a:r>
-              <a:rPr lang="da-DK" sz="3600" smtClean="0">
-                <a:solidFill>
-                  <a:srgbClr val="FFFF00"/>
-                </a:solidFill>
-              </a:rPr>
-              <a:t>55</a:t>
-            </a:r>
-            <a:endParaRPr lang="da-DK" sz="3600">
-              <a:solidFill>
-                <a:srgbClr val="FFFF00"/>
-              </a:solidFill>
-            </a:endParaRPr>
-          </a:p>
-        </p:txBody>
-      </p:sp>
-      <p:sp>
-        <p:nvSpPr>
-          <p:cNvPr id="8" name="Rektangel 7"/>
-          <p:cNvSpPr/>
-          <p:nvPr/>
-        </p:nvSpPr>
-        <p:spPr>
-          <a:xfrm>
-            <a:off x="2565043" y="3317656"/>
-            <a:ext cx="1440000" cy="1440000"/>
-          </a:xfrm>
-          <a:prstGeom prst="rect">
-            <a:avLst/>
-          </a:prstGeom>
-          <a:solidFill>
-            <a:schemeClr val="accent1"/>
-          </a:solidFill>
-        </p:spPr>
-        <p:style>
-          <a:lnRef idx="2">
-            <a:schemeClr val="accent1">
-              <a:shade val="50000"/>
-            </a:schemeClr>
-          </a:lnRef>
-          <a:fillRef idx="1">
-            <a:schemeClr val="accent1"/>
-          </a:fillRef>
-          <a:effectRef idx="0">
-            <a:schemeClr val="accent1"/>
-          </a:effectRef>
-          <a:fontRef idx="minor">
-            <a:schemeClr val="lt1"/>
-          </a:fontRef>
-        </p:style>
-        <p:txBody>
-          <a:bodyPr rtlCol="0" anchor="t"/>
-          <a:lstStyle/>
-          <a:p>
-            <a:r>
-              <a:rPr lang="da-DK" sz="3600" smtClean="0"/>
-              <a:t>1</a:t>
-            </a:r>
-            <a:endParaRPr lang="da-DK" sz="3600"/>
-          </a:p>
-        </p:txBody>
-      </p:sp>
-      <p:sp>
-        <p:nvSpPr>
-          <p:cNvPr id="9" name="Rektangel 8"/>
-          <p:cNvSpPr/>
-          <p:nvPr/>
-        </p:nvSpPr>
-        <p:spPr>
-          <a:xfrm>
-            <a:off x="2670920" y="3914987"/>
-            <a:ext cx="1187606" cy="739340"/>
-          </a:xfrm>
-          <a:prstGeom prst="rect">
-            <a:avLst/>
-          </a:prstGeom>
-          <a:solidFill>
-            <a:schemeClr val="accent6">
-              <a:lumMod val="75000"/>
-            </a:schemeClr>
-          </a:solidFill>
-        </p:spPr>
-        <p:style>
-          <a:lnRef idx="2">
-            <a:schemeClr val="accent1">
-              <a:shade val="50000"/>
-            </a:schemeClr>
-          </a:lnRef>
-          <a:fillRef idx="1">
-            <a:schemeClr val="accent1"/>
-          </a:fillRef>
-          <a:effectRef idx="0">
-            <a:schemeClr val="accent1"/>
-          </a:effectRef>
-          <a:fontRef idx="minor">
-            <a:schemeClr val="lt1"/>
-          </a:fontRef>
-        </p:style>
-        <p:txBody>
-          <a:bodyPr rtlCol="0" anchor="ctr"/>
-          <a:lstStyle/>
-          <a:p>
-            <a:pPr algn="ctr"/>
-            <a:r>
-              <a:rPr lang="da-DK" sz="3600" smtClean="0">
-                <a:solidFill>
-                  <a:srgbClr val="FFFF00"/>
-                </a:solidFill>
-              </a:rPr>
-              <a:t>9</a:t>
-            </a:r>
-            <a:endParaRPr lang="da-DK" sz="3600">
-              <a:solidFill>
-                <a:srgbClr val="FFFF00"/>
-              </a:solidFill>
-            </a:endParaRPr>
-          </a:p>
-        </p:txBody>
-      </p:sp>
-    </p:spTree>
-    <p:extLst>
-      <p:ext uri="{BB962C8B-B14F-4D97-AF65-F5344CB8AC3E}">
-        <p14:creationId xmlns:p14="http://schemas.microsoft.com/office/powerpoint/2010/main" val="2680396853"/>
-      </p:ext>
-    </p:extLst>
-  </p:cSld>
-  <p:clrMapOvr>
-    <a:masterClrMapping/>
-  </p:clrMapOvr>
-  <mc:AlternateContent xmlns:mc="http://schemas.openxmlformats.org/markup-compatibility/2006" xmlns:p14="http://schemas.microsoft.com/office/powerpoint/2010/main">
-    <mc:Choice Requires="p14">
-      <p:transition p14:dur="0"/>
-    </mc:Choice>
-    <mc:Fallback xmlns="">
-      <p:transition/>
-    </mc:Fallback>
-  </mc:AlternateContent>
-  <p:timing>
-    <p:tnLst>
-      <p:par>
-        <p:cTn id="1" dur="indefinite" restart="never" nodeType="tmRoot"/>
-      </p:par>
-    </p:tnLst>
-  </p:timing>
-</p:sld>
-</file>
-
 <file path=ppt/slides/slide44.xml><?xml version="1.0" encoding="utf-8"?>
 <p:sld xmlns:a="http://schemas.openxmlformats.org/drawingml/2006/main" xmlns:r="http://schemas.openxmlformats.org/officeDocument/2006/relationships" xmlns:p="http://schemas.openxmlformats.org/presentationml/2006/main">
   <p:cSld>
@@ -15602,8 +15283,8 @@
         </p:nvSpPr>
         <p:spPr>
           <a:xfrm>
-            <a:off x="859641" y="754158"/>
-            <a:ext cx="9212306" cy="1569660"/>
+            <a:off x="859640" y="754158"/>
+            <a:ext cx="10332313" cy="1569660"/>
           </a:xfrm>
           <a:prstGeom prst="rect">
             <a:avLst/>
@@ -15620,7 +15301,7 @@
               <a:rPr lang="da-DK" sz="4800" b="1" smtClean="0">
                 <a:latin typeface="Consolas" panose="020B0609020204030204" pitchFamily="49" charset="0"/>
               </a:rPr>
-              <a:t>ages.IndexOf(9); </a:t>
+              <a:t>ages.Contains(9); </a:t>
             </a:r>
             <a:r>
               <a:rPr lang="da-DK" sz="4800" b="1" smtClean="0">
@@ -15631,7 +15312,7 @@
                 </a:solidFill>
                 <a:latin typeface="Consolas" panose="020B0609020204030204" pitchFamily="49" charset="0"/>
               </a:rPr>
-              <a:t>// = 1</a:t>
+              <a:t>// = True</a:t>
             </a:r>
           </a:p>
           <a:p>
@@ -15639,7 +15320,7 @@
               <a:rPr lang="da-DK" sz="4800" b="1" smtClean="0">
                 <a:latin typeface="Consolas" panose="020B0609020204030204" pitchFamily="49" charset="0"/>
               </a:rPr>
-              <a:t>ages.IndexOf(24); </a:t>
+              <a:t>ages.Contains(24); </a:t>
             </a:r>
             <a:r>
               <a:rPr lang="da-DK" sz="4800" b="1">
@@ -15657,7 +15338,7 @@
                 </a:solidFill>
                 <a:latin typeface="Consolas" panose="020B0609020204030204" pitchFamily="49" charset="0"/>
               </a:rPr>
-              <a:t>= -1</a:t>
+              <a:t>= False</a:t>
             </a:r>
             <a:endParaRPr lang="da-DK" sz="4800" b="1">
               <a:solidFill>
@@ -15877,7 +15558,7 @@
     </p:spTree>
     <p:extLst>
       <p:ext uri="{BB962C8B-B14F-4D97-AF65-F5344CB8AC3E}">
-        <p14:creationId xmlns:p14="http://schemas.microsoft.com/office/powerpoint/2010/main" val="3943184851"/>
+        <p14:creationId xmlns:p14="http://schemas.microsoft.com/office/powerpoint/2010/main" val="2680396853"/>
       </p:ext>
     </p:extLst>
   </p:cSld>
@@ -15961,6 +15642,10 @@
           <a:lstStyle/>
           <a:p>
             <a:pPr algn="r"/>
+            <a:r>
+              <a:rPr lang="da-DK" sz="3600" smtClean="0"/>
+              <a:t>Count = 2</a:t>
+            </a:r>
             <a:endParaRPr lang="da-DK" sz="3600"/>
           </a:p>
         </p:txBody>
@@ -15974,7 +15659,7 @@
         <p:spPr>
           <a:xfrm>
             <a:off x="859641" y="754158"/>
-            <a:ext cx="9212306" cy="830997"/>
+            <a:ext cx="9212306" cy="1569660"/>
           </a:xfrm>
           <a:prstGeom prst="rect">
             <a:avLst/>
@@ -15991,13 +15676,48 @@
               <a:rPr lang="da-DK" sz="4800" b="1" smtClean="0">
                 <a:latin typeface="Consolas" panose="020B0609020204030204" pitchFamily="49" charset="0"/>
               </a:rPr>
-              <a:t>ages.Sort();</a:t>
-            </a:r>
-            <a:endParaRPr lang="da-DK" sz="4800" b="1" smtClean="0">
+              <a:t>ages.IndexOf(9); </a:t>
+            </a:r>
+            <a:r>
+              <a:rPr lang="da-DK" sz="4800" b="1" smtClean="0">
+                <a:solidFill>
+                  <a:schemeClr val="accent6">
+                    <a:lumMod val="75000"/>
+                  </a:schemeClr>
+                </a:solidFill>
+                <a:latin typeface="Consolas" panose="020B0609020204030204" pitchFamily="49" charset="0"/>
+              </a:rPr>
+              <a:t>// = 1</a:t>
+            </a:r>
+          </a:p>
+          <a:p>
+            <a:r>
+              <a:rPr lang="da-DK" sz="4800" b="1" smtClean="0">
+                <a:latin typeface="Consolas" panose="020B0609020204030204" pitchFamily="49" charset="0"/>
+              </a:rPr>
+              <a:t>ages.IndexOf(24); </a:t>
+            </a:r>
+            <a:r>
+              <a:rPr lang="da-DK" sz="4800" b="1">
+                <a:solidFill>
+                  <a:srgbClr val="FF0000"/>
+                </a:solidFill>
+                <a:latin typeface="Consolas" panose="020B0609020204030204" pitchFamily="49" charset="0"/>
+              </a:rPr>
+              <a:t>// </a:t>
+            </a:r>
+            <a:r>
+              <a:rPr lang="da-DK" sz="4800" b="1" smtClean="0">
+                <a:solidFill>
+                  <a:srgbClr val="FF0000"/>
+                </a:solidFill>
+                <a:latin typeface="Consolas" panose="020B0609020204030204" pitchFamily="49" charset="0"/>
+              </a:rPr>
+              <a:t>= -1</a:t>
+            </a:r>
+            <a:endParaRPr lang="da-DK" sz="4800" b="1">
               <a:solidFill>
-                <a:schemeClr val="accent6">
-                  <a:lumMod val="75000"/>
-                </a:schemeClr>
+                <a:srgbClr val="FF0000"/>
               </a:solidFill>
               <a:latin typeface="Consolas" panose="020B0609020204030204" pitchFamily="49" charset="0"/>
             </a:endParaRPr>
@@ -16210,316 +15930,10 @@
           </a:p>
         </p:txBody>
       </p:sp>
-      <p:sp>
-        <p:nvSpPr>
-          <p:cNvPr id="10" name="Rektangel 9"/>
-          <p:cNvSpPr/>
-          <p:nvPr/>
-        </p:nvSpPr>
-        <p:spPr>
-          <a:xfrm>
-            <a:off x="4132801" y="3317656"/>
-            <a:ext cx="1440000" cy="1440000"/>
-          </a:xfrm>
-          <a:prstGeom prst="rect">
-            <a:avLst/>
-          </a:prstGeom>
-          <a:solidFill>
-            <a:schemeClr val="accent1"/>
-          </a:solidFill>
-        </p:spPr>
-        <p:style>
-          <a:lnRef idx="2">
-            <a:schemeClr val="accent1">
-              <a:shade val="50000"/>
-            </a:schemeClr>
-          </a:lnRef>
-          <a:fillRef idx="1">
-            <a:schemeClr val="accent1"/>
-          </a:fillRef>
-          <a:effectRef idx="0">
-            <a:schemeClr val="accent1"/>
-          </a:effectRef>
-          <a:fontRef idx="minor">
-            <a:schemeClr val="lt1"/>
-          </a:fontRef>
-        </p:style>
-        <p:txBody>
-          <a:bodyPr rtlCol="0" anchor="t"/>
-          <a:lstStyle/>
-          <a:p>
-            <a:r>
-              <a:rPr lang="da-DK" sz="3600"/>
-              <a:t>2</a:t>
-            </a:r>
-          </a:p>
-        </p:txBody>
-      </p:sp>
-      <p:sp>
-        <p:nvSpPr>
-          <p:cNvPr id="12" name="Rektangel 11"/>
-          <p:cNvSpPr/>
-          <p:nvPr/>
-        </p:nvSpPr>
-        <p:spPr>
-          <a:xfrm>
-            <a:off x="4238678" y="3914987"/>
-            <a:ext cx="1187606" cy="739340"/>
-          </a:xfrm>
-          <a:prstGeom prst="rect">
-            <a:avLst/>
-          </a:prstGeom>
-          <a:solidFill>
-            <a:schemeClr val="accent6">
-              <a:lumMod val="75000"/>
-            </a:schemeClr>
-          </a:solidFill>
-        </p:spPr>
-        <p:style>
-          <a:lnRef idx="2">
-            <a:schemeClr val="accent1">
-              <a:shade val="50000"/>
-            </a:schemeClr>
-          </a:lnRef>
-          <a:fillRef idx="1">
-            <a:schemeClr val="accent1"/>
-          </a:fillRef>
-          <a:effectRef idx="0">
-            <a:schemeClr val="accent1"/>
-          </a:effectRef>
-          <a:fontRef idx="minor">
-            <a:schemeClr val="lt1"/>
-          </a:fontRef>
-        </p:style>
-        <p:txBody>
-          <a:bodyPr rtlCol="0" anchor="ctr"/>
-          <a:lstStyle/>
-          <a:p>
-            <a:pPr algn="ctr"/>
-            <a:r>
-              <a:rPr lang="da-DK" sz="3600" smtClean="0">
-                <a:solidFill>
-                  <a:srgbClr val="FFFF00"/>
-                </a:solidFill>
-              </a:rPr>
-              <a:t>4</a:t>
-            </a:r>
-            <a:endParaRPr lang="da-DK" sz="3600">
-              <a:solidFill>
-                <a:srgbClr val="FFFF00"/>
-              </a:solidFill>
-            </a:endParaRPr>
-          </a:p>
-        </p:txBody>
-      </p:sp>
-      <p:sp>
-        <p:nvSpPr>
-          <p:cNvPr id="13" name="Rektangel 12"/>
-          <p:cNvSpPr/>
-          <p:nvPr/>
-        </p:nvSpPr>
-        <p:spPr>
-          <a:xfrm>
-            <a:off x="5700559" y="3317656"/>
-            <a:ext cx="1440000" cy="1440000"/>
-          </a:xfrm>
-          <a:prstGeom prst="rect">
-            <a:avLst/>
-          </a:prstGeom>
-          <a:solidFill>
-            <a:schemeClr val="accent1"/>
-          </a:solidFill>
-        </p:spPr>
-        <p:style>
-          <a:lnRef idx="2">
-            <a:schemeClr val="accent1">
-              <a:shade val="50000"/>
-            </a:schemeClr>
-          </a:lnRef>
-          <a:fillRef idx="1">
-            <a:schemeClr val="accent1"/>
-          </a:fillRef>
-          <a:effectRef idx="0">
-            <a:schemeClr val="accent1"/>
-          </a:effectRef>
-          <a:fontRef idx="minor">
-            <a:schemeClr val="lt1"/>
-          </a:fontRef>
-        </p:style>
-        <p:txBody>
-          <a:bodyPr rtlCol="0" anchor="t"/>
-          <a:lstStyle/>
-          <a:p>
-            <a:r>
-              <a:rPr lang="da-DK" sz="3600"/>
-              <a:t>3</a:t>
-            </a:r>
-          </a:p>
-        </p:txBody>
-      </p:sp>
-      <p:sp>
-        <p:nvSpPr>
-          <p:cNvPr id="14" name="Rektangel 13"/>
-          <p:cNvSpPr/>
-          <p:nvPr/>
-        </p:nvSpPr>
-        <p:spPr>
-          <a:xfrm>
-            <a:off x="5806436" y="3914987"/>
-            <a:ext cx="1187606" cy="739340"/>
-          </a:xfrm>
-          <a:prstGeom prst="rect">
-            <a:avLst/>
-          </a:prstGeom>
-          <a:solidFill>
-            <a:schemeClr val="accent6">
-              <a:lumMod val="75000"/>
-            </a:schemeClr>
-          </a:solidFill>
-        </p:spPr>
-        <p:style>
-          <a:lnRef idx="2">
-            <a:schemeClr val="accent1">
-              <a:shade val="50000"/>
-            </a:schemeClr>
-          </a:lnRef>
-          <a:fillRef idx="1">
-            <a:schemeClr val="accent1"/>
-          </a:fillRef>
-          <a:effectRef idx="0">
-            <a:schemeClr val="accent1"/>
-          </a:effectRef>
-          <a:fontRef idx="minor">
-            <a:schemeClr val="lt1"/>
-          </a:fontRef>
-        </p:style>
-        <p:txBody>
-          <a:bodyPr rtlCol="0" anchor="ctr"/>
-          <a:lstStyle/>
-          <a:p>
-            <a:pPr algn="ctr"/>
-            <a:r>
-              <a:rPr lang="da-DK" sz="3600" smtClean="0">
-                <a:solidFill>
-                  <a:srgbClr val="FFFF00"/>
-                </a:solidFill>
-              </a:rPr>
-              <a:t>29</a:t>
-            </a:r>
-            <a:endParaRPr lang="da-DK" sz="3600">
-              <a:solidFill>
-                <a:srgbClr val="FFFF00"/>
-              </a:solidFill>
-            </a:endParaRPr>
-          </a:p>
-        </p:txBody>
-      </p:sp>
-      <p:sp>
-        <p:nvSpPr>
-          <p:cNvPr id="15" name="Rektangel 14"/>
-          <p:cNvSpPr/>
-          <p:nvPr/>
-        </p:nvSpPr>
-        <p:spPr>
-          <a:xfrm>
-            <a:off x="7268317" y="3317656"/>
-            <a:ext cx="1440000" cy="1440000"/>
-          </a:xfrm>
-          <a:prstGeom prst="rect">
-            <a:avLst/>
-          </a:prstGeom>
-          <a:solidFill>
-            <a:schemeClr val="accent1"/>
-          </a:solidFill>
-        </p:spPr>
-        <p:style>
-          <a:lnRef idx="2">
-            <a:schemeClr val="accent1">
-              <a:shade val="50000"/>
-            </a:schemeClr>
-          </a:lnRef>
-          <a:fillRef idx="1">
-            <a:schemeClr val="accent1"/>
-          </a:fillRef>
-          <a:effectRef idx="0">
-            <a:schemeClr val="accent1"/>
-          </a:effectRef>
-          <a:fontRef idx="minor">
-            <a:schemeClr val="lt1"/>
-          </a:fontRef>
-        </p:style>
-        <p:txBody>
-          <a:bodyPr rtlCol="0" anchor="t"/>
-          <a:lstStyle/>
-          <a:p>
-            <a:r>
-              <a:rPr lang="da-DK" sz="3600"/>
-              <a:t>4</a:t>
-            </a:r>
-          </a:p>
-        </p:txBody>
-      </p:sp>
-      <p:sp>
-        <p:nvSpPr>
-          <p:cNvPr id="16" name="Rektangel 15"/>
-          <p:cNvSpPr/>
-          <p:nvPr/>
-        </p:nvSpPr>
-        <p:spPr>
-          <a:xfrm>
-            <a:off x="7374194" y="3914987"/>
-            <a:ext cx="1187606" cy="739340"/>
-          </a:xfrm>
-          <a:prstGeom prst="rect">
-            <a:avLst/>
-          </a:prstGeom>
-          <a:solidFill>
-            <a:schemeClr val="accent6">
-              <a:lumMod val="75000"/>
-            </a:schemeClr>
-          </a:solidFill>
-        </p:spPr>
-        <p:style>
-          <a:lnRef idx="2">
-            <a:schemeClr val="accent1">
-              <a:shade val="50000"/>
-            </a:schemeClr>
-          </a:lnRef>
-          <a:fillRef idx="1">
-            <a:schemeClr val="accent1"/>
-          </a:fillRef>
-          <a:effectRef idx="0">
-            <a:schemeClr val="accent1"/>
-          </a:effectRef>
-          <a:fontRef idx="minor">
-            <a:schemeClr val="lt1"/>
-          </a:fontRef>
-        </p:style>
-        <p:txBody>
-          <a:bodyPr rtlCol="0" anchor="ctr"/>
-          <a:lstStyle/>
-          <a:p>
-            <a:pPr algn="ctr"/>
-            <a:r>
-              <a:rPr lang="da-DK" sz="3600" smtClean="0">
-                <a:solidFill>
-                  <a:srgbClr val="FFFF00"/>
-                </a:solidFill>
-              </a:rPr>
-              <a:t>41</a:t>
-            </a:r>
-            <a:endParaRPr lang="da-DK" sz="3600">
-              <a:solidFill>
-                <a:srgbClr val="FFFF00"/>
-              </a:solidFill>
-            </a:endParaRPr>
-          </a:p>
-        </p:txBody>
-      </p:sp>
     </p:spTree>
     <p:extLst>
       <p:ext uri="{BB962C8B-B14F-4D97-AF65-F5344CB8AC3E}">
-        <p14:creationId xmlns:p14="http://schemas.microsoft.com/office/powerpoint/2010/main" val="3838883955"/>
+        <p14:creationId xmlns:p14="http://schemas.microsoft.com/office/powerpoint/2010/main" val="3943184851"/>
       </p:ext>
     </p:extLst>
   </p:cSld>
@@ -16739,6 +16153,648 @@
                   <a:srgbClr val="FFFF00"/>
                 </a:solidFill>
               </a:rPr>
+              <a:t>55</a:t>
+            </a:r>
+            <a:endParaRPr lang="da-DK" sz="3600">
+              <a:solidFill>
+                <a:srgbClr val="FFFF00"/>
+              </a:solidFill>
+            </a:endParaRPr>
+          </a:p>
+        </p:txBody>
+      </p:sp>
+      <p:sp>
+        <p:nvSpPr>
+          <p:cNvPr id="8" name="Rektangel 7"/>
+          <p:cNvSpPr/>
+          <p:nvPr/>
+        </p:nvSpPr>
+        <p:spPr>
+          <a:xfrm>
+            <a:off x="2565043" y="3317656"/>
+            <a:ext cx="1440000" cy="1440000"/>
+          </a:xfrm>
+          <a:prstGeom prst="rect">
+            <a:avLst/>
+          </a:prstGeom>
+          <a:solidFill>
+            <a:schemeClr val="accent1"/>
+          </a:solidFill>
+        </p:spPr>
+        <p:style>
+          <a:lnRef idx="2">
+            <a:schemeClr val="accent1">
+              <a:shade val="50000"/>
+            </a:schemeClr>
+          </a:lnRef>
+          <a:fillRef idx="1">
+            <a:schemeClr val="accent1"/>
+          </a:fillRef>
+          <a:effectRef idx="0">
+            <a:schemeClr val="accent1"/>
+          </a:effectRef>
+          <a:fontRef idx="minor">
+            <a:schemeClr val="lt1"/>
+          </a:fontRef>
+        </p:style>
+        <p:txBody>
+          <a:bodyPr rtlCol="0" anchor="t"/>
+          <a:lstStyle/>
+          <a:p>
+            <a:r>
+              <a:rPr lang="da-DK" sz="3600" smtClean="0"/>
+              <a:t>1</a:t>
+            </a:r>
+            <a:endParaRPr lang="da-DK" sz="3600"/>
+          </a:p>
+        </p:txBody>
+      </p:sp>
+      <p:sp>
+        <p:nvSpPr>
+          <p:cNvPr id="9" name="Rektangel 8"/>
+          <p:cNvSpPr/>
+          <p:nvPr/>
+        </p:nvSpPr>
+        <p:spPr>
+          <a:xfrm>
+            <a:off x="2670920" y="3914987"/>
+            <a:ext cx="1187606" cy="739340"/>
+          </a:xfrm>
+          <a:prstGeom prst="rect">
+            <a:avLst/>
+          </a:prstGeom>
+          <a:solidFill>
+            <a:schemeClr val="accent6">
+              <a:lumMod val="75000"/>
+            </a:schemeClr>
+          </a:solidFill>
+        </p:spPr>
+        <p:style>
+          <a:lnRef idx="2">
+            <a:schemeClr val="accent1">
+              <a:shade val="50000"/>
+            </a:schemeClr>
+          </a:lnRef>
+          <a:fillRef idx="1">
+            <a:schemeClr val="accent1"/>
+          </a:fillRef>
+          <a:effectRef idx="0">
+            <a:schemeClr val="accent1"/>
+          </a:effectRef>
+          <a:fontRef idx="minor">
+            <a:schemeClr val="lt1"/>
+          </a:fontRef>
+        </p:style>
+        <p:txBody>
+          <a:bodyPr rtlCol="0" anchor="ctr"/>
+          <a:lstStyle/>
+          <a:p>
+            <a:pPr algn="ctr"/>
+            <a:r>
+              <a:rPr lang="da-DK" sz="3600" smtClean="0">
+                <a:solidFill>
+                  <a:srgbClr val="FFFF00"/>
+                </a:solidFill>
+              </a:rPr>
+              <a:t>9</a:t>
+            </a:r>
+            <a:endParaRPr lang="da-DK" sz="3600">
+              <a:solidFill>
+                <a:srgbClr val="FFFF00"/>
+              </a:solidFill>
+            </a:endParaRPr>
+          </a:p>
+        </p:txBody>
+      </p:sp>
+      <p:sp>
+        <p:nvSpPr>
+          <p:cNvPr id="10" name="Rektangel 9"/>
+          <p:cNvSpPr/>
+          <p:nvPr/>
+        </p:nvSpPr>
+        <p:spPr>
+          <a:xfrm>
+            <a:off x="4132801" y="3317656"/>
+            <a:ext cx="1440000" cy="1440000"/>
+          </a:xfrm>
+          <a:prstGeom prst="rect">
+            <a:avLst/>
+          </a:prstGeom>
+          <a:solidFill>
+            <a:schemeClr val="accent1"/>
+          </a:solidFill>
+        </p:spPr>
+        <p:style>
+          <a:lnRef idx="2">
+            <a:schemeClr val="accent1">
+              <a:shade val="50000"/>
+            </a:schemeClr>
+          </a:lnRef>
+          <a:fillRef idx="1">
+            <a:schemeClr val="accent1"/>
+          </a:fillRef>
+          <a:effectRef idx="0">
+            <a:schemeClr val="accent1"/>
+          </a:effectRef>
+          <a:fontRef idx="minor">
+            <a:schemeClr val="lt1"/>
+          </a:fontRef>
+        </p:style>
+        <p:txBody>
+          <a:bodyPr rtlCol="0" anchor="t"/>
+          <a:lstStyle/>
+          <a:p>
+            <a:r>
+              <a:rPr lang="da-DK" sz="3600"/>
+              <a:t>2</a:t>
+            </a:r>
+          </a:p>
+        </p:txBody>
+      </p:sp>
+      <p:sp>
+        <p:nvSpPr>
+          <p:cNvPr id="12" name="Rektangel 11"/>
+          <p:cNvSpPr/>
+          <p:nvPr/>
+        </p:nvSpPr>
+        <p:spPr>
+          <a:xfrm>
+            <a:off x="4238678" y="3914987"/>
+            <a:ext cx="1187606" cy="739340"/>
+          </a:xfrm>
+          <a:prstGeom prst="rect">
+            <a:avLst/>
+          </a:prstGeom>
+          <a:solidFill>
+            <a:schemeClr val="accent6">
+              <a:lumMod val="75000"/>
+            </a:schemeClr>
+          </a:solidFill>
+        </p:spPr>
+        <p:style>
+          <a:lnRef idx="2">
+            <a:schemeClr val="accent1">
+              <a:shade val="50000"/>
+            </a:schemeClr>
+          </a:lnRef>
+          <a:fillRef idx="1">
+            <a:schemeClr val="accent1"/>
+          </a:fillRef>
+          <a:effectRef idx="0">
+            <a:schemeClr val="accent1"/>
+          </a:effectRef>
+          <a:fontRef idx="minor">
+            <a:schemeClr val="lt1"/>
+          </a:fontRef>
+        </p:style>
+        <p:txBody>
+          <a:bodyPr rtlCol="0" anchor="ctr"/>
+          <a:lstStyle/>
+          <a:p>
+            <a:pPr algn="ctr"/>
+            <a:r>
+              <a:rPr lang="da-DK" sz="3600" smtClean="0">
+                <a:solidFill>
+                  <a:srgbClr val="FFFF00"/>
+                </a:solidFill>
+              </a:rPr>
+              <a:t>4</a:t>
+            </a:r>
+            <a:endParaRPr lang="da-DK" sz="3600">
+              <a:solidFill>
+                <a:srgbClr val="FFFF00"/>
+              </a:solidFill>
+            </a:endParaRPr>
+          </a:p>
+        </p:txBody>
+      </p:sp>
+      <p:sp>
+        <p:nvSpPr>
+          <p:cNvPr id="13" name="Rektangel 12"/>
+          <p:cNvSpPr/>
+          <p:nvPr/>
+        </p:nvSpPr>
+        <p:spPr>
+          <a:xfrm>
+            <a:off x="5700559" y="3317656"/>
+            <a:ext cx="1440000" cy="1440000"/>
+          </a:xfrm>
+          <a:prstGeom prst="rect">
+            <a:avLst/>
+          </a:prstGeom>
+          <a:solidFill>
+            <a:schemeClr val="accent1"/>
+          </a:solidFill>
+        </p:spPr>
+        <p:style>
+          <a:lnRef idx="2">
+            <a:schemeClr val="accent1">
+              <a:shade val="50000"/>
+            </a:schemeClr>
+          </a:lnRef>
+          <a:fillRef idx="1">
+            <a:schemeClr val="accent1"/>
+          </a:fillRef>
+          <a:effectRef idx="0">
+            <a:schemeClr val="accent1"/>
+          </a:effectRef>
+          <a:fontRef idx="minor">
+            <a:schemeClr val="lt1"/>
+          </a:fontRef>
+        </p:style>
+        <p:txBody>
+          <a:bodyPr rtlCol="0" anchor="t"/>
+          <a:lstStyle/>
+          <a:p>
+            <a:r>
+              <a:rPr lang="da-DK" sz="3600"/>
+              <a:t>3</a:t>
+            </a:r>
+          </a:p>
+        </p:txBody>
+      </p:sp>
+      <p:sp>
+        <p:nvSpPr>
+          <p:cNvPr id="14" name="Rektangel 13"/>
+          <p:cNvSpPr/>
+          <p:nvPr/>
+        </p:nvSpPr>
+        <p:spPr>
+          <a:xfrm>
+            <a:off x="5806436" y="3914987"/>
+            <a:ext cx="1187606" cy="739340"/>
+          </a:xfrm>
+          <a:prstGeom prst="rect">
+            <a:avLst/>
+          </a:prstGeom>
+          <a:solidFill>
+            <a:schemeClr val="accent6">
+              <a:lumMod val="75000"/>
+            </a:schemeClr>
+          </a:solidFill>
+        </p:spPr>
+        <p:style>
+          <a:lnRef idx="2">
+            <a:schemeClr val="accent1">
+              <a:shade val="50000"/>
+            </a:schemeClr>
+          </a:lnRef>
+          <a:fillRef idx="1">
+            <a:schemeClr val="accent1"/>
+          </a:fillRef>
+          <a:effectRef idx="0">
+            <a:schemeClr val="accent1"/>
+          </a:effectRef>
+          <a:fontRef idx="minor">
+            <a:schemeClr val="lt1"/>
+          </a:fontRef>
+        </p:style>
+        <p:txBody>
+          <a:bodyPr rtlCol="0" anchor="ctr"/>
+          <a:lstStyle/>
+          <a:p>
+            <a:pPr algn="ctr"/>
+            <a:r>
+              <a:rPr lang="da-DK" sz="3600" smtClean="0">
+                <a:solidFill>
+                  <a:srgbClr val="FFFF00"/>
+                </a:solidFill>
+              </a:rPr>
+              <a:t>29</a:t>
+            </a:r>
+            <a:endParaRPr lang="da-DK" sz="3600">
+              <a:solidFill>
+                <a:srgbClr val="FFFF00"/>
+              </a:solidFill>
+            </a:endParaRPr>
+          </a:p>
+        </p:txBody>
+      </p:sp>
+      <p:sp>
+        <p:nvSpPr>
+          <p:cNvPr id="15" name="Rektangel 14"/>
+          <p:cNvSpPr/>
+          <p:nvPr/>
+        </p:nvSpPr>
+        <p:spPr>
+          <a:xfrm>
+            <a:off x="7268317" y="3317656"/>
+            <a:ext cx="1440000" cy="1440000"/>
+          </a:xfrm>
+          <a:prstGeom prst="rect">
+            <a:avLst/>
+          </a:prstGeom>
+          <a:solidFill>
+            <a:schemeClr val="accent1"/>
+          </a:solidFill>
+        </p:spPr>
+        <p:style>
+          <a:lnRef idx="2">
+            <a:schemeClr val="accent1">
+              <a:shade val="50000"/>
+            </a:schemeClr>
+          </a:lnRef>
+          <a:fillRef idx="1">
+            <a:schemeClr val="accent1"/>
+          </a:fillRef>
+          <a:effectRef idx="0">
+            <a:schemeClr val="accent1"/>
+          </a:effectRef>
+          <a:fontRef idx="minor">
+            <a:schemeClr val="lt1"/>
+          </a:fontRef>
+        </p:style>
+        <p:txBody>
+          <a:bodyPr rtlCol="0" anchor="t"/>
+          <a:lstStyle/>
+          <a:p>
+            <a:r>
+              <a:rPr lang="da-DK" sz="3600"/>
+              <a:t>4</a:t>
+            </a:r>
+          </a:p>
+        </p:txBody>
+      </p:sp>
+      <p:sp>
+        <p:nvSpPr>
+          <p:cNvPr id="16" name="Rektangel 15"/>
+          <p:cNvSpPr/>
+          <p:nvPr/>
+        </p:nvSpPr>
+        <p:spPr>
+          <a:xfrm>
+            <a:off x="7374194" y="3914987"/>
+            <a:ext cx="1187606" cy="739340"/>
+          </a:xfrm>
+          <a:prstGeom prst="rect">
+            <a:avLst/>
+          </a:prstGeom>
+          <a:solidFill>
+            <a:schemeClr val="accent6">
+              <a:lumMod val="75000"/>
+            </a:schemeClr>
+          </a:solidFill>
+        </p:spPr>
+        <p:style>
+          <a:lnRef idx="2">
+            <a:schemeClr val="accent1">
+              <a:shade val="50000"/>
+            </a:schemeClr>
+          </a:lnRef>
+          <a:fillRef idx="1">
+            <a:schemeClr val="accent1"/>
+          </a:fillRef>
+          <a:effectRef idx="0">
+            <a:schemeClr val="accent1"/>
+          </a:effectRef>
+          <a:fontRef idx="minor">
+            <a:schemeClr val="lt1"/>
+          </a:fontRef>
+        </p:style>
+        <p:txBody>
+          <a:bodyPr rtlCol="0" anchor="ctr"/>
+          <a:lstStyle/>
+          <a:p>
+            <a:pPr algn="ctr"/>
+            <a:r>
+              <a:rPr lang="da-DK" sz="3600" smtClean="0">
+                <a:solidFill>
+                  <a:srgbClr val="FFFF00"/>
+                </a:solidFill>
+              </a:rPr>
+              <a:t>41</a:t>
+            </a:r>
+            <a:endParaRPr lang="da-DK" sz="3600">
+              <a:solidFill>
+                <a:srgbClr val="FFFF00"/>
+              </a:solidFill>
+            </a:endParaRPr>
+          </a:p>
+        </p:txBody>
+      </p:sp>
+    </p:spTree>
+    <p:extLst>
+      <p:ext uri="{BB962C8B-B14F-4D97-AF65-F5344CB8AC3E}">
+        <p14:creationId xmlns:p14="http://schemas.microsoft.com/office/powerpoint/2010/main" val="3838883955"/>
+      </p:ext>
+    </p:extLst>
+  </p:cSld>
+  <p:clrMapOvr>
+    <a:masterClrMapping/>
+  </p:clrMapOvr>
+  <mc:AlternateContent xmlns:mc="http://schemas.openxmlformats.org/markup-compatibility/2006" xmlns:p14="http://schemas.microsoft.com/office/powerpoint/2010/main">
+    <mc:Choice Requires="p14">
+      <p:transition p14:dur="0"/>
+    </mc:Choice>
+    <mc:Fallback xmlns="">
+      <p:transition/>
+    </mc:Fallback>
+  </mc:AlternateContent>
+  <p:timing>
+    <p:tnLst>
+      <p:par>
+        <p:cTn id="1" dur="indefinite" restart="never" nodeType="tmRoot"/>
+      </p:par>
+    </p:tnLst>
+  </p:timing>
+</p:sld>
+</file>
+
+<file path=ppt/slides/slide47.xml><?xml version="1.0" encoding="utf-8"?>
+<p:sld xmlns:a="http://schemas.openxmlformats.org/drawingml/2006/main" xmlns:r="http://schemas.openxmlformats.org/officeDocument/2006/relationships" xmlns:p="http://schemas.openxmlformats.org/presentationml/2006/main">
+  <p:cSld>
+    <p:spTree>
+      <p:nvGrpSpPr>
+        <p:cNvPr id="1" name=""/>
+        <p:cNvGrpSpPr/>
+        <p:nvPr/>
+      </p:nvGrpSpPr>
+      <p:grpSpPr>
+        <a:xfrm>
+          <a:off x="0" y="0"/>
+          <a:ext cx="0" cy="0"/>
+          <a:chOff x="0" y="0"/>
+          <a:chExt cx="0" cy="0"/>
+        </a:xfrm>
+      </p:grpSpPr>
+      <p:sp>
+        <p:nvSpPr>
+          <p:cNvPr id="3" name="Rektangel 2"/>
+          <p:cNvSpPr/>
+          <p:nvPr/>
+        </p:nvSpPr>
+        <p:spPr>
+          <a:xfrm>
+            <a:off x="859641" y="3210560"/>
+            <a:ext cx="8982012" cy="1632374"/>
+          </a:xfrm>
+          <a:prstGeom prst="rect">
+            <a:avLst/>
+          </a:prstGeom>
+          <a:solidFill>
+            <a:schemeClr val="tx1">
+              <a:lumMod val="50000"/>
+              <a:lumOff val="50000"/>
+            </a:schemeClr>
+          </a:solidFill>
+        </p:spPr>
+        <p:style>
+          <a:lnRef idx="2">
+            <a:schemeClr val="accent1">
+              <a:shade val="50000"/>
+            </a:schemeClr>
+          </a:lnRef>
+          <a:fillRef idx="1">
+            <a:schemeClr val="accent1"/>
+          </a:fillRef>
+          <a:effectRef idx="0">
+            <a:schemeClr val="accent1"/>
+          </a:effectRef>
+          <a:fontRef idx="minor">
+            <a:schemeClr val="lt1"/>
+          </a:fontRef>
+        </p:style>
+        <p:txBody>
+          <a:bodyPr rIns="360000" rtlCol="0" anchor="ctr"/>
+          <a:lstStyle/>
+          <a:p>
+            <a:pPr algn="r"/>
+            <a:endParaRPr lang="da-DK" sz="3600"/>
+          </a:p>
+        </p:txBody>
+      </p:sp>
+      <p:sp>
+        <p:nvSpPr>
+          <p:cNvPr id="11" name="Tekstfelt 10"/>
+          <p:cNvSpPr txBox="1"/>
+          <p:nvPr/>
+        </p:nvSpPr>
+        <p:spPr>
+          <a:xfrm>
+            <a:off x="859641" y="754158"/>
+            <a:ext cx="9212306" cy="830997"/>
+          </a:xfrm>
+          <a:prstGeom prst="rect">
+            <a:avLst/>
+          </a:prstGeom>
+          <a:noFill/>
+        </p:spPr>
+        <p:txBody>
+          <a:bodyPr wrap="square" rtlCol="0">
+            <a:spAutoFit/>
+          </a:bodyPr>
+          <a:lstStyle/>
+          <a:p>
+            <a:r>
+              <a:rPr lang="da-DK" sz="4800" b="1" smtClean="0">
+                <a:latin typeface="Consolas" panose="020B0609020204030204" pitchFamily="49" charset="0"/>
+              </a:rPr>
+              <a:t>ages.Sort();</a:t>
+            </a:r>
+            <a:endParaRPr lang="da-DK" sz="4800" b="1" smtClean="0">
+              <a:solidFill>
+                <a:schemeClr val="accent6">
+                  <a:lumMod val="75000"/>
+                </a:schemeClr>
+              </a:solidFill>
+              <a:latin typeface="Consolas" panose="020B0609020204030204" pitchFamily="49" charset="0"/>
+            </a:endParaRPr>
+          </a:p>
+        </p:txBody>
+      </p:sp>
+      <p:sp>
+        <p:nvSpPr>
+          <p:cNvPr id="4" name="Rektangel 3"/>
+          <p:cNvSpPr/>
+          <p:nvPr/>
+        </p:nvSpPr>
+        <p:spPr>
+          <a:xfrm>
+            <a:off x="997285" y="3317656"/>
+            <a:ext cx="1440000" cy="1440000"/>
+          </a:xfrm>
+          <a:prstGeom prst="rect">
+            <a:avLst/>
+          </a:prstGeom>
+          <a:solidFill>
+            <a:schemeClr val="accent1"/>
+          </a:solidFill>
+        </p:spPr>
+        <p:style>
+          <a:lnRef idx="2">
+            <a:schemeClr val="accent1">
+              <a:shade val="50000"/>
+            </a:schemeClr>
+          </a:lnRef>
+          <a:fillRef idx="1">
+            <a:schemeClr val="accent1"/>
+          </a:fillRef>
+          <a:effectRef idx="0">
+            <a:schemeClr val="accent1"/>
+          </a:effectRef>
+          <a:fontRef idx="minor">
+            <a:schemeClr val="lt1"/>
+          </a:fontRef>
+        </p:style>
+        <p:txBody>
+          <a:bodyPr rtlCol="0" anchor="t"/>
+          <a:lstStyle/>
+          <a:p>
+            <a:r>
+              <a:rPr lang="da-DK" sz="3600" smtClean="0"/>
+              <a:t>0</a:t>
+            </a:r>
+            <a:endParaRPr lang="da-DK" sz="3600"/>
+          </a:p>
+        </p:txBody>
+      </p:sp>
+      <p:sp>
+        <p:nvSpPr>
+          <p:cNvPr id="5" name="Rektangel 4"/>
+          <p:cNvSpPr/>
+          <p:nvPr/>
+        </p:nvSpPr>
+        <p:spPr>
+          <a:xfrm>
+            <a:off x="1103162" y="3914987"/>
+            <a:ext cx="1187606" cy="739340"/>
+          </a:xfrm>
+          <a:prstGeom prst="rect">
+            <a:avLst/>
+          </a:prstGeom>
+          <a:solidFill>
+            <a:schemeClr val="accent6">
+              <a:lumMod val="75000"/>
+            </a:schemeClr>
+          </a:solidFill>
+        </p:spPr>
+        <p:style>
+          <a:lnRef idx="2">
+            <a:schemeClr val="accent1">
+              <a:shade val="50000"/>
+            </a:schemeClr>
+          </a:lnRef>
+          <a:fillRef idx="1">
+            <a:schemeClr val="accent1"/>
+          </a:fillRef>
+          <a:effectRef idx="0">
+            <a:schemeClr val="accent1"/>
+          </a:effectRef>
+          <a:fontRef idx="minor">
+            <a:schemeClr val="lt1"/>
+          </a:fontRef>
+        </p:style>
+        <p:txBody>
+          <a:bodyPr rtlCol="0" anchor="ctr"/>
+          <a:lstStyle/>
+          <a:p>
+            <a:pPr algn="ctr"/>
+            <a:r>
+              <a:rPr lang="da-DK" sz="3600" smtClean="0">
+                <a:solidFill>
+                  <a:srgbClr val="FFFF00"/>
+                </a:solidFill>
+              </a:rPr>
               <a:t>4</a:t>
             </a:r>
             <a:endParaRPr lang="da-DK" sz="3600">
@@ -17190,648 +17246,6 @@
 </p:sld>
 </file>
 
-<file path=ppt/slides/slide47.xml><?xml version="1.0" encoding="utf-8"?>
-<p:sld xmlns:a="http://schemas.openxmlformats.org/drawingml/2006/main" xmlns:r="http://schemas.openxmlformats.org/officeDocument/2006/relationships" xmlns:p="http://schemas.openxmlformats.org/presentationml/2006/main">
-  <p:cSld>
-    <p:spTree>
-      <p:nvGrpSpPr>
-        <p:cNvPr id="1" name=""/>
-        <p:cNvGrpSpPr/>
-        <p:nvPr/>
-      </p:nvGrpSpPr>
-      <p:grpSpPr>
-        <a:xfrm>
-          <a:off x="0" y="0"/>
-          <a:ext cx="0" cy="0"/>
-          <a:chOff x="0" y="0"/>
-          <a:chExt cx="0" cy="0"/>
-        </a:xfrm>
-      </p:grpSpPr>
-      <p:sp>
-        <p:nvSpPr>
-          <p:cNvPr id="3" name="Rektangel 2"/>
-          <p:cNvSpPr/>
-          <p:nvPr/>
-        </p:nvSpPr>
-        <p:spPr>
-          <a:xfrm>
-            <a:off x="859641" y="3210560"/>
-            <a:ext cx="8982012" cy="1632374"/>
-          </a:xfrm>
-          <a:prstGeom prst="rect">
-            <a:avLst/>
-          </a:prstGeom>
-          <a:solidFill>
-            <a:schemeClr val="tx1">
-              <a:lumMod val="50000"/>
-              <a:lumOff val="50000"/>
-            </a:schemeClr>
-          </a:solidFill>
-        </p:spPr>
-        <p:style>
-          <a:lnRef idx="2">
-            <a:schemeClr val="accent1">
-              <a:shade val="50000"/>
-            </a:schemeClr>
-          </a:lnRef>
-          <a:fillRef idx="1">
-            <a:schemeClr val="accent1"/>
-          </a:fillRef>
-          <a:effectRef idx="0">
-            <a:schemeClr val="accent1"/>
-          </a:effectRef>
-          <a:fontRef idx="minor">
-            <a:schemeClr val="lt1"/>
-          </a:fontRef>
-        </p:style>
-        <p:txBody>
-          <a:bodyPr rIns="360000" rtlCol="0" anchor="ctr"/>
-          <a:lstStyle/>
-          <a:p>
-            <a:pPr algn="r"/>
-            <a:endParaRPr lang="da-DK" sz="3600"/>
-          </a:p>
-        </p:txBody>
-      </p:sp>
-      <p:sp>
-        <p:nvSpPr>
-          <p:cNvPr id="11" name="Tekstfelt 10"/>
-          <p:cNvSpPr txBox="1"/>
-          <p:nvPr/>
-        </p:nvSpPr>
-        <p:spPr>
-          <a:xfrm>
-            <a:off x="859641" y="754158"/>
-            <a:ext cx="9212306" cy="830997"/>
-          </a:xfrm>
-          <a:prstGeom prst="rect">
-            <a:avLst/>
-          </a:prstGeom>
-          <a:noFill/>
-        </p:spPr>
-        <p:txBody>
-          <a:bodyPr wrap="square" rtlCol="0">
-            <a:spAutoFit/>
-          </a:bodyPr>
-          <a:lstStyle/>
-          <a:p>
-            <a:r>
-              <a:rPr lang="da-DK" sz="4800" b="1" smtClean="0">
-                <a:latin typeface="Consolas" panose="020B0609020204030204" pitchFamily="49" charset="0"/>
-              </a:rPr>
-              <a:t>ages[3] = 38;</a:t>
-            </a:r>
-            <a:endParaRPr lang="da-DK" sz="4800" b="1" smtClean="0">
-              <a:solidFill>
-                <a:schemeClr val="accent6">
-                  <a:lumMod val="75000"/>
-                </a:schemeClr>
-              </a:solidFill>
-              <a:latin typeface="Consolas" panose="020B0609020204030204" pitchFamily="49" charset="0"/>
-            </a:endParaRPr>
-          </a:p>
-        </p:txBody>
-      </p:sp>
-      <p:sp>
-        <p:nvSpPr>
-          <p:cNvPr id="4" name="Rektangel 3"/>
-          <p:cNvSpPr/>
-          <p:nvPr/>
-        </p:nvSpPr>
-        <p:spPr>
-          <a:xfrm>
-            <a:off x="997285" y="3317656"/>
-            <a:ext cx="1440000" cy="1440000"/>
-          </a:xfrm>
-          <a:prstGeom prst="rect">
-            <a:avLst/>
-          </a:prstGeom>
-          <a:solidFill>
-            <a:schemeClr val="accent1"/>
-          </a:solidFill>
-        </p:spPr>
-        <p:style>
-          <a:lnRef idx="2">
-            <a:schemeClr val="accent1">
-              <a:shade val="50000"/>
-            </a:schemeClr>
-          </a:lnRef>
-          <a:fillRef idx="1">
-            <a:schemeClr val="accent1"/>
-          </a:fillRef>
-          <a:effectRef idx="0">
-            <a:schemeClr val="accent1"/>
-          </a:effectRef>
-          <a:fontRef idx="minor">
-            <a:schemeClr val="lt1"/>
-          </a:fontRef>
-        </p:style>
-        <p:txBody>
-          <a:bodyPr rtlCol="0" anchor="t"/>
-          <a:lstStyle/>
-          <a:p>
-            <a:r>
-              <a:rPr lang="da-DK" sz="3600" smtClean="0"/>
-              <a:t>0</a:t>
-            </a:r>
-            <a:endParaRPr lang="da-DK" sz="3600"/>
-          </a:p>
-        </p:txBody>
-      </p:sp>
-      <p:sp>
-        <p:nvSpPr>
-          <p:cNvPr id="5" name="Rektangel 4"/>
-          <p:cNvSpPr/>
-          <p:nvPr/>
-        </p:nvSpPr>
-        <p:spPr>
-          <a:xfrm>
-            <a:off x="1103162" y="3914987"/>
-            <a:ext cx="1187606" cy="739340"/>
-          </a:xfrm>
-          <a:prstGeom prst="rect">
-            <a:avLst/>
-          </a:prstGeom>
-          <a:solidFill>
-            <a:schemeClr val="accent6">
-              <a:lumMod val="75000"/>
-            </a:schemeClr>
-          </a:solidFill>
-        </p:spPr>
-        <p:style>
-          <a:lnRef idx="2">
-            <a:schemeClr val="accent1">
-              <a:shade val="50000"/>
-            </a:schemeClr>
-          </a:lnRef>
-          <a:fillRef idx="1">
-            <a:schemeClr val="accent1"/>
-          </a:fillRef>
-          <a:effectRef idx="0">
-            <a:schemeClr val="accent1"/>
-          </a:effectRef>
-          <a:fontRef idx="minor">
-            <a:schemeClr val="lt1"/>
-          </a:fontRef>
-        </p:style>
-        <p:txBody>
-          <a:bodyPr rtlCol="0" anchor="ctr"/>
-          <a:lstStyle/>
-          <a:p>
-            <a:pPr algn="ctr"/>
-            <a:r>
-              <a:rPr lang="da-DK" sz="3600" smtClean="0">
-                <a:solidFill>
-                  <a:srgbClr val="FFFF00"/>
-                </a:solidFill>
-              </a:rPr>
-              <a:t>55</a:t>
-            </a:r>
-            <a:endParaRPr lang="da-DK" sz="3600">
-              <a:solidFill>
-                <a:srgbClr val="FFFF00"/>
-              </a:solidFill>
-            </a:endParaRPr>
-          </a:p>
-        </p:txBody>
-      </p:sp>
-      <p:sp>
-        <p:nvSpPr>
-          <p:cNvPr id="8" name="Rektangel 7"/>
-          <p:cNvSpPr/>
-          <p:nvPr/>
-        </p:nvSpPr>
-        <p:spPr>
-          <a:xfrm>
-            <a:off x="2565043" y="3317656"/>
-            <a:ext cx="1440000" cy="1440000"/>
-          </a:xfrm>
-          <a:prstGeom prst="rect">
-            <a:avLst/>
-          </a:prstGeom>
-          <a:solidFill>
-            <a:schemeClr val="accent1"/>
-          </a:solidFill>
-        </p:spPr>
-        <p:style>
-          <a:lnRef idx="2">
-            <a:schemeClr val="accent1">
-              <a:shade val="50000"/>
-            </a:schemeClr>
-          </a:lnRef>
-          <a:fillRef idx="1">
-            <a:schemeClr val="accent1"/>
-          </a:fillRef>
-          <a:effectRef idx="0">
-            <a:schemeClr val="accent1"/>
-          </a:effectRef>
-          <a:fontRef idx="minor">
-            <a:schemeClr val="lt1"/>
-          </a:fontRef>
-        </p:style>
-        <p:txBody>
-          <a:bodyPr rtlCol="0" anchor="t"/>
-          <a:lstStyle/>
-          <a:p>
-            <a:r>
-              <a:rPr lang="da-DK" sz="3600" smtClean="0"/>
-              <a:t>1</a:t>
-            </a:r>
-            <a:endParaRPr lang="da-DK" sz="3600"/>
-          </a:p>
-        </p:txBody>
-      </p:sp>
-      <p:sp>
-        <p:nvSpPr>
-          <p:cNvPr id="9" name="Rektangel 8"/>
-          <p:cNvSpPr/>
-          <p:nvPr/>
-        </p:nvSpPr>
-        <p:spPr>
-          <a:xfrm>
-            <a:off x="2670920" y="3914987"/>
-            <a:ext cx="1187606" cy="739340"/>
-          </a:xfrm>
-          <a:prstGeom prst="rect">
-            <a:avLst/>
-          </a:prstGeom>
-          <a:solidFill>
-            <a:schemeClr val="accent6">
-              <a:lumMod val="75000"/>
-            </a:schemeClr>
-          </a:solidFill>
-        </p:spPr>
-        <p:style>
-          <a:lnRef idx="2">
-            <a:schemeClr val="accent1">
-              <a:shade val="50000"/>
-            </a:schemeClr>
-          </a:lnRef>
-          <a:fillRef idx="1">
-            <a:schemeClr val="accent1"/>
-          </a:fillRef>
-          <a:effectRef idx="0">
-            <a:schemeClr val="accent1"/>
-          </a:effectRef>
-          <a:fontRef idx="minor">
-            <a:schemeClr val="lt1"/>
-          </a:fontRef>
-        </p:style>
-        <p:txBody>
-          <a:bodyPr rtlCol="0" anchor="ctr"/>
-          <a:lstStyle/>
-          <a:p>
-            <a:pPr algn="ctr"/>
-            <a:r>
-              <a:rPr lang="da-DK" sz="3600" smtClean="0">
-                <a:solidFill>
-                  <a:srgbClr val="FFFF00"/>
-                </a:solidFill>
-              </a:rPr>
-              <a:t>9</a:t>
-            </a:r>
-            <a:endParaRPr lang="da-DK" sz="3600">
-              <a:solidFill>
-                <a:srgbClr val="FFFF00"/>
-              </a:solidFill>
-            </a:endParaRPr>
-          </a:p>
-        </p:txBody>
-      </p:sp>
-      <p:sp>
-        <p:nvSpPr>
-          <p:cNvPr id="10" name="Rektangel 9"/>
-          <p:cNvSpPr/>
-          <p:nvPr/>
-        </p:nvSpPr>
-        <p:spPr>
-          <a:xfrm>
-            <a:off x="4132801" y="3317656"/>
-            <a:ext cx="1440000" cy="1440000"/>
-          </a:xfrm>
-          <a:prstGeom prst="rect">
-            <a:avLst/>
-          </a:prstGeom>
-          <a:solidFill>
-            <a:schemeClr val="accent1"/>
-          </a:solidFill>
-        </p:spPr>
-        <p:style>
-          <a:lnRef idx="2">
-            <a:schemeClr val="accent1">
-              <a:shade val="50000"/>
-            </a:schemeClr>
-          </a:lnRef>
-          <a:fillRef idx="1">
-            <a:schemeClr val="accent1"/>
-          </a:fillRef>
-          <a:effectRef idx="0">
-            <a:schemeClr val="accent1"/>
-          </a:effectRef>
-          <a:fontRef idx="minor">
-            <a:schemeClr val="lt1"/>
-          </a:fontRef>
-        </p:style>
-        <p:txBody>
-          <a:bodyPr rtlCol="0" anchor="t"/>
-          <a:lstStyle/>
-          <a:p>
-            <a:r>
-              <a:rPr lang="da-DK" sz="3600"/>
-              <a:t>2</a:t>
-            </a:r>
-          </a:p>
-        </p:txBody>
-      </p:sp>
-      <p:sp>
-        <p:nvSpPr>
-          <p:cNvPr id="12" name="Rektangel 11"/>
-          <p:cNvSpPr/>
-          <p:nvPr/>
-        </p:nvSpPr>
-        <p:spPr>
-          <a:xfrm>
-            <a:off x="4238678" y="3914987"/>
-            <a:ext cx="1187606" cy="739340"/>
-          </a:xfrm>
-          <a:prstGeom prst="rect">
-            <a:avLst/>
-          </a:prstGeom>
-          <a:solidFill>
-            <a:schemeClr val="accent6">
-              <a:lumMod val="75000"/>
-            </a:schemeClr>
-          </a:solidFill>
-        </p:spPr>
-        <p:style>
-          <a:lnRef idx="2">
-            <a:schemeClr val="accent1">
-              <a:shade val="50000"/>
-            </a:schemeClr>
-          </a:lnRef>
-          <a:fillRef idx="1">
-            <a:schemeClr val="accent1"/>
-          </a:fillRef>
-          <a:effectRef idx="0">
-            <a:schemeClr val="accent1"/>
-          </a:effectRef>
-          <a:fontRef idx="minor">
-            <a:schemeClr val="lt1"/>
-          </a:fontRef>
-        </p:style>
-        <p:txBody>
-          <a:bodyPr rtlCol="0" anchor="ctr"/>
-          <a:lstStyle/>
-          <a:p>
-            <a:pPr algn="ctr"/>
-            <a:r>
-              <a:rPr lang="da-DK" sz="3600" smtClean="0">
-                <a:solidFill>
-                  <a:srgbClr val="FFFF00"/>
-                </a:solidFill>
-              </a:rPr>
-              <a:t>4</a:t>
-            </a:r>
-            <a:endParaRPr lang="da-DK" sz="3600">
-              <a:solidFill>
-                <a:srgbClr val="FFFF00"/>
-              </a:solidFill>
-            </a:endParaRPr>
-          </a:p>
-        </p:txBody>
-      </p:sp>
-      <p:sp>
-        <p:nvSpPr>
-          <p:cNvPr id="13" name="Rektangel 12"/>
-          <p:cNvSpPr/>
-          <p:nvPr/>
-        </p:nvSpPr>
-        <p:spPr>
-          <a:xfrm>
-            <a:off x="5700559" y="3317656"/>
-            <a:ext cx="1440000" cy="1440000"/>
-          </a:xfrm>
-          <a:prstGeom prst="rect">
-            <a:avLst/>
-          </a:prstGeom>
-          <a:solidFill>
-            <a:schemeClr val="accent1"/>
-          </a:solidFill>
-        </p:spPr>
-        <p:style>
-          <a:lnRef idx="2">
-            <a:schemeClr val="accent1">
-              <a:shade val="50000"/>
-            </a:schemeClr>
-          </a:lnRef>
-          <a:fillRef idx="1">
-            <a:schemeClr val="accent1"/>
-          </a:fillRef>
-          <a:effectRef idx="0">
-            <a:schemeClr val="accent1"/>
-          </a:effectRef>
-          <a:fontRef idx="minor">
-            <a:schemeClr val="lt1"/>
-          </a:fontRef>
-        </p:style>
-        <p:txBody>
-          <a:bodyPr rtlCol="0" anchor="t"/>
-          <a:lstStyle/>
-          <a:p>
-            <a:r>
-              <a:rPr lang="da-DK" sz="3600"/>
-              <a:t>3</a:t>
-            </a:r>
-          </a:p>
-        </p:txBody>
-      </p:sp>
-      <p:sp>
-        <p:nvSpPr>
-          <p:cNvPr id="14" name="Rektangel 13"/>
-          <p:cNvSpPr/>
-          <p:nvPr/>
-        </p:nvSpPr>
-        <p:spPr>
-          <a:xfrm>
-            <a:off x="5806436" y="3914987"/>
-            <a:ext cx="1187606" cy="739340"/>
-          </a:xfrm>
-          <a:prstGeom prst="rect">
-            <a:avLst/>
-          </a:prstGeom>
-          <a:solidFill>
-            <a:schemeClr val="accent6">
-              <a:lumMod val="75000"/>
-            </a:schemeClr>
-          </a:solidFill>
-        </p:spPr>
-        <p:style>
-          <a:lnRef idx="2">
-            <a:schemeClr val="accent1">
-              <a:shade val="50000"/>
-            </a:schemeClr>
-          </a:lnRef>
-          <a:fillRef idx="1">
-            <a:schemeClr val="accent1"/>
-          </a:fillRef>
-          <a:effectRef idx="0">
-            <a:schemeClr val="accent1"/>
-          </a:effectRef>
-          <a:fontRef idx="minor">
-            <a:schemeClr val="lt1"/>
-          </a:fontRef>
-        </p:style>
-        <p:txBody>
-          <a:bodyPr rtlCol="0" anchor="ctr"/>
-          <a:lstStyle/>
-          <a:p>
-            <a:pPr algn="ctr"/>
-            <a:r>
-              <a:rPr lang="da-DK" sz="3600" smtClean="0">
-                <a:solidFill>
-                  <a:srgbClr val="FFFF00"/>
-                </a:solidFill>
-              </a:rPr>
-              <a:t>38</a:t>
-            </a:r>
-            <a:endParaRPr lang="da-DK" sz="3600">
-              <a:solidFill>
-                <a:srgbClr val="FFFF00"/>
-              </a:solidFill>
-            </a:endParaRPr>
-          </a:p>
-        </p:txBody>
-      </p:sp>
-      <p:sp>
-        <p:nvSpPr>
-          <p:cNvPr id="15" name="Rektangel 14"/>
-          <p:cNvSpPr/>
-          <p:nvPr/>
-        </p:nvSpPr>
-        <p:spPr>
-          <a:xfrm>
-            <a:off x="7268317" y="3317656"/>
-            <a:ext cx="1440000" cy="1440000"/>
-          </a:xfrm>
-          <a:prstGeom prst="rect">
-            <a:avLst/>
-          </a:prstGeom>
-          <a:solidFill>
-            <a:schemeClr val="accent1"/>
-          </a:solidFill>
-        </p:spPr>
-        <p:style>
-          <a:lnRef idx="2">
-            <a:schemeClr val="accent1">
-              <a:shade val="50000"/>
-            </a:schemeClr>
-          </a:lnRef>
-          <a:fillRef idx="1">
-            <a:schemeClr val="accent1"/>
-          </a:fillRef>
-          <a:effectRef idx="0">
-            <a:schemeClr val="accent1"/>
-          </a:effectRef>
-          <a:fontRef idx="minor">
-            <a:schemeClr val="lt1"/>
-          </a:fontRef>
-        </p:style>
-        <p:txBody>
-          <a:bodyPr rtlCol="0" anchor="t"/>
-          <a:lstStyle/>
-          <a:p>
-            <a:r>
-              <a:rPr lang="da-DK" sz="3600"/>
-              <a:t>4</a:t>
-            </a:r>
-          </a:p>
-        </p:txBody>
-      </p:sp>
-      <p:sp>
-        <p:nvSpPr>
-          <p:cNvPr id="16" name="Rektangel 15"/>
-          <p:cNvSpPr/>
-          <p:nvPr/>
-        </p:nvSpPr>
-        <p:spPr>
-          <a:xfrm>
-            <a:off x="7374194" y="3914987"/>
-            <a:ext cx="1187606" cy="739340"/>
-          </a:xfrm>
-          <a:prstGeom prst="rect">
-            <a:avLst/>
-          </a:prstGeom>
-          <a:solidFill>
-            <a:schemeClr val="accent6">
-              <a:lumMod val="75000"/>
-            </a:schemeClr>
-          </a:solidFill>
-        </p:spPr>
-        <p:style>
-          <a:lnRef idx="2">
-            <a:schemeClr val="accent1">
-              <a:shade val="50000"/>
-            </a:schemeClr>
-          </a:lnRef>
-          <a:fillRef idx="1">
-            <a:schemeClr val="accent1"/>
-          </a:fillRef>
-          <a:effectRef idx="0">
-            <a:schemeClr val="accent1"/>
-          </a:effectRef>
-          <a:fontRef idx="minor">
-            <a:schemeClr val="lt1"/>
-          </a:fontRef>
-        </p:style>
-        <p:txBody>
-          <a:bodyPr rtlCol="0" anchor="ctr"/>
-          <a:lstStyle/>
-          <a:p>
-            <a:pPr algn="ctr"/>
-            <a:r>
-              <a:rPr lang="da-DK" sz="3600" smtClean="0">
-                <a:solidFill>
-                  <a:srgbClr val="FFFF00"/>
-                </a:solidFill>
-              </a:rPr>
-              <a:t>41</a:t>
-            </a:r>
-            <a:endParaRPr lang="da-DK" sz="3600">
-              <a:solidFill>
-                <a:srgbClr val="FFFF00"/>
-              </a:solidFill>
-            </a:endParaRPr>
-          </a:p>
-        </p:txBody>
-      </p:sp>
-    </p:spTree>
-    <p:extLst>
-      <p:ext uri="{BB962C8B-B14F-4D97-AF65-F5344CB8AC3E}">
-        <p14:creationId xmlns:p14="http://schemas.microsoft.com/office/powerpoint/2010/main" val="2809568037"/>
-      </p:ext>
-    </p:extLst>
-  </p:cSld>
-  <p:clrMapOvr>
-    <a:masterClrMapping/>
-  </p:clrMapOvr>
-  <mc:AlternateContent xmlns:mc="http://schemas.openxmlformats.org/markup-compatibility/2006" xmlns:p14="http://schemas.microsoft.com/office/powerpoint/2010/main">
-    <mc:Choice Requires="p14">
-      <p:transition p14:dur="0"/>
-    </mc:Choice>
-    <mc:Fallback xmlns="">
-      <p:transition/>
-    </mc:Fallback>
-  </mc:AlternateContent>
-  <p:timing>
-    <p:tnLst>
-      <p:par>
-        <p:cTn id="1" dur="indefinite" restart="never" nodeType="tmRoot"/>
-      </p:par>
-    </p:tnLst>
-  </p:timing>
-</p:sld>
-</file>
-
 <file path=ppt/slides/slide48.xml><?xml version="1.0" encoding="utf-8"?>
 <p:sld xmlns:a="http://schemas.openxmlformats.org/drawingml/2006/main" xmlns:r="http://schemas.openxmlformats.org/officeDocument/2006/relationships" xmlns:p="http://schemas.openxmlformats.org/presentationml/2006/main">
   <p:cSld>
@@ -17921,7 +17335,7 @@
               <a:rPr lang="da-DK" sz="4800" b="1" smtClean="0">
                 <a:latin typeface="Consolas" panose="020B0609020204030204" pitchFamily="49" charset="0"/>
               </a:rPr>
-              <a:t>ages[1] = ages[4] - 15;</a:t>
+              <a:t>ages[3] = 38;</a:t>
             </a:r>
             <a:endParaRPr lang="da-DK" sz="4800" b="1" smtClean="0">
               <a:solidFill>
@@ -18130,7 +17544,7 @@
                   <a:srgbClr val="FFFF00"/>
                 </a:solidFill>
               </a:rPr>
-              <a:t>26</a:t>
+              <a:t>9</a:t>
             </a:r>
             <a:endParaRPr lang="da-DK" sz="3600">
               <a:solidFill>
@@ -18449,7 +17863,7 @@
     </p:spTree>
     <p:extLst>
       <p:ext uri="{BB962C8B-B14F-4D97-AF65-F5344CB8AC3E}">
-        <p14:creationId xmlns:p14="http://schemas.microsoft.com/office/powerpoint/2010/main" val="1778472328"/>
+        <p14:creationId xmlns:p14="http://schemas.microsoft.com/office/powerpoint/2010/main" val="2809568037"/>
       </p:ext>
     </p:extLst>
   </p:cSld>
@@ -18458,14 +17872,10 @@
   </p:clrMapOvr>
   <mc:AlternateContent xmlns:mc="http://schemas.openxmlformats.org/markup-compatibility/2006" xmlns:p14="http://schemas.microsoft.com/office/powerpoint/2010/main">
     <mc:Choice Requires="p14">
-      <p:transition spd="med" p14:dur="700">
-        <p:fade/>
-      </p:transition>
+      <p:transition p14:dur="0"/>
     </mc:Choice>
     <mc:Fallback xmlns="">
-      <p:transition spd="med">
-        <p:fade/>
-      </p:transition>
+      <p:transition/>
     </mc:Fallback>
   </mc:AlternateContent>
   <p:timing>
@@ -18503,8 +17913,8 @@
         </p:nvSpPr>
         <p:spPr>
           <a:xfrm>
-            <a:off x="1429173" y="3251200"/>
-            <a:ext cx="8297334" cy="1632374"/>
+            <a:off x="859641" y="3210560"/>
+            <a:ext cx="8982012" cy="1632374"/>
           </a:xfrm>
           <a:prstGeom prst="rect">
             <a:avLst/>
@@ -18537,10 +17947,6 @@
           <a:lstStyle/>
           <a:p>
             <a:pPr algn="r"/>
-            <a:r>
-              <a:rPr lang="da-DK" sz="3600" smtClean="0"/>
-              <a:t>Count = 3</a:t>
-            </a:r>
             <a:endParaRPr lang="da-DK" sz="3600"/>
           </a:p>
         </p:txBody>
@@ -18554,7 +17960,7 @@
         <p:spPr>
           <a:xfrm>
             <a:off x="859641" y="754158"/>
-            <a:ext cx="9212306" cy="2062103"/>
+            <a:ext cx="9212306" cy="830997"/>
           </a:xfrm>
           <a:prstGeom prst="rect">
             <a:avLst/>
@@ -18568,105 +17974,39 @@
           <a:lstStyle/>
           <a:p>
             <a:r>
-              <a:rPr lang="da-DK" sz="3200" b="1" smtClean="0">
-                <a:latin typeface="Consolas" panose="020B0609020204030204" pitchFamily="49" charset="0"/>
-              </a:rPr>
-              <a:t>for (</a:t>
-            </a:r>
-            <a:r>
-              <a:rPr lang="da-DK" sz="3200" b="1">
-                <a:solidFill>
-                  <a:srgbClr val="0070C0"/>
-                </a:solidFill>
-                <a:latin typeface="Consolas" panose="020B0609020204030204" pitchFamily="49" charset="0"/>
-              </a:rPr>
-              <a:t>int</a:t>
-            </a:r>
-            <a:r>
-              <a:rPr lang="da-DK" sz="3200" b="1" smtClean="0">
-                <a:latin typeface="Consolas" panose="020B0609020204030204" pitchFamily="49" charset="0"/>
-              </a:rPr>
-              <a:t> i = 0; i &lt; ages.</a:t>
-            </a:r>
-            <a:r>
-              <a:rPr lang="da-DK" sz="3200" b="1" smtClean="0">
-                <a:solidFill>
-                  <a:srgbClr val="FF0000"/>
-                </a:solidFill>
-                <a:latin typeface="Consolas" panose="020B0609020204030204" pitchFamily="49" charset="0"/>
-              </a:rPr>
-              <a:t>Count</a:t>
-            </a:r>
-            <a:r>
-              <a:rPr lang="da-DK" sz="3200" b="1" smtClean="0">
-                <a:latin typeface="Consolas" panose="020B0609020204030204" pitchFamily="49" charset="0"/>
-              </a:rPr>
-              <a:t>; i++)</a:t>
-            </a:r>
-          </a:p>
-          <a:p>
-            <a:r>
-              <a:rPr lang="da-DK" sz="3200" b="1" smtClean="0">
-                <a:latin typeface="Consolas" panose="020B0609020204030204" pitchFamily="49" charset="0"/>
-              </a:rPr>
-              <a:t>{</a:t>
-            </a:r>
-          </a:p>
-          <a:p>
-            <a:r>
-              <a:rPr lang="da-DK" sz="3200" b="1">
-                <a:latin typeface="Consolas" panose="020B0609020204030204" pitchFamily="49" charset="0"/>
-              </a:rPr>
-              <a:t> </a:t>
-            </a:r>
-            <a:r>
-              <a:rPr lang="da-DK" sz="3200" b="1" smtClean="0">
-                <a:latin typeface="Consolas" panose="020B0609020204030204" pitchFamily="49" charset="0"/>
-              </a:rPr>
-              <a:t>  </a:t>
-            </a:r>
-            <a:r>
-              <a:rPr lang="da-DK" sz="3200" b="1" smtClean="0">
-                <a:solidFill>
-                  <a:schemeClr val="accent6">
-                    <a:lumMod val="75000"/>
-                  </a:schemeClr>
-                </a:solidFill>
-                <a:latin typeface="Consolas" panose="020B0609020204030204" pitchFamily="49" charset="0"/>
-              </a:rPr>
-              <a:t>Console</a:t>
-            </a:r>
-            <a:r>
-              <a:rPr lang="da-DK" sz="3200" b="1" smtClean="0">
-                <a:latin typeface="Consolas" panose="020B0609020204030204" pitchFamily="49" charset="0"/>
-              </a:rPr>
-              <a:t>.WriteLine(ages[i]);</a:t>
-            </a:r>
-          </a:p>
-          <a:p>
-            <a:r>
-              <a:rPr lang="da-DK" sz="3200" b="1">
-                <a:latin typeface="Consolas" panose="020B0609020204030204" pitchFamily="49" charset="0"/>
-              </a:rPr>
-              <a:t>}</a:t>
-            </a:r>
-          </a:p>
-        </p:txBody>
-      </p:sp>
-      <p:sp>
-        <p:nvSpPr>
-          <p:cNvPr id="2" name="Rektangel 1"/>
+              <a:rPr lang="da-DK" sz="4800" b="1" smtClean="0">
+                <a:latin typeface="Consolas" panose="020B0609020204030204" pitchFamily="49" charset="0"/>
+              </a:rPr>
+              <a:t>ages[1] = ages[4] - 15;</a:t>
+            </a:r>
+            <a:endParaRPr lang="da-DK" sz="4800" b="1" smtClean="0">
+              <a:solidFill>
+                <a:schemeClr val="accent6">
+                  <a:lumMod val="75000"/>
+                </a:schemeClr>
+              </a:solidFill>
+              <a:latin typeface="Consolas" panose="020B0609020204030204" pitchFamily="49" charset="0"/>
+            </a:endParaRPr>
+          </a:p>
+        </p:txBody>
+      </p:sp>
+      <p:sp>
+        <p:nvSpPr>
+          <p:cNvPr id="4" name="Rektangel 3"/>
           <p:cNvSpPr/>
           <p:nvPr/>
         </p:nvSpPr>
         <p:spPr>
           <a:xfrm>
-            <a:off x="1559472" y="3358296"/>
+            <a:off x="997285" y="3317656"/>
             <a:ext cx="1440000" cy="1440000"/>
           </a:xfrm>
           <a:prstGeom prst="rect">
             <a:avLst/>
           </a:prstGeom>
+          <a:solidFill>
+            <a:schemeClr val="accent1"/>
+          </a:solidFill>
         </p:spPr>
         <p:style>
           <a:lnRef idx="2">
@@ -18704,12 +18044,17 @@
         </p:nvSpPr>
         <p:spPr>
           <a:xfrm>
-            <a:off x="3157979" y="3358296"/>
-            <a:ext cx="1440000" cy="1440000"/>
-          </a:xfrm>
-          <a:prstGeom prst="rect">
-            <a:avLst/>
-          </a:prstGeom>
+            <a:off x="1103162" y="3914987"/>
+            <a:ext cx="1187606" cy="739340"/>
+          </a:xfrm>
+          <a:prstGeom prst="rect">
+            <a:avLst/>
+          </a:prstGeom>
+          <a:solidFill>
+            <a:schemeClr val="accent6">
+              <a:lumMod val="75000"/>
+            </a:schemeClr>
+          </a:solidFill>
         </p:spPr>
         <p:style>
           <a:lnRef idx="2">
@@ -18728,31 +18073,43 @@
           </a:fontRef>
         </p:style>
         <p:txBody>
-          <a:bodyPr rtlCol="0" anchor="t"/>
-          <a:lstStyle/>
-          <a:p>
-            <a:r>
-              <a:rPr lang="da-DK" sz="3600" smtClean="0"/>
-              <a:t>1</a:t>
-            </a:r>
-            <a:endParaRPr lang="da-DK" sz="3600"/>
-          </a:p>
-        </p:txBody>
-      </p:sp>
-      <p:sp>
-        <p:nvSpPr>
-          <p:cNvPr id="6" name="Rektangel 5"/>
+          <a:bodyPr rtlCol="0" anchor="ctr"/>
+          <a:lstStyle/>
+          <a:p>
+            <a:pPr algn="ctr"/>
+            <a:r>
+              <a:rPr lang="da-DK" sz="3600" smtClean="0">
+                <a:solidFill>
+                  <a:srgbClr val="FFFF00"/>
+                </a:solidFill>
+              </a:rPr>
+              <a:t>55</a:t>
+            </a:r>
+            <a:endParaRPr lang="da-DK" sz="3600">
+              <a:solidFill>
+                <a:srgbClr val="FFFF00"/>
+              </a:solidFill>
+            </a:endParaRPr>
+          </a:p>
+        </p:txBody>
+      </p:sp>
+      <p:sp>
+        <p:nvSpPr>
+          <p:cNvPr id="8" name="Rektangel 7"/>
           <p:cNvSpPr/>
           <p:nvPr/>
         </p:nvSpPr>
         <p:spPr>
           <a:xfrm>
-            <a:off x="4756486" y="3358296"/>
+            <a:off x="2565043" y="3317656"/>
             <a:ext cx="1440000" cy="1440000"/>
           </a:xfrm>
           <a:prstGeom prst="rect">
             <a:avLst/>
           </a:prstGeom>
+          <a:solidFill>
+            <a:schemeClr val="accent1"/>
+          </a:solidFill>
         </p:spPr>
         <p:style>
           <a:lnRef idx="2">
@@ -18775,21 +18132,22 @@
           <a:lstStyle/>
           <a:p>
             <a:r>
-              <a:rPr lang="da-DK" sz="3600"/>
-              <a:t>2</a:t>
-            </a:r>
-          </a:p>
-        </p:txBody>
-      </p:sp>
-      <p:sp>
-        <p:nvSpPr>
-          <p:cNvPr id="7" name="Rektangel 6"/>
+              <a:rPr lang="da-DK" sz="3600" smtClean="0"/>
+              <a:t>1</a:t>
+            </a:r>
+            <a:endParaRPr lang="da-DK" sz="3600"/>
+          </a:p>
+        </p:txBody>
+      </p:sp>
+      <p:sp>
+        <p:nvSpPr>
+          <p:cNvPr id="9" name="Rektangel 8"/>
           <p:cNvSpPr/>
           <p:nvPr/>
         </p:nvSpPr>
         <p:spPr>
           <a:xfrm>
-            <a:off x="3284176" y="3955627"/>
+            <a:off x="2670920" y="3914987"/>
             <a:ext cx="1187606" cy="739340"/>
           </a:xfrm>
           <a:prstGeom prst="rect">
@@ -18828,7 +18186,7 @@
                   <a:srgbClr val="FFFF00"/>
                 </a:solidFill>
               </a:rPr>
-              <a:t>23</a:t>
+              <a:t>26</a:t>
             </a:r>
             <a:endParaRPr lang="da-DK" sz="3600">
               <a:solidFill>
@@ -18840,22 +18198,20 @@
       </p:sp>
       <p:sp>
         <p:nvSpPr>
-          <p:cNvPr id="8" name="Rektangel 7"/>
+          <p:cNvPr id="10" name="Rektangel 9"/>
           <p:cNvSpPr/>
           <p:nvPr/>
         </p:nvSpPr>
         <p:spPr>
           <a:xfrm>
-            <a:off x="4882683" y="3955627"/>
-            <a:ext cx="1187606" cy="739340"/>
+            <a:off x="4132801" y="3317656"/>
+            <a:ext cx="1440000" cy="1440000"/>
           </a:xfrm>
           <a:prstGeom prst="rect">
             <a:avLst/>
           </a:prstGeom>
           <a:solidFill>
-            <a:schemeClr val="accent6">
-              <a:lumMod val="75000"/>
-            </a:schemeClr>
+            <a:schemeClr val="accent1"/>
           </a:solidFill>
         </p:spPr>
         <p:style>
@@ -18875,6 +18231,53 @@
           </a:fontRef>
         </p:style>
         <p:txBody>
+          <a:bodyPr rtlCol="0" anchor="t"/>
+          <a:lstStyle/>
+          <a:p>
+            <a:r>
+              <a:rPr lang="da-DK" sz="3600"/>
+              <a:t>2</a:t>
+            </a:r>
+          </a:p>
+        </p:txBody>
+      </p:sp>
+      <p:sp>
+        <p:nvSpPr>
+          <p:cNvPr id="12" name="Rektangel 11"/>
+          <p:cNvSpPr/>
+          <p:nvPr/>
+        </p:nvSpPr>
+        <p:spPr>
+          <a:xfrm>
+            <a:off x="4238678" y="3914987"/>
+            <a:ext cx="1187606" cy="739340"/>
+          </a:xfrm>
+          <a:prstGeom prst="rect">
+            <a:avLst/>
+          </a:prstGeom>
+          <a:solidFill>
+            <a:schemeClr val="accent6">
+              <a:lumMod val="75000"/>
+            </a:schemeClr>
+          </a:solidFill>
+        </p:spPr>
+        <p:style>
+          <a:lnRef idx="2">
+            <a:schemeClr val="accent1">
+              <a:shade val="50000"/>
+            </a:schemeClr>
+          </a:lnRef>
+          <a:fillRef idx="1">
+            <a:schemeClr val="accent1"/>
+          </a:fillRef>
+          <a:effectRef idx="0">
+            <a:schemeClr val="accent1"/>
+          </a:effectRef>
+          <a:fontRef idx="minor">
+            <a:schemeClr val="lt1"/>
+          </a:fontRef>
+        </p:style>
+        <p:txBody>
           <a:bodyPr rtlCol="0" anchor="ctr"/>
           <a:lstStyle/>
           <a:p>
@@ -18885,7 +18288,7 @@
                   <a:srgbClr val="FFFF00"/>
                 </a:solidFill>
               </a:rPr>
-              <a:t>35</a:t>
+              <a:t>4</a:t>
             </a:r>
             <a:endParaRPr lang="da-DK" sz="3600">
               <a:solidFill>
@@ -18897,22 +18300,20 @@
       </p:sp>
       <p:sp>
         <p:nvSpPr>
-          <p:cNvPr id="9" name="Rektangel 8"/>
+          <p:cNvPr id="13" name="Rektangel 12"/>
           <p:cNvSpPr/>
           <p:nvPr/>
         </p:nvSpPr>
         <p:spPr>
           <a:xfrm>
-            <a:off x="1685669" y="3955627"/>
-            <a:ext cx="1187606" cy="739340"/>
+            <a:off x="5700559" y="3317656"/>
+            <a:ext cx="1440000" cy="1440000"/>
           </a:xfrm>
           <a:prstGeom prst="rect">
             <a:avLst/>
           </a:prstGeom>
           <a:solidFill>
-            <a:schemeClr val="accent6">
-              <a:lumMod val="75000"/>
-            </a:schemeClr>
+            <a:schemeClr val="accent1"/>
           </a:solidFill>
         </p:spPr>
         <p:style>
@@ -18932,6 +18333,53 @@
           </a:fontRef>
         </p:style>
         <p:txBody>
+          <a:bodyPr rtlCol="0" anchor="t"/>
+          <a:lstStyle/>
+          <a:p>
+            <a:r>
+              <a:rPr lang="da-DK" sz="3600"/>
+              <a:t>3</a:t>
+            </a:r>
+          </a:p>
+        </p:txBody>
+      </p:sp>
+      <p:sp>
+        <p:nvSpPr>
+          <p:cNvPr id="14" name="Rektangel 13"/>
+          <p:cNvSpPr/>
+          <p:nvPr/>
+        </p:nvSpPr>
+        <p:spPr>
+          <a:xfrm>
+            <a:off x="5806436" y="3914987"/>
+            <a:ext cx="1187606" cy="739340"/>
+          </a:xfrm>
+          <a:prstGeom prst="rect">
+            <a:avLst/>
+          </a:prstGeom>
+          <a:solidFill>
+            <a:schemeClr val="accent6">
+              <a:lumMod val="75000"/>
+            </a:schemeClr>
+          </a:solidFill>
+        </p:spPr>
+        <p:style>
+          <a:lnRef idx="2">
+            <a:schemeClr val="accent1">
+              <a:shade val="50000"/>
+            </a:schemeClr>
+          </a:lnRef>
+          <a:fillRef idx="1">
+            <a:schemeClr val="accent1"/>
+          </a:fillRef>
+          <a:effectRef idx="0">
+            <a:schemeClr val="accent1"/>
+          </a:effectRef>
+          <a:fontRef idx="minor">
+            <a:schemeClr val="lt1"/>
+          </a:fontRef>
+        </p:style>
+        <p:txBody>
           <a:bodyPr rtlCol="0" anchor="ctr"/>
           <a:lstStyle/>
           <a:p>
@@ -18942,7 +18390,7 @@
                   <a:srgbClr val="FFFF00"/>
                 </a:solidFill>
               </a:rPr>
-              <a:t>17</a:t>
+              <a:t>38</a:t>
             </a:r>
             <a:endParaRPr lang="da-DK" sz="3600">
               <a:solidFill>
@@ -18952,10 +18400,112 @@
           </a:p>
         </p:txBody>
       </p:sp>
+      <p:sp>
+        <p:nvSpPr>
+          <p:cNvPr id="15" name="Rektangel 14"/>
+          <p:cNvSpPr/>
+          <p:nvPr/>
+        </p:nvSpPr>
+        <p:spPr>
+          <a:xfrm>
+            <a:off x="7268317" y="3317656"/>
+            <a:ext cx="1440000" cy="1440000"/>
+          </a:xfrm>
+          <a:prstGeom prst="rect">
+            <a:avLst/>
+          </a:prstGeom>
+          <a:solidFill>
+            <a:schemeClr val="accent1"/>
+          </a:solidFill>
+        </p:spPr>
+        <p:style>
+          <a:lnRef idx="2">
+            <a:schemeClr val="accent1">
+              <a:shade val="50000"/>
+            </a:schemeClr>
+          </a:lnRef>
+          <a:fillRef idx="1">
+            <a:schemeClr val="accent1"/>
+          </a:fillRef>
+          <a:effectRef idx="0">
+            <a:schemeClr val="accent1"/>
+          </a:effectRef>
+          <a:fontRef idx="minor">
+            <a:schemeClr val="lt1"/>
+          </a:fontRef>
+        </p:style>
+        <p:txBody>
+          <a:bodyPr rtlCol="0" anchor="t"/>
+          <a:lstStyle/>
+          <a:p>
+            <a:r>
+              <a:rPr lang="da-DK" sz="3600"/>
+              <a:t>4</a:t>
+            </a:r>
+          </a:p>
+        </p:txBody>
+      </p:sp>
+      <p:sp>
+        <p:nvSpPr>
+          <p:cNvPr id="16" name="Rektangel 15"/>
+          <p:cNvSpPr/>
+          <p:nvPr/>
+        </p:nvSpPr>
+        <p:spPr>
+          <a:xfrm>
+            <a:off x="7374194" y="3914987"/>
+            <a:ext cx="1187606" cy="739340"/>
+          </a:xfrm>
+          <a:prstGeom prst="rect">
+            <a:avLst/>
+          </a:prstGeom>
+          <a:solidFill>
+            <a:schemeClr val="accent6">
+              <a:lumMod val="75000"/>
+            </a:schemeClr>
+          </a:solidFill>
+        </p:spPr>
+        <p:style>
+          <a:lnRef idx="2">
+            <a:schemeClr val="accent1">
+              <a:shade val="50000"/>
+            </a:schemeClr>
+          </a:lnRef>
+          <a:fillRef idx="1">
+            <a:schemeClr val="accent1"/>
+          </a:fillRef>
+          <a:effectRef idx="0">
+            <a:schemeClr val="accent1"/>
+          </a:effectRef>
+          <a:fontRef idx="minor">
+            <a:schemeClr val="lt1"/>
+          </a:fontRef>
+        </p:style>
+        <p:txBody>
+          <a:bodyPr rtlCol="0" anchor="ctr"/>
+          <a:lstStyle/>
+          <a:p>
+            <a:pPr algn="ctr"/>
+            <a:r>
+              <a:rPr lang="da-DK" sz="3600" smtClean="0">
+                <a:solidFill>
+                  <a:srgbClr val="FFFF00"/>
+                </a:solidFill>
+              </a:rPr>
+              <a:t>41</a:t>
+            </a:r>
+            <a:endParaRPr lang="da-DK" sz="3600">
+              <a:solidFill>
+                <a:srgbClr val="FFFF00"/>
+              </a:solidFill>
+            </a:endParaRPr>
+          </a:p>
+        </p:txBody>
+      </p:sp>
     </p:spTree>
     <p:extLst>
       <p:ext uri="{BB962C8B-B14F-4D97-AF65-F5344CB8AC3E}">
-        <p14:creationId xmlns:p14="http://schemas.microsoft.com/office/powerpoint/2010/main" val="519327370"/>
+        <p14:creationId xmlns:p14="http://schemas.microsoft.com/office/powerpoint/2010/main" val="1778472328"/>
       </p:ext>
     </p:extLst>
   </p:cSld>
@@ -18964,10 +18514,14 @@
   </p:clrMapOvr>
   <mc:AlternateContent xmlns:mc="http://schemas.openxmlformats.org/markup-compatibility/2006" xmlns:p14="http://schemas.microsoft.com/office/powerpoint/2010/main">
     <mc:Choice Requires="p14">
-      <p:transition p14:dur="0"/>
+      <p:transition spd="med" p14:dur="700">
+        <p:fade/>
+      </p:transition>
     </mc:Choice>
     <mc:Fallback xmlns="">
-      <p:transition/>
+      <p:transition spd="med">
+        <p:fade/>
+      </p:transition>
     </mc:Fallback>
   </mc:AlternateContent>
   <p:timing>
@@ -19173,6 +18727,508 @@
 </file>
 
 <file path=ppt/slides/slide50.xml><?xml version="1.0" encoding="utf-8"?>
+<p:sld xmlns:a="http://schemas.openxmlformats.org/drawingml/2006/main" xmlns:r="http://schemas.openxmlformats.org/officeDocument/2006/relationships" xmlns:p="http://schemas.openxmlformats.org/presentationml/2006/main">
+  <p:cSld>
+    <p:spTree>
+      <p:nvGrpSpPr>
+        <p:cNvPr id="1" name=""/>
+        <p:cNvGrpSpPr/>
+        <p:nvPr/>
+      </p:nvGrpSpPr>
+      <p:grpSpPr>
+        <a:xfrm>
+          <a:off x="0" y="0"/>
+          <a:ext cx="0" cy="0"/>
+          <a:chOff x="0" y="0"/>
+          <a:chExt cx="0" cy="0"/>
+        </a:xfrm>
+      </p:grpSpPr>
+      <p:sp>
+        <p:nvSpPr>
+          <p:cNvPr id="3" name="Rektangel 2"/>
+          <p:cNvSpPr/>
+          <p:nvPr/>
+        </p:nvSpPr>
+        <p:spPr>
+          <a:xfrm>
+            <a:off x="1429173" y="3251200"/>
+            <a:ext cx="8297334" cy="1632374"/>
+          </a:xfrm>
+          <a:prstGeom prst="rect">
+            <a:avLst/>
+          </a:prstGeom>
+          <a:solidFill>
+            <a:schemeClr val="tx1">
+              <a:lumMod val="50000"/>
+              <a:lumOff val="50000"/>
+            </a:schemeClr>
+          </a:solidFill>
+        </p:spPr>
+        <p:style>
+          <a:lnRef idx="2">
+            <a:schemeClr val="accent1">
+              <a:shade val="50000"/>
+            </a:schemeClr>
+          </a:lnRef>
+          <a:fillRef idx="1">
+            <a:schemeClr val="accent1"/>
+          </a:fillRef>
+          <a:effectRef idx="0">
+            <a:schemeClr val="accent1"/>
+          </a:effectRef>
+          <a:fontRef idx="minor">
+            <a:schemeClr val="lt1"/>
+          </a:fontRef>
+        </p:style>
+        <p:txBody>
+          <a:bodyPr rIns="360000" rtlCol="0" anchor="ctr"/>
+          <a:lstStyle/>
+          <a:p>
+            <a:pPr algn="r"/>
+            <a:r>
+              <a:rPr lang="da-DK" sz="3600" smtClean="0"/>
+              <a:t>Count = 3</a:t>
+            </a:r>
+            <a:endParaRPr lang="da-DK" sz="3600"/>
+          </a:p>
+        </p:txBody>
+      </p:sp>
+      <p:sp>
+        <p:nvSpPr>
+          <p:cNvPr id="11" name="Tekstfelt 10"/>
+          <p:cNvSpPr txBox="1"/>
+          <p:nvPr/>
+        </p:nvSpPr>
+        <p:spPr>
+          <a:xfrm>
+            <a:off x="859641" y="754158"/>
+            <a:ext cx="9212306" cy="2062103"/>
+          </a:xfrm>
+          <a:prstGeom prst="rect">
+            <a:avLst/>
+          </a:prstGeom>
+          <a:noFill/>
+        </p:spPr>
+        <p:txBody>
+          <a:bodyPr wrap="square" rtlCol="0">
+            <a:spAutoFit/>
+          </a:bodyPr>
+          <a:lstStyle/>
+          <a:p>
+            <a:r>
+              <a:rPr lang="da-DK" sz="3200" b="1" smtClean="0">
+                <a:latin typeface="Consolas" panose="020B0609020204030204" pitchFamily="49" charset="0"/>
+              </a:rPr>
+              <a:t>for (</a:t>
+            </a:r>
+            <a:r>
+              <a:rPr lang="da-DK" sz="3200" b="1">
+                <a:solidFill>
+                  <a:srgbClr val="0070C0"/>
+                </a:solidFill>
+                <a:latin typeface="Consolas" panose="020B0609020204030204" pitchFamily="49" charset="0"/>
+              </a:rPr>
+              <a:t>int</a:t>
+            </a:r>
+            <a:r>
+              <a:rPr lang="da-DK" sz="3200" b="1" smtClean="0">
+                <a:latin typeface="Consolas" panose="020B0609020204030204" pitchFamily="49" charset="0"/>
+              </a:rPr>
+              <a:t> i = 0; i &lt; ages.</a:t>
+            </a:r>
+            <a:r>
+              <a:rPr lang="da-DK" sz="3200" b="1" smtClean="0">
+                <a:solidFill>
+                  <a:srgbClr val="FF0000"/>
+                </a:solidFill>
+                <a:latin typeface="Consolas" panose="020B0609020204030204" pitchFamily="49" charset="0"/>
+              </a:rPr>
+              <a:t>Count</a:t>
+            </a:r>
+            <a:r>
+              <a:rPr lang="da-DK" sz="3200" b="1" smtClean="0">
+                <a:latin typeface="Consolas" panose="020B0609020204030204" pitchFamily="49" charset="0"/>
+              </a:rPr>
+              <a:t>; i++)</a:t>
+            </a:r>
+          </a:p>
+          <a:p>
+            <a:r>
+              <a:rPr lang="da-DK" sz="3200" b="1" smtClean="0">
+                <a:latin typeface="Consolas" panose="020B0609020204030204" pitchFamily="49" charset="0"/>
+              </a:rPr>
+              <a:t>{</a:t>
+            </a:r>
+          </a:p>
+          <a:p>
+            <a:r>
+              <a:rPr lang="da-DK" sz="3200" b="1">
+                <a:latin typeface="Consolas" panose="020B0609020204030204" pitchFamily="49" charset="0"/>
+              </a:rPr>
+              <a:t> </a:t>
+            </a:r>
+            <a:r>
+              <a:rPr lang="da-DK" sz="3200" b="1" smtClean="0">
+                <a:latin typeface="Consolas" panose="020B0609020204030204" pitchFamily="49" charset="0"/>
+              </a:rPr>
+              <a:t>  </a:t>
+            </a:r>
+            <a:r>
+              <a:rPr lang="da-DK" sz="3200" b="1" smtClean="0">
+                <a:solidFill>
+                  <a:schemeClr val="accent6">
+                    <a:lumMod val="75000"/>
+                  </a:schemeClr>
+                </a:solidFill>
+                <a:latin typeface="Consolas" panose="020B0609020204030204" pitchFamily="49" charset="0"/>
+              </a:rPr>
+              <a:t>Console</a:t>
+            </a:r>
+            <a:r>
+              <a:rPr lang="da-DK" sz="3200" b="1" smtClean="0">
+                <a:latin typeface="Consolas" panose="020B0609020204030204" pitchFamily="49" charset="0"/>
+              </a:rPr>
+              <a:t>.WriteLine(ages[i]);</a:t>
+            </a:r>
+          </a:p>
+          <a:p>
+            <a:r>
+              <a:rPr lang="da-DK" sz="3200" b="1">
+                <a:latin typeface="Consolas" panose="020B0609020204030204" pitchFamily="49" charset="0"/>
+              </a:rPr>
+              <a:t>}</a:t>
+            </a:r>
+          </a:p>
+        </p:txBody>
+      </p:sp>
+      <p:sp>
+        <p:nvSpPr>
+          <p:cNvPr id="2" name="Rektangel 1"/>
+          <p:cNvSpPr/>
+          <p:nvPr/>
+        </p:nvSpPr>
+        <p:spPr>
+          <a:xfrm>
+            <a:off x="1559472" y="3358296"/>
+            <a:ext cx="1440000" cy="1440000"/>
+          </a:xfrm>
+          <a:prstGeom prst="rect">
+            <a:avLst/>
+          </a:prstGeom>
+        </p:spPr>
+        <p:style>
+          <a:lnRef idx="2">
+            <a:schemeClr val="accent1">
+              <a:shade val="50000"/>
+            </a:schemeClr>
+          </a:lnRef>
+          <a:fillRef idx="1">
+            <a:schemeClr val="accent1"/>
+          </a:fillRef>
+          <a:effectRef idx="0">
+            <a:schemeClr val="accent1"/>
+          </a:effectRef>
+          <a:fontRef idx="minor">
+            <a:schemeClr val="lt1"/>
+          </a:fontRef>
+        </p:style>
+        <p:txBody>
+          <a:bodyPr rtlCol="0" anchor="t"/>
+          <a:lstStyle/>
+          <a:p>
+            <a:r>
+              <a:rPr lang="da-DK" sz="3600" smtClean="0"/>
+              <a:t>0</a:t>
+            </a:r>
+            <a:endParaRPr lang="da-DK" sz="3600"/>
+          </a:p>
+        </p:txBody>
+      </p:sp>
+      <p:sp>
+        <p:nvSpPr>
+          <p:cNvPr id="5" name="Rektangel 4"/>
+          <p:cNvSpPr/>
+          <p:nvPr/>
+        </p:nvSpPr>
+        <p:spPr>
+          <a:xfrm>
+            <a:off x="3157979" y="3358296"/>
+            <a:ext cx="1440000" cy="1440000"/>
+          </a:xfrm>
+          <a:prstGeom prst="rect">
+            <a:avLst/>
+          </a:prstGeom>
+        </p:spPr>
+        <p:style>
+          <a:lnRef idx="2">
+            <a:schemeClr val="accent1">
+              <a:shade val="50000"/>
+            </a:schemeClr>
+          </a:lnRef>
+          <a:fillRef idx="1">
+            <a:schemeClr val="accent1"/>
+          </a:fillRef>
+          <a:effectRef idx="0">
+            <a:schemeClr val="accent1"/>
+          </a:effectRef>
+          <a:fontRef idx="minor">
+            <a:schemeClr val="lt1"/>
+          </a:fontRef>
+        </p:style>
+        <p:txBody>
+          <a:bodyPr rtlCol="0" anchor="t"/>
+          <a:lstStyle/>
+          <a:p>
+            <a:r>
+              <a:rPr lang="da-DK" sz="3600" smtClean="0"/>
+              <a:t>1</a:t>
+            </a:r>
+            <a:endParaRPr lang="da-DK" sz="3600"/>
+          </a:p>
+        </p:txBody>
+      </p:sp>
+      <p:sp>
+        <p:nvSpPr>
+          <p:cNvPr id="6" name="Rektangel 5"/>
+          <p:cNvSpPr/>
+          <p:nvPr/>
+        </p:nvSpPr>
+        <p:spPr>
+          <a:xfrm>
+            <a:off x="4756486" y="3358296"/>
+            <a:ext cx="1440000" cy="1440000"/>
+          </a:xfrm>
+          <a:prstGeom prst="rect">
+            <a:avLst/>
+          </a:prstGeom>
+        </p:spPr>
+        <p:style>
+          <a:lnRef idx="2">
+            <a:schemeClr val="accent1">
+              <a:shade val="50000"/>
+            </a:schemeClr>
+          </a:lnRef>
+          <a:fillRef idx="1">
+            <a:schemeClr val="accent1"/>
+          </a:fillRef>
+          <a:effectRef idx="0">
+            <a:schemeClr val="accent1"/>
+          </a:effectRef>
+          <a:fontRef idx="minor">
+            <a:schemeClr val="lt1"/>
+          </a:fontRef>
+        </p:style>
+        <p:txBody>
+          <a:bodyPr rtlCol="0" anchor="t"/>
+          <a:lstStyle/>
+          <a:p>
+            <a:r>
+              <a:rPr lang="da-DK" sz="3600"/>
+              <a:t>2</a:t>
+            </a:r>
+          </a:p>
+        </p:txBody>
+      </p:sp>
+      <p:sp>
+        <p:nvSpPr>
+          <p:cNvPr id="7" name="Rektangel 6"/>
+          <p:cNvSpPr/>
+          <p:nvPr/>
+        </p:nvSpPr>
+        <p:spPr>
+          <a:xfrm>
+            <a:off x="3284176" y="3955627"/>
+            <a:ext cx="1187606" cy="739340"/>
+          </a:xfrm>
+          <a:prstGeom prst="rect">
+            <a:avLst/>
+          </a:prstGeom>
+          <a:solidFill>
+            <a:schemeClr val="accent6">
+              <a:lumMod val="75000"/>
+            </a:schemeClr>
+          </a:solidFill>
+        </p:spPr>
+        <p:style>
+          <a:lnRef idx="2">
+            <a:schemeClr val="accent1">
+              <a:shade val="50000"/>
+            </a:schemeClr>
+          </a:lnRef>
+          <a:fillRef idx="1">
+            <a:schemeClr val="accent1"/>
+          </a:fillRef>
+          <a:effectRef idx="0">
+            <a:schemeClr val="accent1"/>
+          </a:effectRef>
+          <a:fontRef idx="minor">
+            <a:schemeClr val="lt1"/>
+          </a:fontRef>
+        </p:style>
+        <p:txBody>
+          <a:bodyPr rtlCol="0" anchor="ctr"/>
+          <a:lstStyle/>
+          <a:p>
+            <a:pPr algn="ctr"/>
+            <a:r>
+              <a:rPr lang="da-DK" sz="3600" smtClean="0">
+                <a:solidFill>
+                  <a:srgbClr val="FFFF00"/>
+                </a:solidFill>
+              </a:rPr>
+              <a:t>23</a:t>
+            </a:r>
+            <a:endParaRPr lang="da-DK" sz="3600">
+              <a:solidFill>
+                <a:srgbClr val="FFFF00"/>
+              </a:solidFill>
+            </a:endParaRPr>
+          </a:p>
+        </p:txBody>
+      </p:sp>
+      <p:sp>
+        <p:nvSpPr>
+          <p:cNvPr id="8" name="Rektangel 7"/>
+          <p:cNvSpPr/>
+          <p:nvPr/>
+        </p:nvSpPr>
+        <p:spPr>
+          <a:xfrm>
+            <a:off x="4882683" y="3955627"/>
+            <a:ext cx="1187606" cy="739340"/>
+          </a:xfrm>
+          <a:prstGeom prst="rect">
+            <a:avLst/>
+          </a:prstGeom>
+          <a:solidFill>
+            <a:schemeClr val="accent6">
+              <a:lumMod val="75000"/>
+            </a:schemeClr>
+          </a:solidFill>
+        </p:spPr>
+        <p:style>
+          <a:lnRef idx="2">
+            <a:schemeClr val="accent1">
+              <a:shade val="50000"/>
+            </a:schemeClr>
+          </a:lnRef>
+          <a:fillRef idx="1">
+            <a:schemeClr val="accent1"/>
+          </a:fillRef>
+          <a:effectRef idx="0">
+            <a:schemeClr val="accent1"/>
+          </a:effectRef>
+          <a:fontRef idx="minor">
+            <a:schemeClr val="lt1"/>
+          </a:fontRef>
+        </p:style>
+        <p:txBody>
+          <a:bodyPr rtlCol="0" anchor="ctr"/>
+          <a:lstStyle/>
+          <a:p>
+            <a:pPr algn="ctr"/>
+            <a:r>
+              <a:rPr lang="da-DK" sz="3600" smtClean="0">
+                <a:solidFill>
+                  <a:srgbClr val="FFFF00"/>
+                </a:solidFill>
+              </a:rPr>
+              <a:t>35</a:t>
+            </a:r>
+            <a:endParaRPr lang="da-DK" sz="3600">
+              <a:solidFill>
+                <a:srgbClr val="FFFF00"/>
+              </a:solidFill>
+            </a:endParaRPr>
+          </a:p>
+        </p:txBody>
+      </p:sp>
+      <p:sp>
+        <p:nvSpPr>
+          <p:cNvPr id="9" name="Rektangel 8"/>
+          <p:cNvSpPr/>
+          <p:nvPr/>
+        </p:nvSpPr>
+        <p:spPr>
+          <a:xfrm>
+            <a:off x="1685669" y="3955627"/>
+            <a:ext cx="1187606" cy="739340"/>
+          </a:xfrm>
+          <a:prstGeom prst="rect">
+            <a:avLst/>
+          </a:prstGeom>
+          <a:solidFill>
+            <a:schemeClr val="accent6">
+              <a:lumMod val="75000"/>
+            </a:schemeClr>
+          </a:solidFill>
+        </p:spPr>
+        <p:style>
+          <a:lnRef idx="2">
+            <a:schemeClr val="accent1">
+              <a:shade val="50000"/>
+            </a:schemeClr>
+          </a:lnRef>
+          <a:fillRef idx="1">
+            <a:schemeClr val="accent1"/>
+          </a:fillRef>
+          <a:effectRef idx="0">
+            <a:schemeClr val="accent1"/>
+          </a:effectRef>
+          <a:fontRef idx="minor">
+            <a:schemeClr val="lt1"/>
+          </a:fontRef>
+        </p:style>
+        <p:txBody>
+          <a:bodyPr rtlCol="0" anchor="ctr"/>
+          <a:lstStyle/>
+          <a:p>
+            <a:pPr algn="ctr"/>
+            <a:r>
+              <a:rPr lang="da-DK" sz="3600" smtClean="0">
+                <a:solidFill>
+                  <a:srgbClr val="FFFF00"/>
+                </a:solidFill>
+              </a:rPr>
+              <a:t>17</a:t>
+            </a:r>
+            <a:endParaRPr lang="da-DK" sz="3600">
+              <a:solidFill>
+                <a:srgbClr val="FFFF00"/>
+              </a:solidFill>
+            </a:endParaRPr>
+          </a:p>
+        </p:txBody>
+      </p:sp>
+    </p:spTree>
+    <p:extLst>
+      <p:ext uri="{BB962C8B-B14F-4D97-AF65-F5344CB8AC3E}">
+        <p14:creationId xmlns:p14="http://schemas.microsoft.com/office/powerpoint/2010/main" val="519327370"/>
+      </p:ext>
+    </p:extLst>
+  </p:cSld>
+  <p:clrMapOvr>
+    <a:masterClrMapping/>
+  </p:clrMapOvr>
+  <mc:AlternateContent xmlns:mc="http://schemas.openxmlformats.org/markup-compatibility/2006" xmlns:p14="http://schemas.microsoft.com/office/powerpoint/2010/main">
+    <mc:Choice Requires="p14">
+      <p:transition p14:dur="0"/>
+    </mc:Choice>
+    <mc:Fallback xmlns="">
+      <p:transition/>
+    </mc:Fallback>
+  </mc:AlternateContent>
+  <p:timing>
+    <p:tnLst>
+      <p:par>
+        <p:cTn id="1" dur="indefinite" restart="never" nodeType="tmRoot"/>
+      </p:par>
+    </p:tnLst>
+  </p:timing>
+</p:sld>
+</file>
+
+<file path=ppt/slides/slide51.xml><?xml version="1.0" encoding="utf-8"?>
 <p:sld xmlns:a="http://schemas.openxmlformats.org/drawingml/2006/main" xmlns:r="http://schemas.openxmlformats.org/officeDocument/2006/relationships" xmlns:p="http://schemas.openxmlformats.org/presentationml/2006/main">
   <p:cSld>
     <p:spTree>
@@ -19803,7 +19859,7 @@
 </p:sld>
 </file>
 
-<file path=ppt/slides/slide51.xml><?xml version="1.0" encoding="utf-8"?>
+<file path=ppt/slides/slide52.xml><?xml version="1.0" encoding="utf-8"?>
 <p:sld xmlns:a="http://schemas.openxmlformats.org/drawingml/2006/main" xmlns:r="http://schemas.openxmlformats.org/officeDocument/2006/relationships" xmlns:p="http://schemas.openxmlformats.org/presentationml/2006/main">
   <p:cSld>
     <p:spTree>
@@ -20533,7 +20589,7 @@
 </p:sld>
 </file>
 
-<file path=ppt/slides/slide52.xml><?xml version="1.0" encoding="utf-8"?>
+<file path=ppt/slides/slide53.xml><?xml version="1.0" encoding="utf-8"?>
 <p:sld xmlns:a="http://schemas.openxmlformats.org/drawingml/2006/main" xmlns:r="http://schemas.openxmlformats.org/officeDocument/2006/relationships" xmlns:p="http://schemas.openxmlformats.org/presentationml/2006/main">
   <p:cSld>
     <p:spTree>
@@ -21659,7 +21715,11 @@
           <a:p>
             <a:r>
               <a:rPr lang="da-DK" sz="9600" b="1" smtClean="0"/>
-              <a:t>T[ ] = </a:t>
+              <a:t>T[ ] </a:t>
+            </a:r>
+            <a:r>
+              <a:rPr lang="da-DK" sz="9600" b="1" smtClean="0"/>
+              <a:t>… = </a:t>
             </a:r>
             <a:r>
               <a:rPr lang="da-DK" sz="9600" b="1" smtClean="0">
@@ -21759,7 +21819,11 @@
           <a:p>
             <a:r>
               <a:rPr lang="da-DK" sz="9600" b="1"/>
-              <a:t>T[ ] = </a:t>
+              <a:t>T[ ] </a:t>
+            </a:r>
+            <a:r>
+              <a:rPr lang="da-DK" sz="9600" b="1" smtClean="0"/>
+              <a:t>… = </a:t>
             </a:r>
             <a:r>
               <a:rPr lang="da-DK" sz="9600" b="1">
@@ -21790,15 +21854,7 @@
             </a:br>
             <a:r>
               <a:rPr lang="da-DK" sz="4800" b="1" smtClean="0"/>
-              <a:t>an </a:t>
-            </a:r>
-            <a:r>
-              <a:rPr lang="da-DK" sz="4800" b="1" smtClean="0"/>
-              <a:t>array </a:t>
-            </a:r>
-            <a:r>
-              <a:rPr lang="da-DK" sz="4800" b="1" smtClean="0"/>
-              <a:t>of </a:t>
+              <a:t>an array of </a:t>
             </a:r>
             <a:r>
               <a:rPr lang="da-DK" sz="4800" b="1" i="1" smtClean="0"/>
@@ -21806,11 +21862,7 @@
             </a:r>
             <a:r>
               <a:rPr lang="da-DK" sz="4800" b="1" smtClean="0"/>
-              <a:t> </a:t>
-            </a:r>
-            <a:r>
-              <a:rPr lang="da-DK" sz="4800" b="1" smtClean="0"/>
-              <a:t>elements </a:t>
+              <a:t> elements </a:t>
             </a:r>
             <a:r>
               <a:rPr lang="da-DK" sz="4800" b="1"/>
@@ -21818,11 +21870,7 @@
             </a:r>
             <a:r>
               <a:rPr lang="da-DK" sz="4800" b="1" smtClean="0"/>
-              <a:t>f type </a:t>
-            </a:r>
-            <a:r>
-              <a:rPr lang="da-DK" sz="4800" b="1" smtClean="0"/>
-              <a:t>T</a:t>
+              <a:t>f type T</a:t>
             </a:r>
             <a:endParaRPr lang="da-DK" sz="4800" b="1">
               <a:solidFill>
@@ -21895,8 +21943,8 @@
         </p:nvSpPr>
         <p:spPr>
           <a:xfrm>
-            <a:off x="1524000" y="1122362"/>
-            <a:ext cx="9144000" cy="3144837"/>
+            <a:off x="978567" y="1122362"/>
+            <a:ext cx="10547685" cy="3144837"/>
           </a:xfrm>
         </p:spPr>
         <p:txBody>
@@ -21919,7 +21967,11 @@
             </a:r>
             <a:r>
               <a:rPr lang="da-DK" sz="9600" b="1"/>
-              <a:t>] = </a:t>
+              <a:t>] </a:t>
+            </a:r>
+            <a:r>
+              <a:rPr lang="da-DK" sz="9600" b="1" smtClean="0"/>
+              <a:t>… = </a:t>
             </a:r>
             <a:r>
               <a:rPr lang="da-DK" sz="9600" b="1">
@@ -21962,27 +22014,7 @@
             </a:br>
             <a:r>
               <a:rPr lang="da-DK" sz="4800" b="1" smtClean="0"/>
-              <a:t>an</a:t>
-            </a:r>
-            <a:r>
-              <a:rPr lang="da-DK" sz="4800" b="1" smtClean="0"/>
-              <a:t> </a:t>
-            </a:r>
-            <a:r>
-              <a:rPr lang="da-DK" sz="4800" b="1" smtClean="0"/>
-              <a:t>array </a:t>
-            </a:r>
-            <a:r>
-              <a:rPr lang="da-DK" sz="4800" b="1" smtClean="0"/>
-              <a:t>of </a:t>
-            </a:r>
-            <a:r>
-              <a:rPr lang="da-DK" sz="4800" b="1" smtClean="0"/>
-              <a:t>3 </a:t>
-            </a:r>
-            <a:r>
-              <a:rPr lang="da-DK" sz="4800" b="1" smtClean="0"/>
-              <a:t>elements </a:t>
+              <a:t>an array of 3 elements </a:t>
             </a:r>
             <a:r>
               <a:rPr lang="da-DK" sz="4800" b="1"/>
